--- a/linear-list/2022秋季-数据结构-第3章-线性结构a.pptx
+++ b/linear-list/2022秋季-数据结构-第3章-线性结构a.pptx
@@ -8,7 +8,7 @@
     <p:notesMasterId r:id="rId4"/>
   </p:notesMasterIdLst>
   <p:handoutMasterIdLst>
-    <p:handoutMasterId r:id="rId20"/>
+    <p:handoutMasterId r:id="rId19"/>
   </p:handoutMasterIdLst>
   <p:sldIdLst>
     <p:sldId id="256" r:id="rId3"/>
@@ -23,10 +23,9 @@
     <p:sldId id="288" r:id="rId13"/>
     <p:sldId id="289" r:id="rId14"/>
     <p:sldId id="279" r:id="rId15"/>
-    <p:sldId id="280" r:id="rId16"/>
-    <p:sldId id="260" r:id="rId17"/>
-    <p:sldId id="297" r:id="rId18"/>
-    <p:sldId id="298" r:id="rId19"/>
+    <p:sldId id="260" r:id="rId16"/>
+    <p:sldId id="297" r:id="rId17"/>
+    <p:sldId id="298" r:id="rId18"/>
   </p:sldIdLst>
   <p:sldSz cx="12192000" cy="6858000"/>
   <p:notesSz cx="7103745" cy="10234295"/>
@@ -125,7 +124,7 @@
       </a:defRPr>
     </a:lvl9pPr>
   </p:defaultTextStyle>
-  <p:modifyVerifier cryptProviderType="rsaFull" cryptAlgorithmClass="hash" cryptAlgorithmType="typeAny" cryptAlgorithmSid="4" spinCount="100000" saltData="HPN3n2cLEgyn72k5lBx2Hg==" hashData="S5WfsuxoRgAdjQGaI6FMtfeOiUM="/>
+  <p:modifyVerifier cryptProviderType="rsaFull" cryptAlgorithmClass="hash" cryptAlgorithmType="typeAny" cryptAlgorithmSid="4" spinCount="100000" saltData="ydRZlCro7To4Kkt+G9nGdQ==" hashData="wSP42UPILi6RoGi1U8gOix160UE="/>
 </p:presentation>
 </file>
 
@@ -11273,7 +11272,7 @@
         <p:spPr>
           <a:xfrm>
             <a:off x="482600" y="1314450"/>
-            <a:ext cx="6734175" cy="3415030"/>
+            <a:ext cx="10215245" cy="3291840"/>
           </a:xfrm>
           <a:prstGeom prst="rect">
             <a:avLst/>
@@ -11294,7 +11293,27 @@
                 <a:latin typeface="Courier New Regular" panose="02070309020205020404" charset="0"/>
                 <a:cs typeface="Courier New Regular" panose="02070309020205020404" charset="0"/>
               </a:rPr>
-              <a:t>bool Delete(struct ListNode *L, int i) { /* 这里默认L有头结点 */</a:t>
+              <a:t>bool Delete(struct ListNode *L, int i) { /* </a:t>
+            </a:r>
+            <a:r>
+              <a:rPr lang="zh-CN" altLang="en-US" sz="2800" b="1">
+                <a:solidFill>
+                  <a:srgbClr val="C00000"/>
+                </a:solidFill>
+                <a:latin typeface="Courier New Regular" panose="02070309020205020404" charset="0"/>
+                <a:cs typeface="Courier New Regular" panose="02070309020205020404" charset="0"/>
+              </a:rPr>
+              <a:t>这里默认L有头结点</a:t>
+            </a:r>
+            <a:r>
+              <a:rPr lang="zh-CN" altLang="en-US" b="1">
+                <a:solidFill>
+                  <a:srgbClr val="0070C0"/>
+                </a:solidFill>
+                <a:latin typeface="Courier New Regular" panose="02070309020205020404" charset="0"/>
+                <a:cs typeface="Courier New Regular" panose="02070309020205020404" charset="0"/>
+              </a:rPr>
+              <a:t> */</a:t>
             </a:r>
             <a:endParaRPr lang="zh-CN" altLang="en-US" b="1">
               <a:solidFill>
@@ -11525,7 +11544,7 @@
         <p:spPr>
           <a:xfrm>
             <a:off x="3688080" y="3536950"/>
-            <a:ext cx="8275320" cy="3138170"/>
+            <a:ext cx="6180455" cy="3138170"/>
           </a:xfrm>
           <a:prstGeom prst="rect">
             <a:avLst/>
@@ -11547,7 +11566,7 @@
                 <a:cs typeface="Courier New Regular" panose="02070309020205020404" charset="0"/>
                 <a:sym typeface="+mn-ea"/>
               </a:rPr>
-              <a:t>    if (pre == NULL || cnt != i - 1 || pre-&gt;next == NULL) {</a:t>
+              <a:t>    if (pre == NULL || pre-&gt;next == NULL) {</a:t>
             </a:r>
             <a:endParaRPr lang="zh-CN" altLang="en-US" b="1">
               <a:solidFill>
@@ -11811,221 +11830,6 @@
           <a:p>
             <a:r>
               <a:rPr lang="zh-CN" altLang="en-US">
-                <a:sym typeface="+mn-ea"/>
-              </a:rPr>
-              <a:t>链表的</a:t>
-            </a:r>
-            <a:r>
-              <a:rPr lang="zh-CN" altLang="en-US">
-                <a:sym typeface="+mn-ea"/>
-              </a:rPr>
-              <a:t>建立</a:t>
-            </a:r>
-            <a:endParaRPr lang="zh-CN" altLang="en-US">
-              <a:sym typeface="+mn-ea"/>
-            </a:endParaRPr>
-          </a:p>
-        </p:txBody>
-      </p:sp>
-      <p:sp>
-        <p:nvSpPr>
-          <p:cNvPr id="3" name="内容占位符 2"/>
-          <p:cNvSpPr>
-            <a:spLocks noGrp="1"/>
-          </p:cNvSpPr>
-          <p:nvPr>
-            <p:ph idx="1"/>
-          </p:nvPr>
-        </p:nvSpPr>
-        <p:spPr/>
-        <p:txBody>
-          <a:bodyPr/>
-          <a:p>
-            <a:pPr lvl="0">
-              <a:buFont typeface="Wingdings" panose="05000000000000000000" charset="0"/>
-              <a:buChar char=""/>
-            </a:pPr>
-            <a:r>
-              <a:rPr lang="zh-CN" altLang="en-US"/>
-              <a:t>带头结点的单向链</a:t>
-            </a:r>
-            <a:r>
-              <a:rPr lang="zh-CN" altLang="en-US"/>
-              <a:t>表</a:t>
-            </a:r>
-            <a:endParaRPr lang="zh-CN" altLang="en-US"/>
-          </a:p>
-          <a:p>
-            <a:pPr lvl="1">
-              <a:buFont typeface="Wingdings" panose="05000000000000000000" charset="0"/>
-              <a:buChar char=""/>
-            </a:pPr>
-            <a:r>
-              <a:rPr lang="zh-CN" altLang="en-US">
-                <a:sym typeface="+mn-ea"/>
-              </a:rPr>
-              <a:t>在链表的头上不断插入新结点</a:t>
-            </a:r>
-            <a:endParaRPr lang="zh-CN" altLang="en-US">
-              <a:sym typeface="+mn-ea"/>
-            </a:endParaRPr>
-          </a:p>
-          <a:p>
-            <a:pPr lvl="1">
-              <a:buFont typeface="Wingdings" panose="05000000000000000000" charset="0"/>
-              <a:buChar char=""/>
-            </a:pPr>
-            <a:endParaRPr lang="zh-CN" altLang="en-US"/>
-          </a:p>
-          <a:p>
-            <a:pPr lvl="1">
-              <a:buFont typeface="Wingdings" panose="05000000000000000000" charset="0"/>
-              <a:buChar char=""/>
-            </a:pPr>
-            <a:endParaRPr lang="zh-CN" altLang="en-US"/>
-          </a:p>
-        </p:txBody>
-      </p:sp>
-      <p:sp>
-        <p:nvSpPr>
-          <p:cNvPr id="4" name="文本框 3"/>
-          <p:cNvSpPr txBox="1"/>
-          <p:nvPr/>
-        </p:nvSpPr>
-        <p:spPr>
-          <a:xfrm>
-            <a:off x="792480" y="3296285"/>
-            <a:ext cx="10607040" cy="1753235"/>
-          </a:xfrm>
-          <a:prstGeom prst="rect">
-            <a:avLst/>
-          </a:prstGeom>
-          <a:noFill/>
-        </p:spPr>
-        <p:txBody>
-          <a:bodyPr wrap="none" rtlCol="0">
-            <a:spAutoFit/>
-          </a:bodyPr>
-          <a:p>
-            <a:pPr algn="l"/>
-            <a:r>
-              <a:rPr lang="zh-CN" altLang="en-US">
-                <a:latin typeface="Courier New Regular" panose="02070309020205020404" charset="0"/>
-                <a:cs typeface="Courier New Regular" panose="02070309020205020404" charset="0"/>
-              </a:rPr>
-              <a:t>void create(struct ListNode *L, int X) {</a:t>
-            </a:r>
-            <a:endParaRPr lang="zh-CN" altLang="en-US">
-              <a:latin typeface="Courier New Regular" panose="02070309020205020404" charset="0"/>
-              <a:cs typeface="Courier New Regular" panose="02070309020205020404" charset="0"/>
-            </a:endParaRPr>
-          </a:p>
-          <a:p>
-            <a:pPr algn="l"/>
-            <a:r>
-              <a:rPr lang="zh-CN" altLang="en-US">
-                <a:latin typeface="Courier New Regular" panose="02070309020205020404" charset="0"/>
-                <a:cs typeface="Courier New Regular" panose="02070309020205020404" charset="0"/>
-              </a:rPr>
-              <a:t>    struct ListNode *t = (struct ListNode *)malloc(sizeof(struct ListNode));</a:t>
-            </a:r>
-            <a:endParaRPr lang="zh-CN" altLang="en-US">
-              <a:latin typeface="Courier New Regular" panose="02070309020205020404" charset="0"/>
-              <a:cs typeface="Courier New Regular" panose="02070309020205020404" charset="0"/>
-            </a:endParaRPr>
-          </a:p>
-          <a:p>
-            <a:pPr algn="l"/>
-            <a:r>
-              <a:rPr lang="zh-CN" altLang="en-US">
-                <a:latin typeface="Courier New Regular" panose="02070309020205020404" charset="0"/>
-                <a:cs typeface="Courier New Regular" panose="02070309020205020404" charset="0"/>
-              </a:rPr>
-              <a:t>    t-&gt;val = X;</a:t>
-            </a:r>
-            <a:endParaRPr lang="zh-CN" altLang="en-US">
-              <a:latin typeface="Courier New Regular" panose="02070309020205020404" charset="0"/>
-              <a:cs typeface="Courier New Regular" panose="02070309020205020404" charset="0"/>
-            </a:endParaRPr>
-          </a:p>
-          <a:p>
-            <a:pPr algn="l"/>
-            <a:r>
-              <a:rPr lang="zh-CN" altLang="en-US">
-                <a:latin typeface="Courier New Regular" panose="02070309020205020404" charset="0"/>
-                <a:cs typeface="Courier New Regular" panose="02070309020205020404" charset="0"/>
-              </a:rPr>
-              <a:t>    t-&gt;next = L-&gt;next;</a:t>
-            </a:r>
-            <a:endParaRPr lang="zh-CN" altLang="en-US">
-              <a:latin typeface="Courier New Regular" panose="02070309020205020404" charset="0"/>
-              <a:cs typeface="Courier New Regular" panose="02070309020205020404" charset="0"/>
-            </a:endParaRPr>
-          </a:p>
-          <a:p>
-            <a:pPr algn="l"/>
-            <a:r>
-              <a:rPr lang="zh-CN" altLang="en-US">
-                <a:latin typeface="Courier New Regular" panose="02070309020205020404" charset="0"/>
-                <a:cs typeface="Courier New Regular" panose="02070309020205020404" charset="0"/>
-              </a:rPr>
-              <a:t>    L-&gt;next = t;</a:t>
-            </a:r>
-            <a:endParaRPr lang="zh-CN" altLang="en-US">
-              <a:latin typeface="Courier New Regular" panose="02070309020205020404" charset="0"/>
-              <a:cs typeface="Courier New Regular" panose="02070309020205020404" charset="0"/>
-            </a:endParaRPr>
-          </a:p>
-          <a:p>
-            <a:pPr algn="l"/>
-            <a:r>
-              <a:rPr lang="zh-CN" altLang="en-US">
-                <a:latin typeface="Courier New Regular" panose="02070309020205020404" charset="0"/>
-                <a:cs typeface="Courier New Regular" panose="02070309020205020404" charset="0"/>
-              </a:rPr>
-              <a:t>}</a:t>
-            </a:r>
-            <a:endParaRPr lang="zh-CN" altLang="en-US">
-              <a:latin typeface="Courier New Regular" panose="02070309020205020404" charset="0"/>
-              <a:cs typeface="Courier New Regular" panose="02070309020205020404" charset="0"/>
-            </a:endParaRPr>
-          </a:p>
-        </p:txBody>
-      </p:sp>
-    </p:spTree>
-  </p:cSld>
-  <p:clrMapOvr>
-    <a:masterClrMapping/>
-  </p:clrMapOvr>
-</p:sld>
-</file>
-
-<file path=ppt/slides/slide14.xml><?xml version="1.0" encoding="utf-8"?>
-<p:sld xmlns:a="http://schemas.openxmlformats.org/drawingml/2006/main" xmlns:r="http://schemas.openxmlformats.org/officeDocument/2006/relationships" xmlns:p="http://schemas.openxmlformats.org/presentationml/2006/main">
-  <p:cSld>
-    <p:spTree>
-      <p:nvGrpSpPr>
-        <p:cNvPr id="1" name=""/>
-        <p:cNvGrpSpPr/>
-        <p:nvPr/>
-      </p:nvGrpSpPr>
-      <p:grpSpPr/>
-      <p:sp>
-        <p:nvSpPr>
-          <p:cNvPr id="2" name="标题 1"/>
-          <p:cNvSpPr>
-            <a:spLocks noGrp="1"/>
-          </p:cNvSpPr>
-          <p:nvPr>
-            <p:ph type="title"/>
-          </p:nvPr>
-        </p:nvSpPr>
-        <p:spPr/>
-        <p:txBody>
-          <a:bodyPr/>
-          <a:p>
-            <a:r>
-              <a:rPr lang="zh-CN" altLang="en-US">
                 <a:latin typeface="黑体" charset="0"/>
                 <a:ea typeface="黑体" charset="0"/>
               </a:rPr>
@@ -12189,34 +11993,6 @@
                 <a:ea typeface="黑体" charset="0"/>
                 <a:sym typeface="+mn-ea"/>
               </a:rPr>
-              <a:t>(1)</a:t>
-            </a:r>
-            <a:r>
-              <a:rPr lang="zh-CN" altLang="en-US" sz="2400">
-                <a:solidFill>
-                  <a:schemeClr val="tx1">
-                    <a:lumMod val="75000"/>
-                    <a:lumOff val="25000"/>
-                  </a:schemeClr>
-                </a:solidFill>
-                <a:uFillTx/>
-                <a:ea typeface="黑体" charset="0"/>
-                <a:sym typeface="+mn-ea"/>
-              </a:rPr>
-              <a:t>、</a:t>
-            </a:r>
-            <a:r>
-              <a:rPr lang="en-US" altLang="zh-CN" sz="2400">
-                <a:solidFill>
-                  <a:schemeClr val="tx1">
-                    <a:lumMod val="75000"/>
-                    <a:lumOff val="25000"/>
-                  </a:schemeClr>
-                </a:solidFill>
-                <a:uFillTx/>
-                <a:ea typeface="黑体" charset="0"/>
-                <a:sym typeface="+mn-ea"/>
-              </a:rPr>
               <a:t>(2)</a:t>
             </a:r>
             <a:r>
@@ -12637,7 +12413,7 @@
 </p:sld>
 </file>
 
-<file path=ppt/slides/slide15.xml><?xml version="1.0" encoding="utf-8"?>
+<file path=ppt/slides/slide14.xml><?xml version="1.0" encoding="utf-8"?>
 <p:sld xmlns:a="http://schemas.openxmlformats.org/drawingml/2006/main" xmlns:r="http://schemas.openxmlformats.org/officeDocument/2006/relationships" xmlns:p="http://schemas.openxmlformats.org/presentationml/2006/main">
   <p:cSld>
     <p:spTree>
@@ -12741,7 +12517,7 @@
 </p:sld>
 </file>
 
-<file path=ppt/slides/slide16.xml><?xml version="1.0" encoding="utf-8"?>
+<file path=ppt/slides/slide15.xml><?xml version="1.0" encoding="utf-8"?>
 <p:sld xmlns:a="http://schemas.openxmlformats.org/drawingml/2006/main" xmlns:r="http://schemas.openxmlformats.org/officeDocument/2006/relationships" xmlns:p="http://schemas.openxmlformats.org/presentationml/2006/main">
   <p:cSld>
     <p:spTree>
@@ -13123,8 +12899,8 @@
         </p:nvSpPr>
         <p:spPr>
           <a:xfrm>
-            <a:off x="8780145" y="2563495"/>
-            <a:ext cx="2876550" cy="645160"/>
+            <a:off x="6589395" y="2132330"/>
+            <a:ext cx="4968240" cy="1076325"/>
           </a:xfrm>
           <a:prstGeom prst="rect">
             <a:avLst/>
@@ -13137,7 +12913,7 @@
           </a:bodyPr>
           <a:p>
             <a:r>
-              <a:rPr lang="zh-CN" altLang="en-US" b="1">
+              <a:rPr lang="zh-CN" altLang="en-US" sz="3200" b="1">
                 <a:solidFill>
                   <a:srgbClr val="C00000"/>
                 </a:solidFill>
@@ -13146,7 +12922,7 @@
               </a:rPr>
               <a:t>课堂：</a:t>
             </a:r>
-            <a:endParaRPr lang="zh-CN" altLang="en-US" b="1">
+            <a:endParaRPr lang="zh-CN" altLang="en-US" sz="3200" b="1">
               <a:solidFill>
                 <a:srgbClr val="C00000"/>
               </a:solidFill>
@@ -13156,27 +12932,27 @@
           </a:p>
           <a:p>
             <a:r>
-              <a:rPr lang="zh-CN" altLang="en-US">
+              <a:rPr lang="zh-CN" altLang="en-US" sz="3200">
                 <a:latin typeface="黑体" charset="0"/>
                 <a:ea typeface="黑体" charset="0"/>
               </a:rPr>
               <a:t>结合</a:t>
             </a:r>
             <a:r>
-              <a:rPr lang="en-US" altLang="zh-CN">
+              <a:rPr lang="en-US" altLang="zh-CN" sz="3200">
                 <a:latin typeface="黑体" charset="0"/>
                 <a:ea typeface="黑体" charset="0"/>
               </a:rPr>
               <a:t>chapter-3-poly.c</a:t>
             </a:r>
             <a:r>
-              <a:rPr lang="zh-CN" altLang="en-US">
+              <a:rPr lang="zh-CN" altLang="en-US" sz="3200">
                 <a:latin typeface="黑体" charset="0"/>
                 <a:ea typeface="黑体" charset="0"/>
               </a:rPr>
               <a:t>讲解</a:t>
             </a:r>
-            <a:endParaRPr lang="zh-CN" altLang="en-US">
+            <a:endParaRPr lang="zh-CN" altLang="en-US" sz="3200">
               <a:latin typeface="黑体" charset="0"/>
               <a:ea typeface="黑体" charset="0"/>
             </a:endParaRPr>
@@ -13274,9 +13050,9 @@
             </a:endParaRPr>
           </a:p>
           <a:p>
-            <a:pPr lvl="1">
+            <a:pPr marL="914400" lvl="1" indent="-457200">
               <a:buFont typeface="Wingdings" panose="05000000000000000000" charset="0"/>
-              <a:buChar char=""/>
+              <a:buAutoNum type="arabicPeriod"/>
             </a:pPr>
             <a:r>
               <a:rPr lang="zh-CN" altLang="en-US">
@@ -13291,9 +13067,9 @@
             </a:endParaRPr>
           </a:p>
           <a:p>
-            <a:pPr lvl="1">
+            <a:pPr marL="914400" lvl="1" indent="-457200">
               <a:buFont typeface="Wingdings" panose="05000000000000000000" charset="0"/>
-              <a:buChar char=""/>
+              <a:buAutoNum type="arabicPeriod"/>
             </a:pPr>
             <a:r>
               <a:rPr lang="zh-CN" altLang="en-US">
@@ -13308,9 +13084,9 @@
             </a:endParaRPr>
           </a:p>
           <a:p>
-            <a:pPr lvl="1">
+            <a:pPr marL="914400" lvl="1" indent="-457200">
               <a:buFont typeface="Wingdings" panose="05000000000000000000" charset="0"/>
-              <a:buChar char=""/>
+              <a:buAutoNum type="arabicPeriod"/>
             </a:pPr>
             <a:r>
               <a:rPr lang="zh-CN" altLang="en-US">
@@ -14028,67 +13804,6 @@
               <a:latin typeface="黑体" charset="0"/>
               <a:ea typeface="黑体" charset="0"/>
               <a:cs typeface="黑体" charset="0"/>
-            </a:endParaRPr>
-          </a:p>
-        </p:txBody>
-      </p:sp>
-      <p:sp>
-        <p:nvSpPr>
-          <p:cNvPr id="4" name="文本框 3"/>
-          <p:cNvSpPr txBox="1"/>
-          <p:nvPr/>
-        </p:nvSpPr>
-        <p:spPr>
-          <a:xfrm>
-            <a:off x="1052830" y="3833495"/>
-            <a:ext cx="2697480" cy="645160"/>
-          </a:xfrm>
-          <a:prstGeom prst="rect">
-            <a:avLst/>
-          </a:prstGeom>
-          <a:noFill/>
-        </p:spPr>
-        <p:txBody>
-          <a:bodyPr wrap="none" rtlCol="0">
-            <a:spAutoFit/>
-          </a:bodyPr>
-          <a:p>
-            <a:r>
-              <a:rPr lang="zh-CN" altLang="en-US" b="1">
-                <a:solidFill>
-                  <a:srgbClr val="C00000"/>
-                </a:solidFill>
-                <a:latin typeface="黑体" charset="0"/>
-                <a:ea typeface="黑体" charset="0"/>
-              </a:rPr>
-              <a:t>课堂：</a:t>
-            </a:r>
-            <a:endParaRPr lang="zh-CN" altLang="en-US" b="1">
-              <a:solidFill>
-                <a:srgbClr val="C00000"/>
-              </a:solidFill>
-              <a:latin typeface="黑体" charset="0"/>
-              <a:ea typeface="黑体" charset="0"/>
-            </a:endParaRPr>
-          </a:p>
-          <a:p>
-            <a:r>
-              <a:rPr lang="zh-CN" altLang="en-US">
-                <a:latin typeface="黑体" charset="0"/>
-                <a:ea typeface="黑体" charset="0"/>
-              </a:rPr>
-              <a:t>较为简单，结合课本</a:t>
-            </a:r>
-            <a:r>
-              <a:rPr lang="zh-CN" altLang="en-US">
-                <a:latin typeface="黑体" charset="0"/>
-                <a:ea typeface="黑体" charset="0"/>
-              </a:rPr>
-              <a:t>讲解</a:t>
-            </a:r>
-            <a:endParaRPr lang="zh-CN" altLang="en-US">
-              <a:latin typeface="黑体" charset="0"/>
-              <a:ea typeface="黑体" charset="0"/>
             </a:endParaRPr>
           </a:p>
         </p:txBody>
@@ -14440,7 +14155,21 @@
                 <a:latin typeface="Courier New Regular" panose="02070309020205020404" charset="0"/>
                 <a:cs typeface="Courier New Regular" panose="02070309020205020404" charset="0"/>
               </a:rPr>
-              <a:t> *     PolyNode *next;</a:t>
+              <a:t> *     </a:t>
+            </a:r>
+            <a:r>
+              <a:rPr lang="en-US" altLang="zh-CN">
+                <a:latin typeface="Courier New Regular" panose="02070309020205020404" charset="0"/>
+                <a:cs typeface="Courier New Regular" panose="02070309020205020404" charset="0"/>
+              </a:rPr>
+              <a:t>struct </a:t>
+            </a:r>
+            <a:r>
+              <a:rPr lang="zh-CN" altLang="en-US">
+                <a:latin typeface="Courier New Regular" panose="02070309020205020404" charset="0"/>
+                <a:cs typeface="Courier New Regular" panose="02070309020205020404" charset="0"/>
+              </a:rPr>
+              <a:t>PolyNode *next;</a:t>
             </a:r>
             <a:endParaRPr lang="zh-CN" altLang="en-US">
               <a:latin typeface="Courier New Regular" panose="02070309020205020404" charset="0"/>
@@ -14636,7 +14365,7 @@
                 <a:latin typeface="Courier New Regular" panose="02070309020205020404" charset="0"/>
                 <a:cs typeface="Courier New Regular" panose="02070309020205020404" charset="0"/>
               </a:rPr>
-              <a:t>    p = L-&gt;next; /* p指向表的第0个结点 */</a:t>
+              <a:t>    p = L; /* p指向表的第0个结点 */</a:t>
             </a:r>
             <a:endParaRPr lang="zh-CN" altLang="en-US">
               <a:latin typeface="Courier New Regular" panose="02070309020205020404" charset="0"/>
@@ -14738,102 +14467,14 @@
       </p:sp>
       <p:sp>
         <p:nvSpPr>
-          <p:cNvPr id="9" name="文本框 8"/>
+          <p:cNvPr id="4" name="文本框 3"/>
           <p:cNvSpPr txBox="1"/>
           <p:nvPr/>
         </p:nvSpPr>
         <p:spPr>
           <a:xfrm>
-            <a:off x="6777355" y="2762250"/>
-            <a:ext cx="2938145" cy="1322070"/>
-          </a:xfrm>
-          <a:prstGeom prst="rect">
-            <a:avLst/>
-          </a:prstGeom>
-          <a:noFill/>
-        </p:spPr>
-        <p:txBody>
-          <a:bodyPr wrap="square" rtlCol="0">
-            <a:spAutoFit/>
-          </a:bodyPr>
-          <a:p>
-            <a:r>
-              <a:rPr lang="zh-CN" altLang="en-US" sz="2000" b="1">
-                <a:solidFill>
-                  <a:srgbClr val="C00000"/>
-                </a:solidFill>
-                <a:latin typeface="黑体" charset="0"/>
-                <a:ea typeface="黑体" charset="0"/>
-              </a:rPr>
-              <a:t>课堂提问：</a:t>
-            </a:r>
-            <a:endParaRPr lang="zh-CN" altLang="en-US" sz="2000" b="1">
-              <a:solidFill>
-                <a:srgbClr val="C00000"/>
-              </a:solidFill>
-              <a:latin typeface="黑体" charset="0"/>
-              <a:ea typeface="黑体" charset="0"/>
-            </a:endParaRPr>
-          </a:p>
-          <a:p>
-            <a:r>
-              <a:rPr lang="zh-CN" altLang="en-US" sz="2000">
-                <a:latin typeface="黑体" charset="0"/>
-                <a:ea typeface="黑体" charset="0"/>
-              </a:rPr>
-              <a:t>部分“</a:t>
-            </a:r>
-            <a:r>
-              <a:rPr lang="zh-CN" altLang="en-US" sz="2000">
-                <a:latin typeface="黑体" charset="0"/>
-                <a:ea typeface="黑体" charset="0"/>
-              </a:rPr>
-              <a:t>主要操作”</a:t>
-            </a:r>
-            <a:r>
-              <a:rPr lang="zh-CN" altLang="en-US" sz="2000">
-                <a:latin typeface="黑体" charset="0"/>
-                <a:ea typeface="黑体" charset="0"/>
-              </a:rPr>
-              <a:t>的循环不变式</a:t>
-            </a:r>
-            <a:endParaRPr lang="zh-CN" altLang="en-US" sz="2000">
-              <a:latin typeface="黑体" charset="0"/>
-              <a:ea typeface="黑体" charset="0"/>
-            </a:endParaRPr>
-          </a:p>
-          <a:p>
-            <a:r>
-              <a:rPr lang="zh-CN" altLang="en-US" sz="2000">
-                <a:latin typeface="黑体" charset="0"/>
-                <a:ea typeface="黑体" charset="0"/>
-              </a:rPr>
-              <a:t>各个操作的时间</a:t>
-            </a:r>
-            <a:r>
-              <a:rPr lang="zh-CN" altLang="en-US" sz="2000">
-                <a:latin typeface="黑体" charset="0"/>
-                <a:ea typeface="黑体" charset="0"/>
-              </a:rPr>
-              <a:t>复杂度</a:t>
-            </a:r>
-            <a:endParaRPr lang="zh-CN" altLang="en-US" sz="2000">
-              <a:latin typeface="黑体" charset="0"/>
-              <a:ea typeface="黑体" charset="0"/>
-            </a:endParaRPr>
-          </a:p>
-        </p:txBody>
-      </p:sp>
-      <p:sp>
-        <p:nvSpPr>
-          <p:cNvPr id="10" name="文本框 9"/>
-          <p:cNvSpPr txBox="1"/>
-          <p:nvPr/>
-        </p:nvSpPr>
-        <p:spPr>
-          <a:xfrm>
-            <a:off x="6769100" y="1212850"/>
-            <a:ext cx="2926080" cy="645160"/>
+            <a:off x="7063105" y="2663825"/>
+            <a:ext cx="2621280" cy="583565"/>
           </a:xfrm>
           <a:prstGeom prst="rect">
             <a:avLst/>
@@ -14846,34 +14487,15 @@
           </a:bodyPr>
           <a:p>
             <a:r>
-              <a:rPr lang="zh-CN" altLang="en-US" b="1">
-                <a:solidFill>
-                  <a:srgbClr val="C00000"/>
-                </a:solidFill>
-                <a:latin typeface="黑体" charset="0"/>
-                <a:ea typeface="黑体" charset="0"/>
-              </a:rPr>
-              <a:t>课堂：</a:t>
-            </a:r>
-            <a:endParaRPr lang="zh-CN" altLang="en-US" b="1">
-              <a:solidFill>
-                <a:srgbClr val="C00000"/>
-              </a:solidFill>
-              <a:latin typeface="黑体" charset="0"/>
-              <a:ea typeface="黑体" charset="0"/>
-            </a:endParaRPr>
-          </a:p>
-          <a:p>
-            <a:r>
-              <a:rPr lang="zh-CN" altLang="en-US">
-                <a:latin typeface="黑体" charset="0"/>
-                <a:ea typeface="黑体" charset="0"/>
-              </a:rPr>
-              <a:t>依次介绍代码，并运行验证</a:t>
-            </a:r>
-            <a:endParaRPr lang="zh-CN" altLang="en-US">
-              <a:latin typeface="黑体" charset="0"/>
-              <a:ea typeface="黑体" charset="0"/>
+              <a:rPr lang="zh-CN" altLang="en-US" sz="3200">
+                <a:latin typeface="Heiti SC Light" panose="02000000000000000000" charset="-122"/>
+                <a:ea typeface="Heiti SC Light" panose="02000000000000000000" charset="-122"/>
+              </a:rPr>
+              <a:t>时间复杂度？</a:t>
+            </a:r>
+            <a:endParaRPr lang="zh-CN" altLang="en-US" sz="3200">
+              <a:latin typeface="Heiti SC Light" panose="02000000000000000000" charset="-122"/>
+              <a:ea typeface="Heiti SC Light" panose="02000000000000000000" charset="-122"/>
             </a:endParaRPr>
           </a:p>
         </p:txBody>
@@ -15000,7 +14622,7 @@
                 <a:latin typeface="Courier New Regular" panose="02070309020205020404" charset="0"/>
                 <a:cs typeface="Courier New Regular" panose="02070309020205020404" charset="0"/>
               </a:rPr>
-              <a:t>    p = L-&gt;next; /* p指向L的第0个结点 */</a:t>
+              <a:t>    p = L; /* p指向L的第0个结点 */</a:t>
             </a:r>
             <a:endParaRPr lang="zh-CN" altLang="en-US">
               <a:latin typeface="Courier New Regular" panose="02070309020205020404" charset="0"/>
@@ -15070,7 +14692,7 @@
                 <a:latin typeface="Courier New Regular" panose="02070309020205020404" charset="0"/>
                 <a:cs typeface="Courier New Regular" panose="02070309020205020404" charset="0"/>
               </a:rPr>
-              <a:t>    if ((cnt == K) &amp;&amp; p)</a:t>
+              <a:t>    if (p)</a:t>
             </a:r>
             <a:endParaRPr lang="zh-CN" altLang="en-US">
               <a:latin typeface="Courier New Regular" panose="02070309020205020404" charset="0"/>
@@ -15224,7 +14846,7 @@
                 <a:latin typeface="Courier New Regular" panose="02070309020205020404" charset="0"/>
                 <a:cs typeface="Courier New Regular" panose="02070309020205020404" charset="0"/>
               </a:rPr>
-              <a:t>    struct ListNode *p = L-&gt;next;</a:t>
+              <a:t>    struct ListNode *p = L;</a:t>
             </a:r>
             <a:endParaRPr lang="zh-CN" altLang="en-US">
               <a:latin typeface="Courier New Regular" panose="02070309020205020404" charset="0"/>
@@ -15352,7 +14974,7 @@
         <p:spPr>
           <a:xfrm>
             <a:off x="423545" y="1394460"/>
-            <a:ext cx="10963910" cy="3138170"/>
+            <a:ext cx="10963910" cy="3291840"/>
           </a:xfrm>
           <a:prstGeom prst="rect">
             <a:avLst/>
@@ -15373,7 +14995,27 @@
                 <a:latin typeface="Courier New Regular" panose="02070309020205020404" charset="0"/>
                 <a:cs typeface="Courier New Regular" panose="02070309020205020404" charset="0"/>
               </a:rPr>
-              <a:t>bool Insert(struct ListNode *L, int X, int i) { /* 这里默认L有头结点 */</a:t>
+              <a:t>bool Insert(struct ListNode *L, int X, int i) { /* </a:t>
+            </a:r>
+            <a:r>
+              <a:rPr lang="zh-CN" altLang="en-US" sz="2800" b="1">
+                <a:solidFill>
+                  <a:srgbClr val="C00000"/>
+                </a:solidFill>
+                <a:latin typeface="Courier New Regular" panose="02070309020205020404" charset="0"/>
+                <a:cs typeface="Courier New Regular" panose="02070309020205020404" charset="0"/>
+              </a:rPr>
+              <a:t>这里默认L有头结点</a:t>
+            </a:r>
+            <a:r>
+              <a:rPr lang="zh-CN" altLang="en-US" b="1">
+                <a:solidFill>
+                  <a:srgbClr val="0070C0"/>
+                </a:solidFill>
+                <a:latin typeface="Courier New Regular" panose="02070309020205020404" charset="0"/>
+                <a:cs typeface="Courier New Regular" panose="02070309020205020404" charset="0"/>
+              </a:rPr>
+              <a:t> */</a:t>
             </a:r>
             <a:endParaRPr lang="zh-CN" altLang="en-US" b="1">
               <a:solidFill>
@@ -15603,7 +15245,7 @@
         </p:nvSpPr>
         <p:spPr>
           <a:xfrm>
-            <a:off x="2971165" y="3366770"/>
+            <a:off x="3185795" y="3366770"/>
             <a:ext cx="8929370" cy="3415030"/>
           </a:xfrm>
           <a:prstGeom prst="rect">
@@ -15626,7 +15268,7 @@
                 <a:cs typeface="Courier New Regular" panose="02070309020205020404" charset="0"/>
                 <a:sym typeface="+mn-ea"/>
               </a:rPr>
-              <a:t>    if (pre == NULL || cnt != i - 1) { /* 所找结点不在L中 */</a:t>
+              <a:t>    if (pre == NULL) { /* 所找结点不在L中 */</a:t>
             </a:r>
             <a:endParaRPr lang="zh-CN" altLang="en-US" b="1">
               <a:solidFill>
@@ -15752,7 +15394,7 @@
                 <a:cs typeface="Courier New Regular" panose="02070309020205020404" charset="0"/>
                 <a:sym typeface="+mn-ea"/>
               </a:rPr>
-              <a:t>            sizeof(struct ListNode)); /*申请、填装结点*/</a:t>
+              <a:t>            sizeof(struct ListNode));</a:t>
             </a:r>
             <a:endParaRPr lang="zh-CN" altLang="en-US" b="1">
               <a:solidFill>
@@ -15870,96 +15512,6 @@
           </a:p>
         </p:txBody>
       </p:sp>
-      <p:sp>
-        <p:nvSpPr>
-          <p:cNvPr id="9" name="文本框 8"/>
-          <p:cNvSpPr txBox="1"/>
-          <p:nvPr/>
-        </p:nvSpPr>
-        <p:spPr>
-          <a:xfrm>
-            <a:off x="6727190" y="2058670"/>
-            <a:ext cx="2938145" cy="706755"/>
-          </a:xfrm>
-          <a:prstGeom prst="rect">
-            <a:avLst/>
-          </a:prstGeom>
-          <a:noFill/>
-        </p:spPr>
-        <p:txBody>
-          <a:bodyPr wrap="square" rtlCol="0">
-            <a:spAutoFit/>
-          </a:bodyPr>
-          <a:p>
-            <a:r>
-              <a:rPr lang="zh-CN" altLang="en-US" sz="2000" b="1">
-                <a:solidFill>
-                  <a:srgbClr val="C00000"/>
-                </a:solidFill>
-                <a:latin typeface="黑体" charset="0"/>
-                <a:ea typeface="黑体" charset="0"/>
-              </a:rPr>
-              <a:t>课堂提问：</a:t>
-            </a:r>
-            <a:endParaRPr lang="zh-CN" altLang="en-US" sz="2000" b="1">
-              <a:solidFill>
-                <a:srgbClr val="C00000"/>
-              </a:solidFill>
-              <a:latin typeface="黑体" charset="0"/>
-              <a:ea typeface="黑体" charset="0"/>
-            </a:endParaRPr>
-          </a:p>
-          <a:p>
-            <a:r>
-              <a:rPr lang="zh-CN" altLang="en-US" sz="2000">
-                <a:latin typeface="黑体" charset="0"/>
-                <a:ea typeface="黑体" charset="0"/>
-              </a:rPr>
-              <a:t>循环不变式</a:t>
-            </a:r>
-            <a:endParaRPr lang="zh-CN" altLang="en-US" sz="2000">
-              <a:latin typeface="黑体" charset="0"/>
-              <a:ea typeface="黑体" charset="0"/>
-            </a:endParaRPr>
-          </a:p>
-        </p:txBody>
-      </p:sp>
-      <p:cxnSp>
-        <p:nvCxnSpPr>
-          <p:cNvPr id="4" name="直接箭头连接符 3"/>
-          <p:cNvCxnSpPr/>
-          <p:nvPr/>
-        </p:nvCxnSpPr>
-        <p:spPr>
-          <a:xfrm flipH="1">
-            <a:off x="5165090" y="2403475"/>
-            <a:ext cx="1344930" cy="364490"/>
-          </a:xfrm>
-          <a:prstGeom prst="straightConnector1">
-            <a:avLst/>
-          </a:prstGeom>
-          <a:ln w="12700">
-            <a:solidFill>
-              <a:schemeClr val="tx1"/>
-            </a:solidFill>
-            <a:tailEnd type="arrow"/>
-          </a:ln>
-        </p:spPr>
-        <p:style>
-          <a:lnRef idx="1">
-            <a:schemeClr val="accent1"/>
-          </a:lnRef>
-          <a:fillRef idx="0">
-            <a:schemeClr val="accent1"/>
-          </a:fillRef>
-          <a:effectRef idx="0">
-            <a:schemeClr val="accent1"/>
-          </a:effectRef>
-          <a:fontRef idx="minor">
-            <a:schemeClr val="tx1"/>
-          </a:fontRef>
-        </p:style>
-      </p:cxnSp>
     </p:spTree>
   </p:cSld>
   <p:clrMapOvr>

--- a/linear-list/2022秋季-数据结构-第3章-线性结构a.pptx
+++ b/linear-list/2022秋季-数据结构-第3章-线性结构a.pptx
@@ -124,7 +124,7 @@
       </a:defRPr>
     </a:lvl9pPr>
   </p:defaultTextStyle>
-  <p:modifyVerifier cryptProviderType="rsaFull" cryptAlgorithmClass="hash" cryptAlgorithmType="typeAny" cryptAlgorithmSid="4" spinCount="100000" saltData="ydRZlCro7To4Kkt+G9nGdQ==" hashData="wSP42UPILi6RoGi1U8gOix160UE="/>
+  <p:modifyVerifier cryptProviderType="rsaFull" cryptAlgorithmClass="hash" cryptAlgorithmType="typeAny" cryptAlgorithmSid="4" spinCount="100000" saltData="Xdj70+DrA2+EO37bbaw6+g==" hashData="Yem87P8zwfIa5pgiJ99A7R7HKwc="/>
 </p:presentation>
 </file>
 
@@ -3252,8 +3252,8 @@
           <a:solidFill>
             <a:schemeClr val="tx1"/>
           </a:solidFill>
-          <a:latin typeface="+mj-lt"/>
-          <a:ea typeface="+mj-ea"/>
+          <a:latin typeface="黑体" charset="0"/>
+          <a:ea typeface="黑体" charset="0"/>
           <a:cs typeface="+mj-cs"/>
         </a:defRPr>
       </a:lvl1pPr>
@@ -3272,8 +3272,8 @@
           <a:solidFill>
             <a:schemeClr val="tx1"/>
           </a:solidFill>
-          <a:latin typeface="+mn-lt"/>
-          <a:ea typeface="+mn-ea"/>
+          <a:latin typeface="Heiti SC Light" panose="02000000000000000000" charset="-122"/>
+          <a:ea typeface="Heiti SC Light" panose="02000000000000000000" charset="-122"/>
           <a:cs typeface="+mn-cs"/>
         </a:defRPr>
       </a:lvl1pPr>
@@ -3290,8 +3290,8 @@
           <a:solidFill>
             <a:schemeClr val="tx1"/>
           </a:solidFill>
-          <a:latin typeface="+mn-lt"/>
-          <a:ea typeface="+mn-ea"/>
+          <a:latin typeface="Heiti SC Light" panose="02000000000000000000" charset="-122"/>
+          <a:ea typeface="Heiti SC Light" panose="02000000000000000000" charset="-122"/>
           <a:cs typeface="+mn-cs"/>
         </a:defRPr>
       </a:lvl2pPr>
@@ -3308,8 +3308,8 @@
           <a:solidFill>
             <a:schemeClr val="tx1"/>
           </a:solidFill>
-          <a:latin typeface="+mn-lt"/>
-          <a:ea typeface="+mn-ea"/>
+          <a:latin typeface="Heiti SC Light" panose="02000000000000000000" charset="-122"/>
+          <a:ea typeface="Heiti SC Light" panose="02000000000000000000" charset="-122"/>
           <a:cs typeface="+mn-cs"/>
         </a:defRPr>
       </a:lvl3pPr>
@@ -3326,8 +3326,8 @@
           <a:solidFill>
             <a:schemeClr val="tx1"/>
           </a:solidFill>
-          <a:latin typeface="+mn-lt"/>
-          <a:ea typeface="+mn-ea"/>
+          <a:latin typeface="Heiti SC Light" panose="02000000000000000000" charset="-122"/>
+          <a:ea typeface="Heiti SC Light" panose="02000000000000000000" charset="-122"/>
           <a:cs typeface="+mn-cs"/>
         </a:defRPr>
       </a:lvl4pPr>
@@ -3344,8 +3344,8 @@
           <a:solidFill>
             <a:schemeClr val="tx1"/>
           </a:solidFill>
-          <a:latin typeface="+mn-lt"/>
-          <a:ea typeface="+mn-ea"/>
+          <a:latin typeface="Heiti SC Light" panose="02000000000000000000" charset="-122"/>
+          <a:ea typeface="Heiti SC Light" panose="02000000000000000000" charset="-122"/>
           <a:cs typeface="+mn-cs"/>
         </a:defRPr>
       </a:lvl5pPr>
@@ -3821,89 +3821,97 @@
               <a:buNone/>
             </a:pPr>
             <a:r>
-              <a:rPr lang="zh-CN" altLang="en-US" sz="2000" b="1" dirty="0">
+              <a:rPr lang="zh-CN" altLang="en-US" sz="2000" dirty="0">
                 <a:solidFill>
                   <a:schemeClr val="tx1"/>
                 </a:solidFill>
                 <a:uFillTx/>
-                <a:latin typeface="Arial Bold" panose="020B0604020202020204" charset="0"/>
-                <a:ea typeface="黑体-简 中等" panose="02000000000000000000" charset="-122"/>
+                <a:latin typeface="Heiti SC Light" panose="02000000000000000000" charset="-122"/>
+                <a:ea typeface="Heiti SC Light" panose="02000000000000000000" charset="-122"/>
+                <a:cs typeface="Heiti SC Light" panose="02000000000000000000" charset="-122"/>
               </a:rPr>
               <a:t>（</a:t>
             </a:r>
             <a:r>
-              <a:rPr lang="en-US" altLang="zh-CN" sz="2000" b="1" dirty="0">
+              <a:rPr lang="en-US" altLang="zh-CN" sz="2000" dirty="0">
                 <a:solidFill>
                   <a:schemeClr val="tx1"/>
                 </a:solidFill>
                 <a:uFillTx/>
-                <a:latin typeface="Arial Bold" panose="020B0604020202020204" charset="0"/>
-                <a:ea typeface="黑体-简 中等" panose="02000000000000000000" charset="-122"/>
+                <a:latin typeface="Heiti SC Light" panose="02000000000000000000" charset="-122"/>
+                <a:ea typeface="Heiti SC Light" panose="02000000000000000000" charset="-122"/>
+                <a:cs typeface="Heiti SC Light" panose="02000000000000000000" charset="-122"/>
               </a:rPr>
               <a:t>1</a:t>
             </a:r>
             <a:r>
-              <a:rPr lang="zh-CN" altLang="en-US" sz="2000" b="1" dirty="0">
+              <a:rPr lang="zh-CN" altLang="en-US" sz="2000" dirty="0">
                 <a:solidFill>
                   <a:schemeClr val="tx1"/>
                 </a:solidFill>
                 <a:uFillTx/>
-                <a:latin typeface="Arial Bold" panose="020B0604020202020204" charset="0"/>
-                <a:ea typeface="黑体-简 中等" panose="02000000000000000000" charset="-122"/>
+                <a:latin typeface="Heiti SC Light" panose="02000000000000000000" charset="-122"/>
+                <a:ea typeface="Heiti SC Light" panose="02000000000000000000" charset="-122"/>
+                <a:cs typeface="Heiti SC Light" panose="02000000000000000000" charset="-122"/>
               </a:rPr>
               <a:t>）先构造一个</a:t>
             </a:r>
             <a:r>
-              <a:rPr lang="zh-CN" altLang="zh-CN" sz="2000" b="1" dirty="0">
+              <a:rPr lang="zh-CN" altLang="zh-CN" sz="2000" dirty="0">
                 <a:solidFill>
                   <a:schemeClr val="tx1"/>
                 </a:solidFill>
                 <a:uFillTx/>
-                <a:latin typeface="Arial Bold" panose="020B0604020202020204" charset="0"/>
-                <a:ea typeface="黑体-简 中等" panose="02000000000000000000" charset="-122"/>
-              </a:rPr>
-              <a:t>新结点</a:t>
-            </a:r>
-            <a:r>
-              <a:rPr lang="zh-CN" altLang="en-US" sz="2000" b="1" dirty="0">
+                <a:latin typeface="Heiti SC Light" panose="02000000000000000000" charset="-122"/>
+                <a:ea typeface="Heiti SC Light" panose="02000000000000000000" charset="-122"/>
+                <a:cs typeface="Heiti SC Light" panose="02000000000000000000" charset="-122"/>
+              </a:rPr>
+              <a:t>新节点</a:t>
+            </a:r>
+            <a:r>
+              <a:rPr lang="zh-CN" altLang="en-US" sz="2000" dirty="0">
                 <a:solidFill>
                   <a:schemeClr val="tx1"/>
                 </a:solidFill>
                 <a:uFillTx/>
-                <a:latin typeface="Arial Bold" panose="020B0604020202020204" charset="0"/>
-                <a:ea typeface="黑体-简 中等" panose="02000000000000000000" charset="-122"/>
+                <a:latin typeface="Heiti SC Light" panose="02000000000000000000" charset="-122"/>
+                <a:ea typeface="Heiti SC Light" panose="02000000000000000000" charset="-122"/>
+                <a:cs typeface="Heiti SC Light" panose="02000000000000000000" charset="-122"/>
               </a:rPr>
               <a:t>，用</a:t>
             </a:r>
             <a:r>
-              <a:rPr lang="en-US" altLang="zh-CN" sz="2000" b="1" dirty="0">
+              <a:rPr lang="en-US" altLang="zh-CN" sz="2000" dirty="0">
                 <a:solidFill>
                   <a:schemeClr val="tx1"/>
                 </a:solidFill>
                 <a:uFillTx/>
-                <a:latin typeface="Arial Bold" panose="020B0604020202020204" charset="0"/>
-                <a:ea typeface="黑体-简 中等" panose="02000000000000000000" charset="-122"/>
-              </a:rPr>
-              <a:t>s</a:t>
-            </a:r>
-            <a:r>
-              <a:rPr lang="zh-CN" altLang="en-US" sz="2000" b="1" dirty="0">
+                <a:latin typeface="Heiti SC Light" panose="02000000000000000000" charset="-122"/>
+                <a:ea typeface="Heiti SC Light" panose="02000000000000000000" charset="-122"/>
+                <a:cs typeface="Heiti SC Light" panose="02000000000000000000" charset="-122"/>
+              </a:rPr>
+              <a:t>t</a:t>
+            </a:r>
+            <a:r>
+              <a:rPr lang="zh-CN" altLang="en-US" sz="2000" dirty="0">
                 <a:solidFill>
                   <a:schemeClr val="tx1"/>
                 </a:solidFill>
                 <a:uFillTx/>
-                <a:latin typeface="Arial Bold" panose="020B0604020202020204" charset="0"/>
-                <a:ea typeface="黑体-简 中等" panose="02000000000000000000" charset="-122"/>
+                <a:latin typeface="Heiti SC Light" panose="02000000000000000000" charset="-122"/>
+                <a:ea typeface="Heiti SC Light" panose="02000000000000000000" charset="-122"/>
+                <a:cs typeface="Heiti SC Light" panose="02000000000000000000" charset="-122"/>
               </a:rPr>
               <a:t>指向；</a:t>
             </a:r>
-            <a:endParaRPr lang="zh-CN" altLang="en-US" sz="2000" b="1" dirty="0">
+            <a:endParaRPr lang="zh-CN" altLang="en-US" sz="2000" dirty="0">
               <a:solidFill>
                 <a:schemeClr val="tx1"/>
               </a:solidFill>
               <a:uFillTx/>
-              <a:latin typeface="Arial Bold" panose="020B0604020202020204" charset="0"/>
-              <a:ea typeface="黑体-简 中等" panose="02000000000000000000" charset="-122"/>
+              <a:latin typeface="Heiti SC Light" panose="02000000000000000000" charset="-122"/>
+              <a:ea typeface="Heiti SC Light" panose="02000000000000000000" charset="-122"/>
+              <a:cs typeface="Heiti SC Light" panose="02000000000000000000" charset="-122"/>
             </a:endParaRPr>
           </a:p>
         </p:txBody>
@@ -4032,32 +4040,18 @@
               <a:buNone/>
             </a:pPr>
             <a:r>
-              <a:rPr lang="zh-CN" altLang="en-US" sz="2000" b="1" dirty="0">
+              <a:rPr lang="zh-CN" altLang="en-US" sz="2000" dirty="0">
                 <a:uFillTx/>
-                <a:latin typeface="Arial Bold" panose="020B0604020202020204" charset="0"/>
-                <a:ea typeface="黑体-简 中等" panose="02000000000000000000" charset="-122"/>
-              </a:rPr>
-              <a:t>（2）再找到链表的第</a:t>
-            </a:r>
-            <a:r>
-              <a:rPr lang="zh-CN" altLang="en-US" sz="2000" b="1" dirty="0">
-                <a:uFillTx/>
-                <a:latin typeface="Arial Regular" panose="020B0604020202020204" charset="0"/>
-                <a:ea typeface="黑体-简 中等" panose="02000000000000000000" charset="-122"/>
-                <a:cs typeface="Arial Regular" panose="020B0604020202020204" charset="0"/>
-              </a:rPr>
-              <a:t>i-1</a:t>
-            </a:r>
-            <a:r>
-              <a:rPr lang="zh-CN" altLang="en-US" sz="2000" b="1" dirty="0">
-                <a:uFillTx/>
-                <a:latin typeface="Arial Bold" panose="020B0604020202020204" charset="0"/>
-                <a:ea typeface="黑体-简 中等" panose="02000000000000000000" charset="-122"/>
-              </a:rPr>
-              <a:t>个结点，用pre指向；</a:t>
-            </a:r>
-            <a:endParaRPr lang="zh-CN" altLang="en-US" sz="2000" b="1" dirty="0">
-              <a:latin typeface="Times New Roman" panose="02020603050405020304" pitchFamily="18" charset="0"/>
+                <a:latin typeface="Heiti SC Light" panose="02000000000000000000" charset="-122"/>
+                <a:ea typeface="Heiti SC Light" panose="02000000000000000000" charset="-122"/>
+                <a:cs typeface="Heiti SC Light" panose="02000000000000000000" charset="-122"/>
+              </a:rPr>
+              <a:t>（2）再找到链表的第i-1个节点，用pre指向；</a:t>
+            </a:r>
+            <a:endParaRPr lang="zh-CN" altLang="en-US" sz="2000" dirty="0">
+              <a:latin typeface="Heiti SC Light" panose="02000000000000000000" charset="-122"/>
+              <a:ea typeface="Heiti SC Light" panose="02000000000000000000" charset="-122"/>
+              <a:cs typeface="Heiti SC Light" panose="02000000000000000000" charset="-122"/>
             </a:endParaRPr>
           </a:p>
         </p:txBody>
@@ -4185,46 +4179,50 @@
               <a:buNone/>
             </a:pPr>
             <a:r>
-              <a:rPr lang="zh-CN" altLang="en-US" sz="2000" b="1" dirty="0">
+              <a:rPr lang="zh-CN" altLang="en-US" sz="2000" dirty="0">
                 <a:solidFill>
                   <a:schemeClr val="tx1"/>
                 </a:solidFill>
                 <a:uFillTx/>
-                <a:latin typeface="Arial Bold" panose="020B0604020202020204" charset="0"/>
-                <a:ea typeface="黑体-简 中等" panose="02000000000000000000" charset="-122"/>
-              </a:rPr>
-              <a:t>（3）然后修改指针，插入结点（</a:t>
-            </a:r>
-            <a:r>
-              <a:rPr lang="zh-CN" altLang="en-US" sz="2000" b="1" dirty="0">
+                <a:latin typeface="Heiti SC Light" panose="02000000000000000000" charset="-122"/>
+                <a:ea typeface="Heiti SC Light" panose="02000000000000000000" charset="-122"/>
+                <a:cs typeface="Heiti SC Light" panose="02000000000000000000" charset="-122"/>
+              </a:rPr>
+              <a:t>（3）然后修改指针，插入节点（</a:t>
+            </a:r>
+            <a:r>
+              <a:rPr lang="zh-CN" altLang="en-US" sz="2000" dirty="0">
                 <a:solidFill>
                   <a:schemeClr val="tx1"/>
                 </a:solidFill>
                 <a:uFillTx/>
-                <a:latin typeface="Arial Bold" panose="020B0604020202020204" charset="0"/>
-                <a:ea typeface="黑体-简 中等" panose="02000000000000000000" charset="-122"/>
+                <a:latin typeface="Heiti SC Light" panose="02000000000000000000" charset="-122"/>
+                <a:ea typeface="Heiti SC Light" panose="02000000000000000000" charset="-122"/>
+                <a:cs typeface="Heiti SC Light" panose="02000000000000000000" charset="-122"/>
                 <a:sym typeface="+mn-ea"/>
               </a:rPr>
-              <a:t>pre之后插入新结点是t</a:t>
-            </a:r>
-            <a:r>
-              <a:rPr lang="zh-CN" altLang="en-US" sz="2000" b="1" dirty="0">
+              <a:t>pre之后插入新节点是t</a:t>
+            </a:r>
+            <a:r>
+              <a:rPr lang="zh-CN" altLang="en-US" sz="2000" dirty="0">
                 <a:solidFill>
                   <a:schemeClr val="tx1"/>
                 </a:solidFill>
                 <a:uFillTx/>
-                <a:latin typeface="Arial Bold" panose="020B0604020202020204" charset="0"/>
-                <a:ea typeface="黑体-简 中等" panose="02000000000000000000" charset="-122"/>
+                <a:latin typeface="Heiti SC Light" panose="02000000000000000000" charset="-122"/>
+                <a:ea typeface="Heiti SC Light" panose="02000000000000000000" charset="-122"/>
+                <a:cs typeface="Heiti SC Light" panose="02000000000000000000" charset="-122"/>
               </a:rPr>
               <a:t>）</a:t>
             </a:r>
-            <a:endParaRPr lang="zh-CN" altLang="en-US" sz="2000" b="1" dirty="0">
+            <a:endParaRPr lang="zh-CN" altLang="en-US" sz="2000" dirty="0">
               <a:solidFill>
                 <a:schemeClr val="tx1"/>
               </a:solidFill>
               <a:uFillTx/>
-              <a:latin typeface="Arial Bold" panose="020B0604020202020204" charset="0"/>
-              <a:ea typeface="黑体-简 中等" panose="02000000000000000000" charset="-122"/>
+              <a:latin typeface="Heiti SC Light" panose="02000000000000000000" charset="-122"/>
+              <a:ea typeface="Heiti SC Light" panose="02000000000000000000" charset="-122"/>
+              <a:cs typeface="Heiti SC Light" panose="02000000000000000000" charset="-122"/>
             </a:endParaRPr>
           </a:p>
         </p:txBody>
@@ -7655,89 +7653,97 @@
               <a:buNone/>
             </a:pPr>
             <a:r>
-              <a:rPr lang="zh-CN" altLang="en-US" sz="2000" b="1" dirty="0">
+              <a:rPr lang="zh-CN" altLang="en-US" sz="2000" dirty="0">
                 <a:solidFill>
                   <a:schemeClr val="tx1"/>
                 </a:solidFill>
                 <a:uFillTx/>
-                <a:latin typeface="Arial" panose="020B0604020202020204" pitchFamily="34" charset="0"/>
-                <a:ea typeface="黑体-简 中等" panose="02000000000000000000" charset="-122"/>
+                <a:latin typeface="Heiti SC Light" panose="02000000000000000000" charset="-122"/>
+                <a:ea typeface="Heiti SC Light" panose="02000000000000000000" charset="-122"/>
+                <a:cs typeface="Heiti SC Light" panose="02000000000000000000" charset="-122"/>
               </a:rPr>
               <a:t>（</a:t>
             </a:r>
             <a:r>
-              <a:rPr lang="en-US" altLang="zh-CN" sz="2000" b="1" dirty="0">
+              <a:rPr lang="en-US" altLang="zh-CN" sz="2000" dirty="0">
                 <a:solidFill>
                   <a:schemeClr val="tx1"/>
                 </a:solidFill>
                 <a:uFillTx/>
-                <a:latin typeface="Arial" panose="020B0604020202020204" pitchFamily="34" charset="0"/>
-                <a:ea typeface="黑体-简 中等" panose="02000000000000000000" charset="-122"/>
+                <a:latin typeface="Heiti SC Light" panose="02000000000000000000" charset="-122"/>
+                <a:ea typeface="Heiti SC Light" panose="02000000000000000000" charset="-122"/>
+                <a:cs typeface="Heiti SC Light" panose="02000000000000000000" charset="-122"/>
               </a:rPr>
               <a:t>1</a:t>
             </a:r>
             <a:r>
-              <a:rPr lang="zh-CN" altLang="en-US" sz="2000" b="1" dirty="0">
+              <a:rPr lang="zh-CN" altLang="en-US" sz="2000" dirty="0">
                 <a:solidFill>
                   <a:schemeClr val="tx1"/>
                 </a:solidFill>
                 <a:uFillTx/>
-                <a:latin typeface="Arial" panose="020B0604020202020204" pitchFamily="34" charset="0"/>
-                <a:ea typeface="黑体-简 中等" panose="02000000000000000000" charset="-122"/>
+                <a:latin typeface="Heiti SC Light" panose="02000000000000000000" charset="-122"/>
+                <a:ea typeface="Heiti SC Light" panose="02000000000000000000" charset="-122"/>
+                <a:cs typeface="Heiti SC Light" panose="02000000000000000000" charset="-122"/>
               </a:rPr>
               <a:t>）先找到链表的第</a:t>
             </a:r>
             <a:r>
-              <a:rPr lang="en-US" altLang="zh-CN" sz="2000" b="1" dirty="0">
+              <a:rPr lang="en-US" altLang="zh-CN" sz="2000" dirty="0">
                 <a:solidFill>
                   <a:schemeClr val="tx1"/>
                 </a:solidFill>
                 <a:uFillTx/>
-                <a:latin typeface="Arial" panose="020B0604020202020204" pitchFamily="34" charset="0"/>
-                <a:ea typeface="黑体-简 中等" panose="02000000000000000000" charset="-122"/>
+                <a:latin typeface="Heiti SC Light" panose="02000000000000000000" charset="-122"/>
+                <a:ea typeface="Heiti SC Light" panose="02000000000000000000" charset="-122"/>
+                <a:cs typeface="Heiti SC Light" panose="02000000000000000000" charset="-122"/>
               </a:rPr>
               <a:t>i-1</a:t>
             </a:r>
             <a:r>
-              <a:rPr lang="zh-CN" altLang="en-US" sz="2000" b="1" dirty="0">
+              <a:rPr lang="zh-CN" altLang="en-US" sz="2000" dirty="0">
                 <a:solidFill>
                   <a:schemeClr val="tx1"/>
                 </a:solidFill>
                 <a:uFillTx/>
-                <a:latin typeface="Arial" panose="020B0604020202020204" pitchFamily="34" charset="0"/>
-                <a:ea typeface="黑体-简 中等" panose="02000000000000000000" charset="-122"/>
-              </a:rPr>
-              <a:t>个结点，用</a:t>
-            </a:r>
-            <a:r>
-              <a:rPr lang="en-US" altLang="zh-CN" sz="2000" b="1" dirty="0">
+                <a:latin typeface="Heiti SC Light" panose="02000000000000000000" charset="-122"/>
+                <a:ea typeface="Heiti SC Light" panose="02000000000000000000" charset="-122"/>
+                <a:cs typeface="Heiti SC Light" panose="02000000000000000000" charset="-122"/>
+              </a:rPr>
+              <a:t>个节点，用</a:t>
+            </a:r>
+            <a:r>
+              <a:rPr lang="en-US" altLang="zh-CN" sz="2000" dirty="0">
                 <a:solidFill>
                   <a:schemeClr val="tx1"/>
                 </a:solidFill>
                 <a:uFillTx/>
-                <a:latin typeface="Arial" panose="020B0604020202020204" pitchFamily="34" charset="0"/>
-                <a:ea typeface="黑体-简 中等" panose="02000000000000000000" charset="-122"/>
+                <a:latin typeface="Heiti SC Light" panose="02000000000000000000" charset="-122"/>
+                <a:ea typeface="Heiti SC Light" panose="02000000000000000000" charset="-122"/>
+                <a:cs typeface="Heiti SC Light" panose="02000000000000000000" charset="-122"/>
               </a:rPr>
               <a:t>pre</a:t>
             </a:r>
             <a:r>
-              <a:rPr lang="zh-CN" altLang="en-US" sz="2000" b="1" dirty="0">
+              <a:rPr lang="zh-CN" altLang="en-US" sz="2000" dirty="0">
                 <a:solidFill>
                   <a:schemeClr val="tx1"/>
                 </a:solidFill>
                 <a:uFillTx/>
-                <a:latin typeface="Arial" panose="020B0604020202020204" pitchFamily="34" charset="0"/>
-                <a:ea typeface="黑体-简 中等" panose="02000000000000000000" charset="-122"/>
+                <a:latin typeface="Heiti SC Light" panose="02000000000000000000" charset="-122"/>
+                <a:ea typeface="Heiti SC Light" panose="02000000000000000000" charset="-122"/>
+                <a:cs typeface="Heiti SC Light" panose="02000000000000000000" charset="-122"/>
               </a:rPr>
               <a:t>指向；</a:t>
             </a:r>
-            <a:endParaRPr lang="zh-CN" altLang="en-US" sz="2000" b="1" dirty="0">
+            <a:endParaRPr lang="zh-CN" altLang="en-US" sz="2000" dirty="0">
               <a:solidFill>
                 <a:schemeClr val="tx1"/>
               </a:solidFill>
               <a:uFillTx/>
-              <a:latin typeface="Arial" panose="020B0604020202020204" pitchFamily="34" charset="0"/>
-              <a:ea typeface="黑体-简 中等" panose="02000000000000000000" charset="-122"/>
+              <a:latin typeface="Heiti SC Light" panose="02000000000000000000" charset="-122"/>
+              <a:ea typeface="Heiti SC Light" panose="02000000000000000000" charset="-122"/>
+              <a:cs typeface="Heiti SC Light" panose="02000000000000000000" charset="-122"/>
             </a:endParaRPr>
           </a:p>
         </p:txBody>
@@ -7865,34 +7871,38 @@
               <a:buNone/>
             </a:pPr>
             <a:r>
-              <a:rPr lang="zh-CN" altLang="en-US" sz="2000" b="1" dirty="0">
+              <a:rPr lang="zh-CN" altLang="en-US" sz="2000" dirty="0">
                 <a:uFillTx/>
-                <a:latin typeface="Arial" panose="020B0604020202020204" pitchFamily="34" charset="0"/>
-                <a:ea typeface="黑体-简 中等" panose="02000000000000000000" charset="-122"/>
-              </a:rPr>
-              <a:t>（2）再用指针t指向要被删除的结点（</a:t>
-            </a:r>
-            <a:r>
-              <a:rPr lang="zh-CN" altLang="en-US" sz="2000" b="1" dirty="0">
+                <a:latin typeface="Heiti SC Light" panose="02000000000000000000" charset="-122"/>
+                <a:ea typeface="Heiti SC Light" panose="02000000000000000000" charset="-122"/>
+                <a:cs typeface="Heiti SC Light" panose="02000000000000000000" charset="-122"/>
+              </a:rPr>
+              <a:t>（2）再用指针t指向要被删除的节点（</a:t>
+            </a:r>
+            <a:r>
+              <a:rPr lang="zh-CN" altLang="en-US" sz="2000" dirty="0">
                 <a:uFillTx/>
-                <a:latin typeface="Arial" panose="020B0604020202020204" pitchFamily="34" charset="0"/>
-                <a:ea typeface="黑体-简 中等" panose="02000000000000000000" charset="-122"/>
+                <a:latin typeface="Heiti SC Light" panose="02000000000000000000" charset="-122"/>
+                <a:ea typeface="Heiti SC Light" panose="02000000000000000000" charset="-122"/>
+                <a:cs typeface="Heiti SC Light" panose="02000000000000000000" charset="-122"/>
                 <a:sym typeface="+mn-ea"/>
               </a:rPr>
-              <a:t>pre的下一个结点</a:t>
-            </a:r>
-            <a:r>
-              <a:rPr lang="zh-CN" altLang="en-US" sz="2000" b="1" dirty="0">
+              <a:t>pre的下一个节点</a:t>
+            </a:r>
+            <a:r>
+              <a:rPr lang="zh-CN" altLang="en-US" sz="2000" dirty="0">
                 <a:uFillTx/>
-                <a:latin typeface="Arial" panose="020B0604020202020204" pitchFamily="34" charset="0"/>
-                <a:ea typeface="黑体-简 中等" panose="02000000000000000000" charset="-122"/>
+                <a:latin typeface="Heiti SC Light" panose="02000000000000000000" charset="-122"/>
+                <a:ea typeface="Heiti SC Light" panose="02000000000000000000" charset="-122"/>
+                <a:cs typeface="Heiti SC Light" panose="02000000000000000000" charset="-122"/>
               </a:rPr>
               <a:t>）；</a:t>
             </a:r>
-            <a:endParaRPr lang="zh-CN" altLang="en-US" sz="2000" b="1" dirty="0">
+            <a:endParaRPr lang="zh-CN" altLang="en-US" sz="2000" dirty="0">
               <a:uFillTx/>
-              <a:latin typeface="Arial" panose="020B0604020202020204" pitchFamily="34" charset="0"/>
-              <a:ea typeface="黑体-简 中等" panose="02000000000000000000" charset="-122"/>
+              <a:latin typeface="Heiti SC Light" panose="02000000000000000000" charset="-122"/>
+              <a:ea typeface="Heiti SC Light" panose="02000000000000000000" charset="-122"/>
+              <a:cs typeface="Heiti SC Light" panose="02000000000000000000" charset="-122"/>
             </a:endParaRPr>
           </a:p>
         </p:txBody>
@@ -9934,17 +9944,19 @@
               <a:buNone/>
             </a:pPr>
             <a:r>
-              <a:rPr lang="zh-CN" altLang="en-US" sz="2000" b="1" dirty="0">
+              <a:rPr lang="zh-CN" altLang="en-US" sz="2000" dirty="0">
                 <a:uFillTx/>
-                <a:latin typeface="Arial" panose="020B0604020202020204" pitchFamily="34" charset="0"/>
-                <a:ea typeface="黑体-简 中等" panose="02000000000000000000" charset="-122"/>
-              </a:rPr>
-              <a:t>（3）然后修改指针，删除t所指结点;</a:t>
-            </a:r>
-            <a:endParaRPr lang="zh-CN" altLang="en-US" sz="2000" b="1" dirty="0">
+                <a:latin typeface="Heiti SC Light" panose="02000000000000000000" charset="-122"/>
+                <a:ea typeface="Heiti SC Light" panose="02000000000000000000" charset="-122"/>
+                <a:cs typeface="Heiti SC Light" panose="02000000000000000000" charset="-122"/>
+              </a:rPr>
+              <a:t>（3）然后修改指针，删除t所指节点;</a:t>
+            </a:r>
+            <a:endParaRPr lang="zh-CN" altLang="en-US" sz="2000" dirty="0">
               <a:uFillTx/>
-              <a:latin typeface="Arial" panose="020B0604020202020204" pitchFamily="34" charset="0"/>
-              <a:ea typeface="黑体-简 中等" panose="02000000000000000000" charset="-122"/>
+              <a:latin typeface="Heiti SC Light" panose="02000000000000000000" charset="-122"/>
+              <a:ea typeface="Heiti SC Light" panose="02000000000000000000" charset="-122"/>
+              <a:cs typeface="Heiti SC Light" panose="02000000000000000000" charset="-122"/>
             </a:endParaRPr>
           </a:p>
         </p:txBody>
@@ -10075,17 +10087,19 @@
               <a:buNone/>
             </a:pPr>
             <a:r>
-              <a:rPr lang="zh-CN" altLang="en-US" sz="2000" b="1" dirty="0">
+              <a:rPr lang="zh-CN" altLang="en-US" sz="2000" dirty="0">
                 <a:uFillTx/>
-                <a:latin typeface="Arial" panose="020B0604020202020204" pitchFamily="34" charset="0"/>
-                <a:ea typeface="黑体-简 中等" panose="02000000000000000000" charset="-122"/>
-              </a:rPr>
-              <a:t>（4）最后释放t所指结点的空间</a:t>
-            </a:r>
-            <a:endParaRPr lang="zh-CN" altLang="en-US" sz="2000" b="1" dirty="0">
+                <a:latin typeface="Heiti SC Light" panose="02000000000000000000" charset="-122"/>
+                <a:ea typeface="Heiti SC Light" panose="02000000000000000000" charset="-122"/>
+                <a:cs typeface="Heiti SC Light" panose="02000000000000000000" charset="-122"/>
+              </a:rPr>
+              <a:t>（4）最后释放t所指节点的空间</a:t>
+            </a:r>
+            <a:endParaRPr lang="zh-CN" altLang="en-US" sz="2000" dirty="0">
               <a:uFillTx/>
-              <a:latin typeface="Arial" panose="020B0604020202020204" pitchFamily="34" charset="0"/>
-              <a:ea typeface="黑体-简 中等" panose="02000000000000000000" charset="-122"/>
+              <a:latin typeface="Heiti SC Light" panose="02000000000000000000" charset="-122"/>
+              <a:ea typeface="Heiti SC Light" panose="02000000000000000000" charset="-122"/>
+              <a:cs typeface="Heiti SC Light" panose="02000000000000000000" charset="-122"/>
             </a:endParaRPr>
           </a:p>
         </p:txBody>
@@ -11290,8 +11304,8 @@
                 <a:solidFill>
                   <a:srgbClr val="0070C0"/>
                 </a:solidFill>
-                <a:latin typeface="Courier New Regular" panose="02070309020205020404" charset="0"/>
-                <a:cs typeface="Courier New Regular" panose="02070309020205020404" charset="0"/>
+                <a:latin typeface="Consolas" panose="020B0609020204030204" charset="0"/>
+                <a:cs typeface="Consolas" panose="020B0609020204030204" charset="0"/>
               </a:rPr>
               <a:t>bool Delete(struct ListNode *L, int i) { /* </a:t>
             </a:r>
@@ -11300,18 +11314,18 @@
                 <a:solidFill>
                   <a:srgbClr val="C00000"/>
                 </a:solidFill>
-                <a:latin typeface="Courier New Regular" panose="02070309020205020404" charset="0"/>
-                <a:cs typeface="Courier New Regular" panose="02070309020205020404" charset="0"/>
-              </a:rPr>
-              <a:t>这里默认L有头结点</a:t>
+                <a:latin typeface="Consolas" panose="020B0609020204030204" charset="0"/>
+                <a:cs typeface="Consolas" panose="020B0609020204030204" charset="0"/>
+              </a:rPr>
+              <a:t>这里默认L有头节点</a:t>
             </a:r>
             <a:r>
               <a:rPr lang="zh-CN" altLang="en-US" b="1">
                 <a:solidFill>
                   <a:srgbClr val="0070C0"/>
                 </a:solidFill>
-                <a:latin typeface="Courier New Regular" panose="02070309020205020404" charset="0"/>
-                <a:cs typeface="Courier New Regular" panose="02070309020205020404" charset="0"/>
+                <a:latin typeface="Consolas" panose="020B0609020204030204" charset="0"/>
+                <a:cs typeface="Consolas" panose="020B0609020204030204" charset="0"/>
               </a:rPr>
               <a:t> */</a:t>
             </a:r>
@@ -11319,8 +11333,8 @@
               <a:solidFill>
                 <a:srgbClr val="0070C0"/>
               </a:solidFill>
-              <a:latin typeface="Courier New Regular" panose="02070309020205020404" charset="0"/>
-              <a:cs typeface="Courier New Regular" panose="02070309020205020404" charset="0"/>
+              <a:latin typeface="Consolas" panose="020B0609020204030204" charset="0"/>
+              <a:cs typeface="Consolas" panose="020B0609020204030204" charset="0"/>
             </a:endParaRPr>
           </a:p>
           <a:p>
@@ -11330,8 +11344,8 @@
                 <a:solidFill>
                   <a:srgbClr val="0070C0"/>
                 </a:solidFill>
-                <a:latin typeface="Courier New Regular" panose="02070309020205020404" charset="0"/>
-                <a:cs typeface="Courier New Regular" panose="02070309020205020404" charset="0"/>
+                <a:latin typeface="Consolas" panose="020B0609020204030204" charset="0"/>
+                <a:cs typeface="Consolas" panose="020B0609020204030204" charset="0"/>
               </a:rPr>
               <a:t>    struct ListNode *t, *pre;</a:t>
             </a:r>
@@ -11339,8 +11353,8 @@
               <a:solidFill>
                 <a:srgbClr val="0070C0"/>
               </a:solidFill>
-              <a:latin typeface="Courier New Regular" panose="02070309020205020404" charset="0"/>
-              <a:cs typeface="Courier New Regular" panose="02070309020205020404" charset="0"/>
+              <a:latin typeface="Consolas" panose="020B0609020204030204" charset="0"/>
+              <a:cs typeface="Consolas" panose="020B0609020204030204" charset="0"/>
             </a:endParaRPr>
           </a:p>
           <a:p>
@@ -11350,8 +11364,8 @@
                 <a:solidFill>
                   <a:srgbClr val="0070C0"/>
                 </a:solidFill>
-                <a:latin typeface="Courier New Regular" panose="02070309020205020404" charset="0"/>
-                <a:cs typeface="Courier New Regular" panose="02070309020205020404" charset="0"/>
+                <a:latin typeface="Consolas" panose="020B0609020204030204" charset="0"/>
+                <a:cs typeface="Consolas" panose="020B0609020204030204" charset="0"/>
               </a:rPr>
               <a:t>    int cnt = -1;</a:t>
             </a:r>
@@ -11359,8 +11373,8 @@
               <a:solidFill>
                 <a:srgbClr val="0070C0"/>
               </a:solidFill>
-              <a:latin typeface="Courier New Regular" panose="02070309020205020404" charset="0"/>
-              <a:cs typeface="Courier New Regular" panose="02070309020205020404" charset="0"/>
+              <a:latin typeface="Consolas" panose="020B0609020204030204" charset="0"/>
+              <a:cs typeface="Consolas" panose="020B0609020204030204" charset="0"/>
             </a:endParaRPr>
           </a:p>
           <a:p>
@@ -11370,17 +11384,17 @@
                 <a:solidFill>
                   <a:srgbClr val="0070C0"/>
                 </a:solidFill>
-                <a:latin typeface="Courier New Regular" panose="02070309020205020404" charset="0"/>
-                <a:cs typeface="Courier New Regular" panose="02070309020205020404" charset="0"/>
-              </a:rPr>
-              <a:t>    /* 查找位序为i-1的结点 */</a:t>
+                <a:latin typeface="Consolas" panose="020B0609020204030204" charset="0"/>
+                <a:cs typeface="Consolas" panose="020B0609020204030204" charset="0"/>
+              </a:rPr>
+              <a:t>    /* 查找位序为i-1的节点 */</a:t>
             </a:r>
             <a:endParaRPr lang="zh-CN" altLang="en-US" b="1">
               <a:solidFill>
                 <a:srgbClr val="0070C0"/>
               </a:solidFill>
-              <a:latin typeface="Courier New Regular" panose="02070309020205020404" charset="0"/>
-              <a:cs typeface="Courier New Regular" panose="02070309020205020404" charset="0"/>
+              <a:latin typeface="Consolas" panose="020B0609020204030204" charset="0"/>
+              <a:cs typeface="Consolas" panose="020B0609020204030204" charset="0"/>
             </a:endParaRPr>
           </a:p>
           <a:p>
@@ -11390,8 +11404,8 @@
                 <a:solidFill>
                   <a:srgbClr val="0070C0"/>
                 </a:solidFill>
-                <a:latin typeface="Courier New Regular" panose="02070309020205020404" charset="0"/>
-                <a:cs typeface="Courier New Regular" panose="02070309020205020404" charset="0"/>
+                <a:latin typeface="Consolas" panose="020B0609020204030204" charset="0"/>
+                <a:cs typeface="Consolas" panose="020B0609020204030204" charset="0"/>
               </a:rPr>
               <a:t>    pre = L; /* pre指向表头 */</a:t>
             </a:r>
@@ -11399,8 +11413,8 @@
               <a:solidFill>
                 <a:srgbClr val="0070C0"/>
               </a:solidFill>
-              <a:latin typeface="Courier New Regular" panose="02070309020205020404" charset="0"/>
-              <a:cs typeface="Courier New Regular" panose="02070309020205020404" charset="0"/>
+              <a:latin typeface="Consolas" panose="020B0609020204030204" charset="0"/>
+              <a:cs typeface="Consolas" panose="020B0609020204030204" charset="0"/>
             </a:endParaRPr>
           </a:p>
           <a:p>
@@ -11410,8 +11424,8 @@
                 <a:solidFill>
                   <a:srgbClr val="0070C0"/>
                 </a:solidFill>
-                <a:latin typeface="Courier New Regular" panose="02070309020205020404" charset="0"/>
-                <a:cs typeface="Courier New Regular" panose="02070309020205020404" charset="0"/>
+                <a:latin typeface="Consolas" panose="020B0609020204030204" charset="0"/>
+                <a:cs typeface="Consolas" panose="020B0609020204030204" charset="0"/>
               </a:rPr>
               <a:t>    while (pre &amp;&amp; cnt &lt; i - 1) {</a:t>
             </a:r>
@@ -11419,8 +11433,8 @@
               <a:solidFill>
                 <a:srgbClr val="0070C0"/>
               </a:solidFill>
-              <a:latin typeface="Courier New Regular" panose="02070309020205020404" charset="0"/>
-              <a:cs typeface="Courier New Regular" panose="02070309020205020404" charset="0"/>
+              <a:latin typeface="Consolas" panose="020B0609020204030204" charset="0"/>
+              <a:cs typeface="Consolas" panose="020B0609020204030204" charset="0"/>
             </a:endParaRPr>
           </a:p>
           <a:p>
@@ -11430,8 +11444,8 @@
                 <a:solidFill>
                   <a:srgbClr val="0070C0"/>
                 </a:solidFill>
-                <a:latin typeface="Courier New Regular" panose="02070309020205020404" charset="0"/>
-                <a:cs typeface="Courier New Regular" panose="02070309020205020404" charset="0"/>
+                <a:latin typeface="Consolas" panose="020B0609020204030204" charset="0"/>
+                <a:cs typeface="Consolas" panose="020B0609020204030204" charset="0"/>
               </a:rPr>
               <a:t>        pre = pre-&gt;next;</a:t>
             </a:r>
@@ -11439,8 +11453,8 @@
               <a:solidFill>
                 <a:srgbClr val="0070C0"/>
               </a:solidFill>
-              <a:latin typeface="Courier New Regular" panose="02070309020205020404" charset="0"/>
-              <a:cs typeface="Courier New Regular" panose="02070309020205020404" charset="0"/>
+              <a:latin typeface="Consolas" panose="020B0609020204030204" charset="0"/>
+              <a:cs typeface="Consolas" panose="020B0609020204030204" charset="0"/>
             </a:endParaRPr>
           </a:p>
           <a:p>
@@ -11450,8 +11464,8 @@
                 <a:solidFill>
                   <a:srgbClr val="0070C0"/>
                 </a:solidFill>
-                <a:latin typeface="Courier New Regular" panose="02070309020205020404" charset="0"/>
-                <a:cs typeface="Courier New Regular" panose="02070309020205020404" charset="0"/>
+                <a:latin typeface="Consolas" panose="020B0609020204030204" charset="0"/>
+                <a:cs typeface="Consolas" panose="020B0609020204030204" charset="0"/>
               </a:rPr>
               <a:t>        cnt++;</a:t>
             </a:r>
@@ -11459,8 +11473,8 @@
               <a:solidFill>
                 <a:srgbClr val="0070C0"/>
               </a:solidFill>
-              <a:latin typeface="Courier New Regular" panose="02070309020205020404" charset="0"/>
-              <a:cs typeface="Courier New Regular" panose="02070309020205020404" charset="0"/>
+              <a:latin typeface="Consolas" panose="020B0609020204030204" charset="0"/>
+              <a:cs typeface="Consolas" panose="020B0609020204030204" charset="0"/>
             </a:endParaRPr>
           </a:p>
           <a:p>
@@ -11470,8 +11484,8 @@
                 <a:solidFill>
                   <a:srgbClr val="0070C0"/>
                 </a:solidFill>
-                <a:latin typeface="Courier New Regular" panose="02070309020205020404" charset="0"/>
-                <a:cs typeface="Courier New Regular" panose="02070309020205020404" charset="0"/>
+                <a:latin typeface="Consolas" panose="020B0609020204030204" charset="0"/>
+                <a:cs typeface="Consolas" panose="020B0609020204030204" charset="0"/>
               </a:rPr>
               <a:t>    }</a:t>
             </a:r>
@@ -11479,8 +11493,8 @@
               <a:solidFill>
                 <a:srgbClr val="0070C0"/>
               </a:solidFill>
-              <a:latin typeface="Courier New Regular" panose="02070309020205020404" charset="0"/>
-              <a:cs typeface="Courier New Regular" panose="02070309020205020404" charset="0"/>
+              <a:latin typeface="Consolas" panose="020B0609020204030204" charset="0"/>
+              <a:cs typeface="Consolas" panose="020B0609020204030204" charset="0"/>
             </a:endParaRPr>
           </a:p>
           <a:p>
@@ -11490,8 +11504,8 @@
                 <a:solidFill>
                   <a:srgbClr val="0070C0"/>
                 </a:solidFill>
-                <a:latin typeface="Courier New Regular" panose="02070309020205020404" charset="0"/>
-                <a:cs typeface="Courier New Regular" panose="02070309020205020404" charset="0"/>
+                <a:latin typeface="Consolas" panose="020B0609020204030204" charset="0"/>
+                <a:cs typeface="Consolas" panose="020B0609020204030204" charset="0"/>
               </a:rPr>
               <a:t> </a:t>
             </a:r>
@@ -11500,8 +11514,8 @@
                 <a:solidFill>
                   <a:srgbClr val="0070C0"/>
                 </a:solidFill>
-                <a:latin typeface="Courier New Regular" panose="02070309020205020404" charset="0"/>
-                <a:cs typeface="Courier New Regular" panose="02070309020205020404" charset="0"/>
+                <a:latin typeface="Consolas" panose="020B0609020204030204" charset="0"/>
+                <a:cs typeface="Consolas" panose="020B0609020204030204" charset="0"/>
               </a:rPr>
               <a:t>   // Code Snippet</a:t>
             </a:r>
@@ -11509,8 +11523,8 @@
               <a:solidFill>
                 <a:srgbClr val="0070C0"/>
               </a:solidFill>
-              <a:latin typeface="Courier New Regular" panose="02070309020205020404" charset="0"/>
-              <a:cs typeface="Courier New Regular" panose="02070309020205020404" charset="0"/>
+              <a:latin typeface="Consolas" panose="020B0609020204030204" charset="0"/>
+              <a:cs typeface="Consolas" panose="020B0609020204030204" charset="0"/>
             </a:endParaRPr>
           </a:p>
           <a:p>
@@ -11520,8 +11534,8 @@
                 <a:solidFill>
                   <a:srgbClr val="0070C0"/>
                 </a:solidFill>
-                <a:latin typeface="Courier New Regular" panose="02070309020205020404" charset="0"/>
-                <a:cs typeface="Courier New Regular" panose="02070309020205020404" charset="0"/>
+                <a:latin typeface="Consolas" panose="020B0609020204030204" charset="0"/>
+                <a:cs typeface="Consolas" panose="020B0609020204030204" charset="0"/>
               </a:rPr>
               <a:t>}</a:t>
             </a:r>
@@ -11529,8 +11543,8 @@
               <a:solidFill>
                 <a:srgbClr val="0070C0"/>
               </a:solidFill>
-              <a:latin typeface="Courier New Regular" panose="02070309020205020404" charset="0"/>
-              <a:cs typeface="Courier New Regular" panose="02070309020205020404" charset="0"/>
+              <a:latin typeface="Consolas" panose="020B0609020204030204" charset="0"/>
+              <a:cs typeface="Consolas" panose="020B0609020204030204" charset="0"/>
             </a:endParaRPr>
           </a:p>
         </p:txBody>
@@ -11544,7 +11558,7 @@
         <p:spPr>
           <a:xfrm>
             <a:off x="3688080" y="3536950"/>
-            <a:ext cx="6180455" cy="3138170"/>
+            <a:ext cx="7385685" cy="2584450"/>
           </a:xfrm>
           <a:prstGeom prst="rect">
             <a:avLst/>
@@ -11562,18 +11576,85 @@
                 <a:solidFill>
                   <a:srgbClr val="C00000"/>
                 </a:solidFill>
-                <a:latin typeface="Courier New Regular" panose="02070309020205020404" charset="0"/>
-                <a:cs typeface="Courier New Regular" panose="02070309020205020404" charset="0"/>
+                <a:latin typeface="Consolas" panose="020B0609020204030204" charset="0"/>
+                <a:cs typeface="Consolas" panose="020B0609020204030204" charset="0"/>
                 <a:sym typeface="+mn-ea"/>
               </a:rPr>
-              <a:t>    if (pre == NULL || pre-&gt;next == NULL) {</a:t>
+              <a:t>    if (pre </a:t>
+            </a:r>
+            <a:r>
+              <a:rPr lang="en-US" altLang="zh-CN" b="1">
+                <a:solidFill>
+                  <a:srgbClr val="C00000"/>
+                </a:solidFill>
+                <a:latin typeface="Consolas" panose="020B0609020204030204" charset="0"/>
+                <a:cs typeface="Consolas" panose="020B0609020204030204" charset="0"/>
+                <a:sym typeface="+mn-ea"/>
+              </a:rPr>
+              <a:t>!</a:t>
+            </a:r>
+            <a:r>
+              <a:rPr lang="zh-CN" altLang="en-US" b="1">
+                <a:solidFill>
+                  <a:srgbClr val="C00000"/>
+                </a:solidFill>
+                <a:latin typeface="Consolas" panose="020B0609020204030204" charset="0"/>
+                <a:cs typeface="Consolas" panose="020B0609020204030204" charset="0"/>
+                <a:sym typeface="+mn-ea"/>
+              </a:rPr>
+              <a:t>= NULL </a:t>
+            </a:r>
+            <a:r>
+              <a:rPr lang="en-US" altLang="zh-CN" b="1">
+                <a:solidFill>
+                  <a:srgbClr val="C00000"/>
+                </a:solidFill>
+                <a:latin typeface="Consolas" panose="020B0609020204030204" charset="0"/>
+                <a:cs typeface="Consolas" panose="020B0609020204030204" charset="0"/>
+                <a:sym typeface="+mn-ea"/>
+              </a:rPr>
+              <a:t>&amp;&amp; cnt == i-1 &amp;&amp;</a:t>
+            </a:r>
+            <a:r>
+              <a:rPr lang="zh-CN" altLang="en-US" b="1">
+                <a:solidFill>
+                  <a:srgbClr val="C00000"/>
+                </a:solidFill>
+                <a:latin typeface="Consolas" panose="020B0609020204030204" charset="0"/>
+                <a:cs typeface="Consolas" panose="020B0609020204030204" charset="0"/>
+                <a:sym typeface="+mn-ea"/>
+              </a:rPr>
+              <a:t> pre-&gt;next </a:t>
+            </a:r>
+            <a:r>
+              <a:rPr lang="en-US" altLang="zh-CN" b="1">
+                <a:solidFill>
+                  <a:srgbClr val="C00000"/>
+                </a:solidFill>
+                <a:latin typeface="Consolas" panose="020B0609020204030204" charset="0"/>
+                <a:cs typeface="Consolas" panose="020B0609020204030204" charset="0"/>
+                <a:sym typeface="+mn-ea"/>
+              </a:rPr>
+              <a:t>!</a:t>
+            </a:r>
+            <a:r>
+              <a:rPr lang="zh-CN" altLang="en-US" b="1">
+                <a:solidFill>
+                  <a:srgbClr val="C00000"/>
+                </a:solidFill>
+                <a:latin typeface="Consolas" panose="020B0609020204030204" charset="0"/>
+                <a:cs typeface="Consolas" panose="020B0609020204030204" charset="0"/>
+                <a:sym typeface="+mn-ea"/>
+              </a:rPr>
+              <a:t>= NULL) {</a:t>
             </a:r>
             <a:endParaRPr lang="zh-CN" altLang="en-US" b="1">
               <a:solidFill>
                 <a:srgbClr val="C00000"/>
               </a:solidFill>
-              <a:latin typeface="Courier New Regular" panose="02070309020205020404" charset="0"/>
-              <a:cs typeface="Courier New Regular" panose="02070309020205020404" charset="0"/>
+              <a:latin typeface="Consolas" panose="020B0609020204030204" charset="0"/>
+              <a:cs typeface="Consolas" panose="020B0609020204030204" charset="0"/>
+              <a:sym typeface="+mn-ea"/>
             </a:endParaRPr>
           </a:p>
           <a:p>
@@ -11583,18 +11664,18 @@
                 <a:solidFill>
                   <a:srgbClr val="C00000"/>
                 </a:solidFill>
-                <a:latin typeface="Courier New Regular" panose="02070309020205020404" charset="0"/>
-                <a:cs typeface="Courier New Regular" panose="02070309020205020404" charset="0"/>
+                <a:latin typeface="Consolas" panose="020B0609020204030204" charset="0"/>
+                <a:cs typeface="Consolas" panose="020B0609020204030204" charset="0"/>
                 <a:sym typeface="+mn-ea"/>
               </a:rPr>
-              <a:t>        /* 所找结点或位序为i的结点不在L中 */</a:t>
+              <a:t>        t = pre-&gt;next;</a:t>
             </a:r>
             <a:endParaRPr lang="zh-CN" altLang="en-US" b="1">
               <a:solidFill>
                 <a:srgbClr val="C00000"/>
               </a:solidFill>
-              <a:latin typeface="Courier New Regular" panose="02070309020205020404" charset="0"/>
-              <a:cs typeface="Courier New Regular" panose="02070309020205020404" charset="0"/>
+              <a:latin typeface="Consolas" panose="020B0609020204030204" charset="0"/>
+              <a:cs typeface="Consolas" panose="020B0609020204030204" charset="0"/>
             </a:endParaRPr>
           </a:p>
           <a:p>
@@ -11604,18 +11685,18 @@
                 <a:solidFill>
                   <a:srgbClr val="C00000"/>
                 </a:solidFill>
-                <a:latin typeface="Courier New Regular" panose="02070309020205020404" charset="0"/>
-                <a:cs typeface="Courier New Regular" panose="02070309020205020404" charset="0"/>
+                <a:latin typeface="Consolas" panose="020B0609020204030204" charset="0"/>
+                <a:cs typeface="Consolas" panose="020B0609020204030204" charset="0"/>
                 <a:sym typeface="+mn-ea"/>
               </a:rPr>
-              <a:t>        printf("删除位置参数错误\n");</a:t>
+              <a:t>        pre-&gt;next = t-&gt;next;</a:t>
             </a:r>
             <a:endParaRPr lang="zh-CN" altLang="en-US" b="1">
               <a:solidFill>
                 <a:srgbClr val="C00000"/>
               </a:solidFill>
-              <a:latin typeface="Courier New Regular" panose="02070309020205020404" charset="0"/>
-              <a:cs typeface="Courier New Regular" panose="02070309020205020404" charset="0"/>
+              <a:latin typeface="Consolas" panose="020B0609020204030204" charset="0"/>
+              <a:cs typeface="Consolas" panose="020B0609020204030204" charset="0"/>
             </a:endParaRPr>
           </a:p>
           <a:p>
@@ -11625,18 +11706,18 @@
                 <a:solidFill>
                   <a:srgbClr val="C00000"/>
                 </a:solidFill>
-                <a:latin typeface="Courier New Regular" panose="02070309020205020404" charset="0"/>
-                <a:cs typeface="Courier New Regular" panose="02070309020205020404" charset="0"/>
+                <a:latin typeface="Consolas" panose="020B0609020204030204" charset="0"/>
+                <a:cs typeface="Consolas" panose="020B0609020204030204" charset="0"/>
                 <a:sym typeface="+mn-ea"/>
               </a:rPr>
-              <a:t>        return false;</a:t>
+              <a:t>        free(t);</a:t>
             </a:r>
             <a:endParaRPr lang="zh-CN" altLang="en-US" b="1">
               <a:solidFill>
                 <a:srgbClr val="C00000"/>
               </a:solidFill>
-              <a:latin typeface="Courier New Regular" panose="02070309020205020404" charset="0"/>
-              <a:cs typeface="Courier New Regular" panose="02070309020205020404" charset="0"/>
+              <a:latin typeface="Consolas" panose="020B0609020204030204" charset="0"/>
+              <a:cs typeface="Consolas" panose="020B0609020204030204" charset="0"/>
             </a:endParaRPr>
           </a:p>
           <a:p>
@@ -11646,18 +11727,18 @@
                 <a:solidFill>
                   <a:srgbClr val="C00000"/>
                 </a:solidFill>
-                <a:latin typeface="Courier New Regular" panose="02070309020205020404" charset="0"/>
-                <a:cs typeface="Courier New Regular" panose="02070309020205020404" charset="0"/>
+                <a:latin typeface="Consolas" panose="020B0609020204030204" charset="0"/>
+                <a:cs typeface="Consolas" panose="020B0609020204030204" charset="0"/>
                 <a:sym typeface="+mn-ea"/>
               </a:rPr>
-              <a:t>    } else { /* 找到了待删结点的前一个结点pre */</a:t>
+              <a:t>        return true; </a:t>
             </a:r>
             <a:endParaRPr lang="zh-CN" altLang="en-US" b="1">
               <a:solidFill>
                 <a:srgbClr val="C00000"/>
               </a:solidFill>
-              <a:latin typeface="Courier New Regular" panose="02070309020205020404" charset="0"/>
-              <a:cs typeface="Courier New Regular" panose="02070309020205020404" charset="0"/>
+              <a:latin typeface="Consolas" panose="020B0609020204030204" charset="0"/>
+              <a:cs typeface="Consolas" panose="020B0609020204030204" charset="0"/>
             </a:endParaRPr>
           </a:p>
           <a:p>
@@ -11667,18 +11748,18 @@
                 <a:solidFill>
                   <a:srgbClr val="C00000"/>
                 </a:solidFill>
-                <a:latin typeface="Courier New Regular" panose="02070309020205020404" charset="0"/>
-                <a:cs typeface="Courier New Regular" panose="02070309020205020404" charset="0"/>
+                <a:latin typeface="Consolas" panose="020B0609020204030204" charset="0"/>
+                <a:cs typeface="Consolas" panose="020B0609020204030204" charset="0"/>
                 <a:sym typeface="+mn-ea"/>
               </a:rPr>
-              <a:t>        /* 将结点删除 */</a:t>
+              <a:t>    } else {</a:t>
             </a:r>
             <a:endParaRPr lang="zh-CN" altLang="en-US" b="1">
               <a:solidFill>
                 <a:srgbClr val="C00000"/>
               </a:solidFill>
-              <a:latin typeface="Courier New Regular" panose="02070309020205020404" charset="0"/>
-              <a:cs typeface="Courier New Regular" panose="02070309020205020404" charset="0"/>
+              <a:latin typeface="Consolas" panose="020B0609020204030204" charset="0"/>
+              <a:cs typeface="Consolas" panose="020B0609020204030204" charset="0"/>
             </a:endParaRPr>
           </a:p>
           <a:p>
@@ -11688,18 +11769,18 @@
                 <a:solidFill>
                   <a:srgbClr val="C00000"/>
                 </a:solidFill>
-                <a:latin typeface="Courier New Regular" panose="02070309020205020404" charset="0"/>
-                <a:cs typeface="Courier New Regular" panose="02070309020205020404" charset="0"/>
+                <a:latin typeface="Consolas" panose="020B0609020204030204" charset="0"/>
+                <a:cs typeface="Consolas" panose="020B0609020204030204" charset="0"/>
                 <a:sym typeface="+mn-ea"/>
               </a:rPr>
-              <a:t>        t = pre-&gt;next;</a:t>
+              <a:t>        printf("删除位置参数错误\n");</a:t>
             </a:r>
             <a:endParaRPr lang="zh-CN" altLang="en-US" b="1">
               <a:solidFill>
                 <a:srgbClr val="C00000"/>
               </a:solidFill>
-              <a:latin typeface="Courier New Regular" panose="02070309020205020404" charset="0"/>
-              <a:cs typeface="Courier New Regular" panose="02070309020205020404" charset="0"/>
+              <a:latin typeface="Consolas" panose="020B0609020204030204" charset="0"/>
+              <a:cs typeface="Consolas" panose="020B0609020204030204" charset="0"/>
             </a:endParaRPr>
           </a:p>
           <a:p>
@@ -11709,18 +11790,18 @@
                 <a:solidFill>
                   <a:srgbClr val="C00000"/>
                 </a:solidFill>
-                <a:latin typeface="Courier New Regular" panose="02070309020205020404" charset="0"/>
-                <a:cs typeface="Courier New Regular" panose="02070309020205020404" charset="0"/>
+                <a:latin typeface="Consolas" panose="020B0609020204030204" charset="0"/>
+                <a:cs typeface="Consolas" panose="020B0609020204030204" charset="0"/>
                 <a:sym typeface="+mn-ea"/>
               </a:rPr>
-              <a:t>        pre-&gt;next = t-&gt;next;</a:t>
+              <a:t>        return false;</a:t>
             </a:r>
             <a:endParaRPr lang="zh-CN" altLang="en-US" b="1">
               <a:solidFill>
                 <a:srgbClr val="C00000"/>
               </a:solidFill>
-              <a:latin typeface="Courier New Regular" panose="02070309020205020404" charset="0"/>
-              <a:cs typeface="Courier New Regular" panose="02070309020205020404" charset="0"/>
+              <a:latin typeface="Consolas" panose="020B0609020204030204" charset="0"/>
+              <a:cs typeface="Consolas" panose="020B0609020204030204" charset="0"/>
             </a:endParaRPr>
           </a:p>
           <a:p>
@@ -11730,60 +11811,18 @@
                 <a:solidFill>
                   <a:srgbClr val="C00000"/>
                 </a:solidFill>
-                <a:latin typeface="Courier New Regular" panose="02070309020205020404" charset="0"/>
-                <a:cs typeface="Courier New Regular" panose="02070309020205020404" charset="0"/>
+                <a:latin typeface="Consolas" panose="020B0609020204030204" charset="0"/>
+                <a:cs typeface="Consolas" panose="020B0609020204030204" charset="0"/>
                 <a:sym typeface="+mn-ea"/>
               </a:rPr>
-              <a:t>        free(t);</a:t>
+              <a:t>    }</a:t>
             </a:r>
             <a:endParaRPr lang="zh-CN" altLang="en-US" b="1">
               <a:solidFill>
                 <a:srgbClr val="C00000"/>
               </a:solidFill>
-              <a:latin typeface="Courier New Regular" panose="02070309020205020404" charset="0"/>
-              <a:cs typeface="Courier New Regular" panose="02070309020205020404" charset="0"/>
-            </a:endParaRPr>
-          </a:p>
-          <a:p>
-            <a:pPr algn="l"/>
-            <a:r>
-              <a:rPr lang="zh-CN" altLang="en-US" b="1">
-                <a:solidFill>
-                  <a:srgbClr val="C00000"/>
-                </a:solidFill>
-                <a:latin typeface="Courier New Regular" panose="02070309020205020404" charset="0"/>
-                <a:cs typeface="Courier New Regular" panose="02070309020205020404" charset="0"/>
-                <a:sym typeface="+mn-ea"/>
-              </a:rPr>
-              <a:t>        return true;</a:t>
-            </a:r>
-            <a:endParaRPr lang="zh-CN" altLang="en-US" b="1">
-              <a:solidFill>
-                <a:srgbClr val="C00000"/>
-              </a:solidFill>
-              <a:latin typeface="Courier New Regular" panose="02070309020205020404" charset="0"/>
-              <a:cs typeface="Courier New Regular" panose="02070309020205020404" charset="0"/>
-            </a:endParaRPr>
-          </a:p>
-          <a:p>
-            <a:pPr algn="l"/>
-            <a:r>
-              <a:rPr lang="zh-CN" altLang="en-US" b="1">
-                <a:solidFill>
-                  <a:srgbClr val="C00000"/>
-                </a:solidFill>
-                <a:latin typeface="Courier New Regular" panose="02070309020205020404" charset="0"/>
-                <a:cs typeface="Courier New Regular" panose="02070309020205020404" charset="0"/>
-                <a:sym typeface="+mn-ea"/>
-              </a:rPr>
-              <a:t>    }</a:t>
-            </a:r>
-            <a:endParaRPr lang="zh-CN" altLang="en-US" b="1">
-              <a:solidFill>
-                <a:srgbClr val="C00000"/>
-              </a:solidFill>
-              <a:latin typeface="Courier New Regular" panose="02070309020205020404" charset="0"/>
-              <a:cs typeface="Courier New Regular" panose="02070309020205020404" charset="0"/>
+              <a:latin typeface="Consolas" panose="020B0609020204030204" charset="0"/>
+              <a:cs typeface="Consolas" panose="020B0609020204030204" charset="0"/>
               <a:sym typeface="+mn-ea"/>
             </a:endParaRPr>
           </a:p>
@@ -12900,7 +12939,7 @@
         <p:spPr>
           <a:xfrm>
             <a:off x="6589395" y="2132330"/>
-            <a:ext cx="4968240" cy="1076325"/>
+            <a:ext cx="5109845" cy="1076325"/>
           </a:xfrm>
           <a:prstGeom prst="rect">
             <a:avLst/>
@@ -12913,48 +12952,54 @@
           </a:bodyPr>
           <a:p>
             <a:r>
-              <a:rPr lang="zh-CN" altLang="en-US" sz="3200" b="1">
+              <a:rPr lang="zh-CN" altLang="en-US" sz="3200">
                 <a:solidFill>
                   <a:srgbClr val="C00000"/>
                 </a:solidFill>
-                <a:latin typeface="黑体" charset="0"/>
-                <a:ea typeface="黑体" charset="0"/>
+                <a:latin typeface="Heiti SC Light" panose="02000000000000000000" charset="-122"/>
+                <a:ea typeface="Heiti SC Light" panose="02000000000000000000" charset="-122"/>
+                <a:cs typeface="Heiti SC Light" panose="02000000000000000000" charset="-122"/>
               </a:rPr>
               <a:t>课堂：</a:t>
             </a:r>
-            <a:endParaRPr lang="zh-CN" altLang="en-US" sz="3200" b="1">
+            <a:endParaRPr lang="zh-CN" altLang="en-US" sz="3200">
               <a:solidFill>
                 <a:srgbClr val="C00000"/>
               </a:solidFill>
-              <a:latin typeface="黑体" charset="0"/>
-              <a:ea typeface="黑体" charset="0"/>
+              <a:latin typeface="Heiti SC Light" panose="02000000000000000000" charset="-122"/>
+              <a:ea typeface="Heiti SC Light" panose="02000000000000000000" charset="-122"/>
+              <a:cs typeface="Heiti SC Light" panose="02000000000000000000" charset="-122"/>
             </a:endParaRPr>
           </a:p>
           <a:p>
             <a:r>
               <a:rPr lang="zh-CN" altLang="en-US" sz="3200">
-                <a:latin typeface="黑体" charset="0"/>
-                <a:ea typeface="黑体" charset="0"/>
+                <a:latin typeface="Heiti SC Light" panose="02000000000000000000" charset="-122"/>
+                <a:ea typeface="Heiti SC Light" panose="02000000000000000000" charset="-122"/>
+                <a:cs typeface="Heiti SC Light" panose="02000000000000000000" charset="-122"/>
               </a:rPr>
               <a:t>结合</a:t>
             </a:r>
             <a:r>
               <a:rPr lang="en-US" altLang="zh-CN" sz="3200">
-                <a:latin typeface="黑体" charset="0"/>
-                <a:ea typeface="黑体" charset="0"/>
+                <a:latin typeface="Heiti SC Light" panose="02000000000000000000" charset="-122"/>
+                <a:ea typeface="Heiti SC Light" panose="02000000000000000000" charset="-122"/>
+                <a:cs typeface="Heiti SC Light" panose="02000000000000000000" charset="-122"/>
               </a:rPr>
               <a:t>chapter-3-poly.c</a:t>
             </a:r>
             <a:r>
               <a:rPr lang="zh-CN" altLang="en-US" sz="3200">
-                <a:latin typeface="黑体" charset="0"/>
-                <a:ea typeface="黑体" charset="0"/>
+                <a:latin typeface="Heiti SC Light" panose="02000000000000000000" charset="-122"/>
+                <a:ea typeface="Heiti SC Light" panose="02000000000000000000" charset="-122"/>
+                <a:cs typeface="Heiti SC Light" panose="02000000000000000000" charset="-122"/>
               </a:rPr>
               <a:t>讲解</a:t>
             </a:r>
             <a:endParaRPr lang="zh-CN" altLang="en-US" sz="3200">
-              <a:latin typeface="黑体" charset="0"/>
-              <a:ea typeface="黑体" charset="0"/>
+              <a:latin typeface="Heiti SC Light" panose="02000000000000000000" charset="-122"/>
+              <a:ea typeface="Heiti SC Light" panose="02000000000000000000" charset="-122"/>
+              <a:cs typeface="Heiti SC Light" panose="02000000000000000000" charset="-122"/>
             </a:endParaRPr>
           </a:p>
         </p:txBody>
@@ -13025,28 +13070,49 @@
             </a:pPr>
             <a:r>
               <a:rPr lang="zh-CN" altLang="en-US">
-                <a:latin typeface="黑体" charset="0"/>
-                <a:ea typeface="黑体" charset="0"/>
-              </a:rPr>
-              <a:t>线性表</a:t>
+                <a:latin typeface="Heiti SC Light" panose="02000000000000000000" charset="-122"/>
+                <a:ea typeface="Heiti SC Light" panose="02000000000000000000" charset="-122"/>
+                <a:cs typeface="Heiti SC Light" panose="02000000000000000000" charset="-122"/>
+              </a:rPr>
+              <a:t>线性表（</a:t>
             </a:r>
             <a:r>
               <a:rPr lang="en-US" altLang="zh-CN">
-                <a:latin typeface="黑体" charset="0"/>
-                <a:ea typeface="黑体" charset="0"/>
-              </a:rPr>
-              <a:t> / Linear List</a:t>
+                <a:latin typeface="Heiti SC Light" panose="02000000000000000000" charset="-122"/>
+                <a:ea typeface="Heiti SC Light" panose="02000000000000000000" charset="-122"/>
+                <a:cs typeface="Heiti SC Light" panose="02000000000000000000" charset="-122"/>
+                <a:sym typeface="+mn-ea"/>
+              </a:rPr>
+              <a:t>Linear List</a:t>
             </a:r>
             <a:r>
               <a:rPr lang="zh-CN" altLang="en-US">
-                <a:latin typeface="黑体" charset="0"/>
-                <a:ea typeface="黑体" charset="0"/>
-              </a:rPr>
-              <a:t>：由同一类型的数据元素构成的有序序列的线性结构</a:t>
+                <a:latin typeface="Heiti SC Light" panose="02000000000000000000" charset="-122"/>
+                <a:ea typeface="Heiti SC Light" panose="02000000000000000000" charset="-122"/>
+                <a:cs typeface="Heiti SC Light" panose="02000000000000000000" charset="-122"/>
+              </a:rPr>
+              <a:t>）</a:t>
+            </a:r>
+            <a:r>
+              <a:rPr lang="zh-CN">
+                <a:latin typeface="Heiti SC Light" panose="02000000000000000000" charset="-122"/>
+                <a:ea typeface="Heiti SC Light" panose="02000000000000000000" charset="-122"/>
+                <a:cs typeface="Heiti SC Light" panose="02000000000000000000" charset="-122"/>
+              </a:rPr>
+              <a:t>：</a:t>
+            </a:r>
+            <a:r>
+              <a:rPr lang="zh-CN" altLang="en-US">
+                <a:latin typeface="Heiti SC Light" panose="02000000000000000000" charset="-122"/>
+                <a:ea typeface="Heiti SC Light" panose="02000000000000000000" charset="-122"/>
+                <a:cs typeface="Heiti SC Light" panose="02000000000000000000" charset="-122"/>
+              </a:rPr>
+              <a:t>由同一类型的数据元素构成的有序序列的线性结构</a:t>
             </a:r>
             <a:endParaRPr lang="zh-CN" altLang="en-US">
-              <a:latin typeface="黑体" charset="0"/>
-              <a:ea typeface="黑体" charset="0"/>
+              <a:latin typeface="Heiti SC Light" panose="02000000000000000000" charset="-122"/>
+              <a:ea typeface="Heiti SC Light" panose="02000000000000000000" charset="-122"/>
+              <a:cs typeface="Heiti SC Light" panose="02000000000000000000" charset="-122"/>
             </a:endParaRPr>
           </a:p>
           <a:p>
@@ -13056,14 +13122,16 @@
             </a:pPr>
             <a:r>
               <a:rPr lang="zh-CN" altLang="en-US">
-                <a:latin typeface="黑体" charset="0"/>
-                <a:ea typeface="黑体" charset="0"/>
+                <a:latin typeface="Heiti SC Light" panose="02000000000000000000" charset="-122"/>
+                <a:ea typeface="Heiti SC Light" panose="02000000000000000000" charset="-122"/>
+                <a:cs typeface="Heiti SC Light" panose="02000000000000000000" charset="-122"/>
               </a:rPr>
               <a:t>线性表中元素的个数称为线性表的长度</a:t>
             </a:r>
             <a:endParaRPr lang="zh-CN" altLang="en-US">
-              <a:latin typeface="黑体" charset="0"/>
-              <a:ea typeface="黑体" charset="0"/>
+              <a:latin typeface="Heiti SC Light" panose="02000000000000000000" charset="-122"/>
+              <a:ea typeface="Heiti SC Light" panose="02000000000000000000" charset="-122"/>
+              <a:cs typeface="Heiti SC Light" panose="02000000000000000000" charset="-122"/>
             </a:endParaRPr>
           </a:p>
           <a:p>
@@ -13073,14 +13141,16 @@
             </a:pPr>
             <a:r>
               <a:rPr lang="zh-CN" altLang="en-US">
-                <a:latin typeface="黑体" charset="0"/>
-                <a:ea typeface="黑体" charset="0"/>
+                <a:latin typeface="Heiti SC Light" panose="02000000000000000000" charset="-122"/>
+                <a:ea typeface="Heiti SC Light" panose="02000000000000000000" charset="-122"/>
+                <a:cs typeface="Heiti SC Light" panose="02000000000000000000" charset="-122"/>
               </a:rPr>
               <a:t>当一个线性表中没有元素（长度为0）时，称为空表</a:t>
             </a:r>
             <a:endParaRPr lang="zh-CN" altLang="en-US">
-              <a:latin typeface="黑体" charset="0"/>
-              <a:ea typeface="黑体" charset="0"/>
+              <a:latin typeface="Heiti SC Light" panose="02000000000000000000" charset="-122"/>
+              <a:ea typeface="Heiti SC Light" panose="02000000000000000000" charset="-122"/>
+              <a:cs typeface="Heiti SC Light" panose="02000000000000000000" charset="-122"/>
             </a:endParaRPr>
           </a:p>
           <a:p>
@@ -13090,14 +13160,16 @@
             </a:pPr>
             <a:r>
               <a:rPr lang="zh-CN" altLang="en-US">
-                <a:latin typeface="黑体" charset="0"/>
-                <a:ea typeface="黑体" charset="0"/>
+                <a:latin typeface="Heiti SC Light" panose="02000000000000000000" charset="-122"/>
+                <a:ea typeface="Heiti SC Light" panose="02000000000000000000" charset="-122"/>
+                <a:cs typeface="Heiti SC Light" panose="02000000000000000000" charset="-122"/>
               </a:rPr>
               <a:t>表的起始位置称表头，表的结束位置称表尾</a:t>
             </a:r>
             <a:endParaRPr lang="zh-CN" altLang="en-US">
-              <a:latin typeface="黑体" charset="0"/>
-              <a:ea typeface="黑体" charset="0"/>
+              <a:latin typeface="Heiti SC Light" panose="02000000000000000000" charset="-122"/>
+              <a:ea typeface="Heiti SC Light" panose="02000000000000000000" charset="-122"/>
+              <a:cs typeface="Heiti SC Light" panose="02000000000000000000" charset="-122"/>
             </a:endParaRPr>
           </a:p>
         </p:txBody>
@@ -13179,7 +13251,9 @@
                   </a:schemeClr>
                 </a:solidFill>
                 <a:uFillTx/>
-                <a:ea typeface="黑体" charset="0"/>
+                <a:latin typeface="Heiti SC Light" panose="02000000000000000000" charset="-122"/>
+                <a:ea typeface="Heiti SC Light" panose="02000000000000000000" charset="-122"/>
+                <a:cs typeface="Heiti SC Light" panose="02000000000000000000" charset="-122"/>
                 <a:sym typeface="+mn-ea"/>
               </a:rPr>
               <a:t>线性表是n个元素构成的有序序列(a</a:t>
@@ -13193,7 +13267,9 @@
                   </a:schemeClr>
                 </a:solidFill>
                 <a:uFillTx/>
-                <a:ea typeface="黑体" charset="0"/>
+                <a:latin typeface="Heiti SC Light" panose="02000000000000000000" charset="-122"/>
+                <a:ea typeface="Heiti SC Light" panose="02000000000000000000" charset="-122"/>
+                <a:cs typeface="Heiti SC Light" panose="02000000000000000000" charset="-122"/>
                 <a:sym typeface="+mn-ea"/>
               </a:rPr>
               <a:t>1</a:t>
@@ -13207,7 +13283,9 @@
                   </a:schemeClr>
                 </a:solidFill>
                 <a:uFillTx/>
-                <a:ea typeface="黑体" charset="0"/>
+                <a:latin typeface="Heiti SC Light" panose="02000000000000000000" charset="-122"/>
+                <a:ea typeface="Heiti SC Light" panose="02000000000000000000" charset="-122"/>
+                <a:cs typeface="Heiti SC Light" panose="02000000000000000000" charset="-122"/>
                 <a:sym typeface="+mn-ea"/>
               </a:rPr>
               <a:t>, a</a:t>
@@ -13221,7 +13299,9 @@
                   </a:schemeClr>
                 </a:solidFill>
                 <a:uFillTx/>
-                <a:ea typeface="黑体" charset="0"/>
+                <a:latin typeface="Heiti SC Light" panose="02000000000000000000" charset="-122"/>
+                <a:ea typeface="Heiti SC Light" panose="02000000000000000000" charset="-122"/>
+                <a:cs typeface="Heiti SC Light" panose="02000000000000000000" charset="-122"/>
                 <a:sym typeface="+mn-ea"/>
               </a:rPr>
               <a:t>2</a:t>
@@ -13235,7 +13315,9 @@
                   </a:schemeClr>
                 </a:solidFill>
                 <a:uFillTx/>
-                <a:ea typeface="黑体" charset="0"/>
+                <a:latin typeface="Heiti SC Light" panose="02000000000000000000" charset="-122"/>
+                <a:ea typeface="Heiti SC Light" panose="02000000000000000000" charset="-122"/>
+                <a:cs typeface="Heiti SC Light" panose="02000000000000000000" charset="-122"/>
                 <a:sym typeface="+mn-ea"/>
               </a:rPr>
               <a:t>,..., a</a:t>
@@ -13249,7 +13331,9 @@
                   </a:schemeClr>
                 </a:solidFill>
                 <a:uFillTx/>
-                <a:ea typeface="黑体" charset="0"/>
+                <a:latin typeface="Heiti SC Light" panose="02000000000000000000" charset="-122"/>
+                <a:ea typeface="Heiti SC Light" panose="02000000000000000000" charset="-122"/>
+                <a:cs typeface="Heiti SC Light" panose="02000000000000000000" charset="-122"/>
                 <a:sym typeface="+mn-ea"/>
               </a:rPr>
               <a:t>n</a:t>
@@ -13263,7 +13347,9 @@
                   </a:schemeClr>
                 </a:solidFill>
                 <a:uFillTx/>
-                <a:ea typeface="黑体" charset="0"/>
+                <a:latin typeface="Heiti SC Light" panose="02000000000000000000" charset="-122"/>
+                <a:ea typeface="Heiti SC Light" panose="02000000000000000000" charset="-122"/>
+                <a:cs typeface="Heiti SC Light" panose="02000000000000000000" charset="-122"/>
                 <a:sym typeface="+mn-ea"/>
               </a:rPr>
               <a:t>)</a:t>
@@ -13276,7 +13362,9 @@
                 </a:schemeClr>
               </a:solidFill>
               <a:uFillTx/>
-              <a:ea typeface="黑体" charset="0"/>
+              <a:latin typeface="Heiti SC Light" panose="02000000000000000000" charset="-122"/>
+              <a:ea typeface="Heiti SC Light" panose="02000000000000000000" charset="-122"/>
+              <a:cs typeface="Heiti SC Light" panose="02000000000000000000" charset="-122"/>
               <a:sym typeface="+mn-ea"/>
             </a:endParaRPr>
           </a:p>
@@ -13296,7 +13384,9 @@
                   </a:schemeClr>
                 </a:solidFill>
                 <a:uFillTx/>
-                <a:ea typeface="黑体" charset="0"/>
+                <a:latin typeface="Heiti SC Light" panose="02000000000000000000" charset="-122"/>
+                <a:ea typeface="Heiti SC Light" panose="02000000000000000000" charset="-122"/>
+                <a:cs typeface="Heiti SC Light" panose="02000000000000000000" charset="-122"/>
                 <a:sym typeface="+mn-ea"/>
               </a:rPr>
               <a:t>a</a:t>
@@ -13310,7 +13400,9 @@
                   </a:schemeClr>
                 </a:solidFill>
                 <a:uFillTx/>
-                <a:ea typeface="黑体" charset="0"/>
+                <a:latin typeface="Heiti SC Light" panose="02000000000000000000" charset="-122"/>
+                <a:ea typeface="Heiti SC Light" panose="02000000000000000000" charset="-122"/>
+                <a:cs typeface="Heiti SC Light" panose="02000000000000000000" charset="-122"/>
                 <a:sym typeface="+mn-ea"/>
               </a:rPr>
               <a:t>i+1</a:t>
@@ -13324,7 +13416,9 @@
                   </a:schemeClr>
                 </a:solidFill>
                 <a:uFillTx/>
-                <a:ea typeface="黑体" charset="0"/>
+                <a:latin typeface="Heiti SC Light" panose="02000000000000000000" charset="-122"/>
+                <a:ea typeface="Heiti SC Light" panose="02000000000000000000" charset="-122"/>
+                <a:cs typeface="Heiti SC Light" panose="02000000000000000000" charset="-122"/>
                 <a:sym typeface="+mn-ea"/>
               </a:rPr>
               <a:t>称为a</a:t>
@@ -13338,7 +13432,9 @@
                   </a:schemeClr>
                 </a:solidFill>
                 <a:uFillTx/>
-                <a:ea typeface="黑体" charset="0"/>
+                <a:latin typeface="Heiti SC Light" panose="02000000000000000000" charset="-122"/>
+                <a:ea typeface="Heiti SC Light" panose="02000000000000000000" charset="-122"/>
+                <a:cs typeface="Heiti SC Light" panose="02000000000000000000" charset="-122"/>
                 <a:sym typeface="+mn-ea"/>
               </a:rPr>
               <a:t>i</a:t>
@@ -13352,7 +13448,9 @@
                   </a:schemeClr>
                 </a:solidFill>
                 <a:uFillTx/>
-                <a:ea typeface="黑体" charset="0"/>
+                <a:latin typeface="Heiti SC Light" panose="02000000000000000000" charset="-122"/>
+                <a:ea typeface="Heiti SC Light" panose="02000000000000000000" charset="-122"/>
+                <a:cs typeface="Heiti SC Light" panose="02000000000000000000" charset="-122"/>
                 <a:sym typeface="+mn-ea"/>
               </a:rPr>
               <a:t>的直接后继</a:t>
@@ -13366,7 +13464,9 @@
                   </a:schemeClr>
                 </a:solidFill>
                 <a:uFillTx/>
-                <a:ea typeface="黑体" charset="0"/>
+                <a:latin typeface="Heiti SC Light" panose="02000000000000000000" charset="-122"/>
+                <a:ea typeface="Heiti SC Light" panose="02000000000000000000" charset="-122"/>
+                <a:cs typeface="Heiti SC Light" panose="02000000000000000000" charset="-122"/>
                 <a:sym typeface="+mn-ea"/>
               </a:rPr>
               <a:t>，</a:t>
@@ -13380,7 +13480,9 @@
                   </a:schemeClr>
                 </a:solidFill>
                 <a:uFillTx/>
-                <a:ea typeface="黑体" charset="0"/>
+                <a:latin typeface="Heiti SC Light" panose="02000000000000000000" charset="-122"/>
+                <a:ea typeface="Heiti SC Light" panose="02000000000000000000" charset="-122"/>
+                <a:cs typeface="Heiti SC Light" panose="02000000000000000000" charset="-122"/>
                 <a:sym typeface="+mn-ea"/>
               </a:rPr>
               <a:t>a</a:t>
@@ -13394,7 +13496,9 @@
                   </a:schemeClr>
                 </a:solidFill>
                 <a:uFillTx/>
-                <a:ea typeface="黑体" charset="0"/>
+                <a:latin typeface="Heiti SC Light" panose="02000000000000000000" charset="-122"/>
+                <a:ea typeface="Heiti SC Light" panose="02000000000000000000" charset="-122"/>
+                <a:cs typeface="Heiti SC Light" panose="02000000000000000000" charset="-122"/>
                 <a:sym typeface="+mn-ea"/>
               </a:rPr>
               <a:t>i-1</a:t>
@@ -13408,7 +13512,9 @@
                   </a:schemeClr>
                 </a:solidFill>
                 <a:uFillTx/>
-                <a:ea typeface="黑体" charset="0"/>
+                <a:latin typeface="Heiti SC Light" panose="02000000000000000000" charset="-122"/>
+                <a:ea typeface="Heiti SC Light" panose="02000000000000000000" charset="-122"/>
+                <a:cs typeface="Heiti SC Light" panose="02000000000000000000" charset="-122"/>
                 <a:sym typeface="+mn-ea"/>
               </a:rPr>
               <a:t>为a</a:t>
@@ -13422,7 +13528,9 @@
                   </a:schemeClr>
                 </a:solidFill>
                 <a:uFillTx/>
-                <a:ea typeface="黑体" charset="0"/>
+                <a:latin typeface="Heiti SC Light" panose="02000000000000000000" charset="-122"/>
+                <a:ea typeface="Heiti SC Light" panose="02000000000000000000" charset="-122"/>
+                <a:cs typeface="Heiti SC Light" panose="02000000000000000000" charset="-122"/>
                 <a:sym typeface="+mn-ea"/>
               </a:rPr>
               <a:t>i</a:t>
@@ -13436,7 +13544,9 @@
                   </a:schemeClr>
                 </a:solidFill>
                 <a:uFillTx/>
-                <a:ea typeface="黑体" charset="0"/>
+                <a:latin typeface="Heiti SC Light" panose="02000000000000000000" charset="-122"/>
+                <a:ea typeface="Heiti SC Light" panose="02000000000000000000" charset="-122"/>
+                <a:cs typeface="Heiti SC Light" panose="02000000000000000000" charset="-122"/>
                 <a:sym typeface="+mn-ea"/>
               </a:rPr>
               <a:t>的直接前驱</a:t>
@@ -13449,7 +13559,9 @@
                 </a:schemeClr>
               </a:solidFill>
               <a:uFillTx/>
-              <a:ea typeface="黑体" charset="0"/>
+              <a:latin typeface="Heiti SC Light" panose="02000000000000000000" charset="-122"/>
+              <a:ea typeface="Heiti SC Light" panose="02000000000000000000" charset="-122"/>
+              <a:cs typeface="Heiti SC Light" panose="02000000000000000000" charset="-122"/>
               <a:sym typeface="+mn-ea"/>
             </a:endParaRPr>
           </a:p>
@@ -13469,7 +13581,9 @@
                   </a:schemeClr>
                 </a:solidFill>
                 <a:uFillTx/>
-                <a:ea typeface="黑体" charset="0"/>
+                <a:latin typeface="Heiti SC Light" panose="02000000000000000000" charset="-122"/>
+                <a:ea typeface="Heiti SC Light" panose="02000000000000000000" charset="-122"/>
+                <a:cs typeface="Heiti SC Light" panose="02000000000000000000" charset="-122"/>
                 <a:sym typeface="+mn-ea"/>
               </a:rPr>
               <a:t>直接前驱和直接后继反映了元素之间一对一的邻接逻辑关系</a:t>
@@ -13482,7 +13596,9 @@
                 </a:schemeClr>
               </a:solidFill>
               <a:uFillTx/>
-              <a:ea typeface="黑体" charset="0"/>
+              <a:latin typeface="Heiti SC Light" panose="02000000000000000000" charset="-122"/>
+              <a:ea typeface="Heiti SC Light" panose="02000000000000000000" charset="-122"/>
+              <a:cs typeface="Heiti SC Light" panose="02000000000000000000" charset="-122"/>
               <a:sym typeface="+mn-ea"/>
             </a:endParaRPr>
           </a:p>
@@ -13493,104 +13609,37 @@
               <a:buFont typeface="Wingdings" panose="05000000000000000000" charset="0"/>
               <a:buChar char=""/>
             </a:pPr>
-            <a:endParaRPr lang="en-US" altLang="zh-CN">
-              <a:solidFill>
-                <a:schemeClr val="tx1">
-                  <a:lumMod val="75000"/>
-                  <a:lumOff val="25000"/>
-                </a:schemeClr>
-              </a:solidFill>
-              <a:uFillTx/>
-              <a:ea typeface="黑体" charset="0"/>
-              <a:sym typeface="+mn-ea"/>
-            </a:endParaRPr>
-          </a:p>
-          <a:p>
-            <a:pPr lvl="0" algn="l">
-              <a:buClrTx/>
-              <a:buSzTx/>
-              <a:buFont typeface="Wingdings" panose="05000000000000000000" charset="0"/>
-              <a:buChar char=""/>
-            </a:pPr>
             <a:r>
               <a:rPr lang="en-US" altLang="zh-CN">
-                <a:solidFill>
-                  <a:schemeClr val="tx1">
-                    <a:lumMod val="75000"/>
-                    <a:lumOff val="25000"/>
-                  </a:schemeClr>
-                </a:solidFill>
-                <a:uFillTx/>
-                <a:ea typeface="黑体" charset="0"/>
+                <a:latin typeface="Heiti SC Light" panose="02000000000000000000" charset="-122"/>
+                <a:ea typeface="Heiti SC Light" panose="02000000000000000000" charset="-122"/>
+                <a:cs typeface="Heiti SC Light" panose="02000000000000000000" charset="-122"/>
                 <a:sym typeface="+mn-ea"/>
               </a:rPr>
-              <a:t>线性表的基本操作</a:t>
+              <a:t>线性表</a:t>
             </a:r>
             <a:r>
               <a:rPr lang="zh-CN" altLang="en-US">
-                <a:solidFill>
-                  <a:schemeClr val="tx1">
-                    <a:lumMod val="75000"/>
-                    <a:lumOff val="25000"/>
-                  </a:schemeClr>
-                </a:solidFill>
-                <a:uFillTx/>
-                <a:ea typeface="黑体" charset="0"/>
+                <a:latin typeface="Heiti SC Light" panose="02000000000000000000" charset="-122"/>
+                <a:ea typeface="Heiti SC Light" panose="02000000000000000000" charset="-122"/>
+                <a:cs typeface="Heiti SC Light" panose="02000000000000000000" charset="-122"/>
                 <a:sym typeface="+mn-ea"/>
               </a:rPr>
-              <a:t>（抽象数据</a:t>
+              <a:t>的抽象数据类型</a:t>
             </a:r>
             <a:r>
               <a:rPr lang="zh-CN" altLang="en-US">
-                <a:solidFill>
-                  <a:schemeClr val="tx1">
-                    <a:lumMod val="75000"/>
-                    <a:lumOff val="25000"/>
-                  </a:schemeClr>
-                </a:solidFill>
-                <a:uFillTx/>
-                <a:ea typeface="黑体" charset="0"/>
+                <a:latin typeface="Heiti SC Light" panose="02000000000000000000" charset="-122"/>
+                <a:ea typeface="Heiti SC Light" panose="02000000000000000000" charset="-122"/>
+                <a:cs typeface="Heiti SC Light" panose="02000000000000000000" charset="-122"/>
                 <a:sym typeface="+mn-ea"/>
               </a:rPr>
-              <a:t>类型）</a:t>
-            </a:r>
-            <a:r>
-              <a:rPr lang="en-US" altLang="zh-CN">
-                <a:solidFill>
-                  <a:schemeClr val="tx1">
-                    <a:lumMod val="75000"/>
-                    <a:lumOff val="25000"/>
-                  </a:schemeClr>
-                </a:solidFill>
-                <a:uFillTx/>
-                <a:ea typeface="黑体" charset="0"/>
-                <a:sym typeface="+mn-ea"/>
-              </a:rPr>
-              <a:t> / </a:t>
-            </a:r>
-            <a:r>
-              <a:rPr lang="zh-CN" altLang="en-US">
-                <a:solidFill>
-                  <a:schemeClr val="tx1">
-                    <a:lumMod val="75000"/>
-                    <a:lumOff val="25000"/>
-                  </a:schemeClr>
-                </a:solidFill>
-                <a:uFillTx/>
-                <a:ea typeface="黑体" charset="0"/>
-                <a:sym typeface="+mn-ea"/>
-              </a:rPr>
-              <a:t>结合教材一一解释</a:t>
+              <a:t>描述</a:t>
             </a:r>
             <a:endParaRPr lang="zh-CN" altLang="en-US">
-              <a:solidFill>
-                <a:schemeClr val="tx1">
-                  <a:lumMod val="75000"/>
-                  <a:lumOff val="25000"/>
-                </a:schemeClr>
-              </a:solidFill>
-              <a:uFillTx/>
-              <a:ea typeface="黑体" charset="0"/>
+              <a:latin typeface="Heiti SC Light" panose="02000000000000000000" charset="-122"/>
+              <a:ea typeface="Heiti SC Light" panose="02000000000000000000" charset="-122"/>
+              <a:cs typeface="Heiti SC Light" panose="02000000000000000000" charset="-122"/>
               <a:sym typeface="+mn-ea"/>
             </a:endParaRPr>
           </a:p>
@@ -14081,7 +14130,7 @@
         <p:spPr>
           <a:xfrm>
             <a:off x="1080135" y="4728845"/>
-            <a:ext cx="6766560" cy="2030095"/>
+            <a:ext cx="6217920" cy="2030095"/>
           </a:xfrm>
           <a:prstGeom prst="rect">
             <a:avLst/>
@@ -14096,126 +14145,126 @@
             <a:pPr algn="l"/>
             <a:r>
               <a:rPr lang="zh-CN" altLang="en-US">
-                <a:latin typeface="Courier New Regular" panose="02070309020205020404" charset="0"/>
-                <a:cs typeface="Courier New Regular" panose="02070309020205020404" charset="0"/>
+                <a:latin typeface="Consolas" panose="020B0609020204030204" charset="0"/>
+                <a:cs typeface="Consolas" panose="020B0609020204030204" charset="0"/>
               </a:rPr>
               <a:t>/**</a:t>
             </a:r>
             <a:endParaRPr lang="zh-CN" altLang="en-US">
-              <a:latin typeface="Courier New Regular" panose="02070309020205020404" charset="0"/>
-              <a:cs typeface="Courier New Regular" panose="02070309020205020404" charset="0"/>
+              <a:latin typeface="Consolas" panose="020B0609020204030204" charset="0"/>
+              <a:cs typeface="Consolas" panose="020B0609020204030204" charset="0"/>
             </a:endParaRPr>
           </a:p>
           <a:p>
             <a:pPr algn="l"/>
             <a:r>
               <a:rPr lang="zh-CN" altLang="en-US">
-                <a:latin typeface="Courier New Regular" panose="02070309020205020404" charset="0"/>
-                <a:cs typeface="Courier New Regular" panose="02070309020205020404" charset="0"/>
+                <a:latin typeface="Consolas" panose="020B0609020204030204" charset="0"/>
+                <a:cs typeface="Consolas" panose="020B0609020204030204" charset="0"/>
               </a:rPr>
               <a:t> * Definition for polynomial singly-linked list.</a:t>
             </a:r>
             <a:endParaRPr lang="zh-CN" altLang="en-US">
-              <a:latin typeface="Courier New Regular" panose="02070309020205020404" charset="0"/>
-              <a:cs typeface="Courier New Regular" panose="02070309020205020404" charset="0"/>
+              <a:latin typeface="Consolas" panose="020B0609020204030204" charset="0"/>
+              <a:cs typeface="Consolas" panose="020B0609020204030204" charset="0"/>
             </a:endParaRPr>
           </a:p>
           <a:p>
             <a:pPr algn="l"/>
             <a:r>
               <a:rPr lang="zh-CN" altLang="en-US">
-                <a:latin typeface="Courier New Regular" panose="02070309020205020404" charset="0"/>
-                <a:cs typeface="Courier New Regular" panose="02070309020205020404" charset="0"/>
+                <a:latin typeface="Consolas" panose="020B0609020204030204" charset="0"/>
+                <a:cs typeface="Consolas" panose="020B0609020204030204" charset="0"/>
               </a:rPr>
               <a:t> * struct PolyNode {</a:t>
             </a:r>
             <a:endParaRPr lang="zh-CN" altLang="en-US">
-              <a:latin typeface="Courier New Regular" panose="02070309020205020404" charset="0"/>
-              <a:cs typeface="Courier New Regular" panose="02070309020205020404" charset="0"/>
+              <a:latin typeface="Consolas" panose="020B0609020204030204" charset="0"/>
+              <a:cs typeface="Consolas" panose="020B0609020204030204" charset="0"/>
             </a:endParaRPr>
           </a:p>
           <a:p>
             <a:pPr algn="l"/>
             <a:r>
               <a:rPr lang="zh-CN" altLang="en-US">
-                <a:latin typeface="Courier New Regular" panose="02070309020205020404" charset="0"/>
-                <a:cs typeface="Courier New Regular" panose="02070309020205020404" charset="0"/>
+                <a:latin typeface="Consolas" panose="020B0609020204030204" charset="0"/>
+                <a:cs typeface="Consolas" panose="020B0609020204030204" charset="0"/>
               </a:rPr>
               <a:t> *     int coefficient, power;</a:t>
             </a:r>
             <a:endParaRPr lang="zh-CN" altLang="en-US">
-              <a:latin typeface="Courier New Regular" panose="02070309020205020404" charset="0"/>
-              <a:cs typeface="Courier New Regular" panose="02070309020205020404" charset="0"/>
+              <a:latin typeface="Consolas" panose="020B0609020204030204" charset="0"/>
+              <a:cs typeface="Consolas" panose="020B0609020204030204" charset="0"/>
             </a:endParaRPr>
           </a:p>
           <a:p>
             <a:pPr algn="l"/>
             <a:r>
               <a:rPr lang="zh-CN" altLang="en-US">
-                <a:latin typeface="Courier New Regular" panose="02070309020205020404" charset="0"/>
-                <a:cs typeface="Courier New Regular" panose="02070309020205020404" charset="0"/>
+                <a:latin typeface="Consolas" panose="020B0609020204030204" charset="0"/>
+                <a:cs typeface="Consolas" panose="020B0609020204030204" charset="0"/>
               </a:rPr>
               <a:t> *     </a:t>
             </a:r>
             <a:r>
               <a:rPr lang="en-US" altLang="zh-CN">
-                <a:latin typeface="Courier New Regular" panose="02070309020205020404" charset="0"/>
-                <a:cs typeface="Courier New Regular" panose="02070309020205020404" charset="0"/>
+                <a:latin typeface="Consolas" panose="020B0609020204030204" charset="0"/>
+                <a:cs typeface="Consolas" panose="020B0609020204030204" charset="0"/>
               </a:rPr>
               <a:t>struct </a:t>
             </a:r>
             <a:r>
               <a:rPr lang="zh-CN" altLang="en-US">
-                <a:latin typeface="Courier New Regular" panose="02070309020205020404" charset="0"/>
-                <a:cs typeface="Courier New Regular" panose="02070309020205020404" charset="0"/>
+                <a:latin typeface="Consolas" panose="020B0609020204030204" charset="0"/>
+                <a:cs typeface="Consolas" panose="020B0609020204030204" charset="0"/>
               </a:rPr>
               <a:t>PolyNode *next;</a:t>
             </a:r>
             <a:endParaRPr lang="zh-CN" altLang="en-US">
-              <a:latin typeface="Courier New Regular" panose="02070309020205020404" charset="0"/>
-              <a:cs typeface="Courier New Regular" panose="02070309020205020404" charset="0"/>
+              <a:latin typeface="Consolas" panose="020B0609020204030204" charset="0"/>
+              <a:cs typeface="Consolas" panose="020B0609020204030204" charset="0"/>
             </a:endParaRPr>
           </a:p>
           <a:p>
             <a:pPr algn="l"/>
             <a:r>
               <a:rPr lang="zh-CN" altLang="en-US">
-                <a:latin typeface="Courier New Regular" panose="02070309020205020404" charset="0"/>
-                <a:cs typeface="Courier New Regular" panose="02070309020205020404" charset="0"/>
+                <a:latin typeface="Consolas" panose="020B0609020204030204" charset="0"/>
+                <a:cs typeface="Consolas" panose="020B0609020204030204" charset="0"/>
               </a:rPr>
               <a:t> </a:t>
             </a:r>
             <a:r>
               <a:rPr lang="en-US" altLang="zh-CN">
-                <a:latin typeface="Courier New Regular" panose="02070309020205020404" charset="0"/>
-                <a:cs typeface="Courier New Regular" panose="02070309020205020404" charset="0"/>
+                <a:latin typeface="Consolas" panose="020B0609020204030204" charset="0"/>
+                <a:cs typeface="Consolas" panose="020B0609020204030204" charset="0"/>
               </a:rPr>
               <a:t>* </a:t>
             </a:r>
             <a:r>
               <a:rPr lang="zh-CN" altLang="en-US">
-                <a:latin typeface="Courier New Regular" panose="02070309020205020404" charset="0"/>
-                <a:cs typeface="Courier New Regular" panose="02070309020205020404" charset="0"/>
+                <a:latin typeface="Consolas" panose="020B0609020204030204" charset="0"/>
+                <a:cs typeface="Consolas" panose="020B0609020204030204" charset="0"/>
               </a:rPr>
               <a:t>};</a:t>
             </a:r>
             <a:endParaRPr lang="zh-CN" altLang="en-US">
-              <a:latin typeface="Courier New Regular" panose="02070309020205020404" charset="0"/>
-              <a:cs typeface="Courier New Regular" panose="02070309020205020404" charset="0"/>
+              <a:latin typeface="Consolas" panose="020B0609020204030204" charset="0"/>
+              <a:cs typeface="Consolas" panose="020B0609020204030204" charset="0"/>
             </a:endParaRPr>
           </a:p>
           <a:p>
             <a:pPr algn="l"/>
             <a:r>
               <a:rPr lang="zh-CN" altLang="en-US">
-                <a:latin typeface="Courier New Regular" panose="02070309020205020404" charset="0"/>
-                <a:cs typeface="Courier New Regular" panose="02070309020205020404" charset="0"/>
+                <a:latin typeface="Consolas" panose="020B0609020204030204" charset="0"/>
+                <a:cs typeface="Consolas" panose="020B0609020204030204" charset="0"/>
               </a:rPr>
               <a:t> */</a:t>
             </a:r>
             <a:endParaRPr lang="zh-CN" altLang="en-US">
-              <a:latin typeface="Courier New Regular" panose="02070309020205020404" charset="0"/>
-              <a:cs typeface="Courier New Regular" panose="02070309020205020404" charset="0"/>
+              <a:latin typeface="Consolas" panose="020B0609020204030204" charset="0"/>
+              <a:cs typeface="Consolas" panose="020B0609020204030204" charset="0"/>
             </a:endParaRPr>
           </a:p>
         </p:txBody>
@@ -14282,10 +14331,16 @@
           <a:bodyPr/>
           <a:p>
             <a:r>
-              <a:rPr lang="zh-CN" altLang="en-US"/>
+              <a:rPr lang="zh-CN" altLang="en-US">
+                <a:latin typeface="Heiti SC Light" panose="02000000000000000000" charset="-122"/>
+                <a:ea typeface="Heiti SC Light" panose="02000000000000000000" charset="-122"/>
+              </a:rPr>
               <a:t>求表长</a:t>
             </a:r>
-            <a:endParaRPr lang="zh-CN" altLang="en-US"/>
+            <a:endParaRPr lang="zh-CN" altLang="en-US">
+              <a:latin typeface="Heiti SC Light" panose="02000000000000000000" charset="-122"/>
+              <a:ea typeface="Heiti SC Light" panose="02000000000000000000" charset="-122"/>
+            </a:endParaRPr>
           </a:p>
         </p:txBody>
       </p:sp>
@@ -14297,7 +14352,7 @@
         </p:nvSpPr>
         <p:spPr>
           <a:xfrm>
-            <a:off x="1097915" y="2762250"/>
+            <a:off x="2719705" y="2762250"/>
             <a:ext cx="6753225" cy="3415030"/>
           </a:xfrm>
           <a:prstGeom prst="rect">
@@ -14313,189 +14368,176 @@
             <a:pPr algn="l"/>
             <a:r>
               <a:rPr lang="zh-CN" altLang="en-US">
-                <a:latin typeface="Courier New Regular" panose="02070309020205020404" charset="0"/>
-                <a:cs typeface="Courier New Regular" panose="02070309020205020404" charset="0"/>
+                <a:latin typeface="Consolas" panose="020B0609020204030204" charset="0"/>
+                <a:ea typeface="Heiti SC Light" panose="02000000000000000000" charset="-122"/>
+                <a:cs typeface="Consolas" panose="020B0609020204030204" charset="0"/>
               </a:rPr>
               <a:t>int Length(struct ListNode *L) {</a:t>
             </a:r>
             <a:endParaRPr lang="zh-CN" altLang="en-US">
-              <a:latin typeface="Courier New Regular" panose="02070309020205020404" charset="0"/>
-              <a:cs typeface="Courier New Regular" panose="02070309020205020404" charset="0"/>
+              <a:latin typeface="Consolas" panose="020B0609020204030204" charset="0"/>
+              <a:ea typeface="Heiti SC Light" panose="02000000000000000000" charset="-122"/>
+              <a:cs typeface="Consolas" panose="020B0609020204030204" charset="0"/>
             </a:endParaRPr>
           </a:p>
           <a:p>
             <a:pPr algn="l"/>
             <a:r>
               <a:rPr lang="zh-CN" altLang="en-US">
-                <a:latin typeface="Courier New Regular" panose="02070309020205020404" charset="0"/>
-                <a:cs typeface="Courier New Regular" panose="02070309020205020404" charset="0"/>
+                <a:latin typeface="Consolas" panose="020B0609020204030204" charset="0"/>
+                <a:ea typeface="Heiti SC Light" panose="02000000000000000000" charset="-122"/>
+                <a:cs typeface="Consolas" panose="020B0609020204030204" charset="0"/>
               </a:rPr>
               <a:t>    struct ListNode *p;</a:t>
             </a:r>
             <a:endParaRPr lang="zh-CN" altLang="en-US">
-              <a:latin typeface="Courier New Regular" panose="02070309020205020404" charset="0"/>
-              <a:cs typeface="Courier New Regular" panose="02070309020205020404" charset="0"/>
+              <a:latin typeface="Consolas" panose="020B0609020204030204" charset="0"/>
+              <a:ea typeface="Heiti SC Light" panose="02000000000000000000" charset="-122"/>
+              <a:cs typeface="Consolas" panose="020B0609020204030204" charset="0"/>
             </a:endParaRPr>
           </a:p>
           <a:p>
             <a:pPr algn="l"/>
             <a:r>
               <a:rPr lang="zh-CN" altLang="en-US">
-                <a:latin typeface="Courier New Regular" panose="02070309020205020404" charset="0"/>
-                <a:cs typeface="Courier New Regular" panose="02070309020205020404" charset="0"/>
+                <a:latin typeface="Consolas" panose="020B0609020204030204" charset="0"/>
+                <a:ea typeface="Heiti SC Light" panose="02000000000000000000" charset="-122"/>
+                <a:cs typeface="Consolas" panose="020B0609020204030204" charset="0"/>
               </a:rPr>
               <a:t>    int cnt = 0; /* 初始化计数器 */</a:t>
             </a:r>
             <a:endParaRPr lang="zh-CN" altLang="en-US">
-              <a:latin typeface="Courier New Regular" panose="02070309020205020404" charset="0"/>
-              <a:cs typeface="Courier New Regular" panose="02070309020205020404" charset="0"/>
+              <a:latin typeface="Consolas" panose="020B0609020204030204" charset="0"/>
+              <a:ea typeface="Heiti SC Light" panose="02000000000000000000" charset="-122"/>
+              <a:cs typeface="Consolas" panose="020B0609020204030204" charset="0"/>
             </a:endParaRPr>
           </a:p>
           <a:p>
             <a:pPr algn="l"/>
             <a:endParaRPr lang="zh-CN" altLang="en-US">
-              <a:latin typeface="Courier New Regular" panose="02070309020205020404" charset="0"/>
-              <a:cs typeface="Courier New Regular" panose="02070309020205020404" charset="0"/>
+              <a:latin typeface="Consolas" panose="020B0609020204030204" charset="0"/>
+              <a:ea typeface="Heiti SC Light" panose="02000000000000000000" charset="-122"/>
+              <a:cs typeface="Consolas" panose="020B0609020204030204" charset="0"/>
             </a:endParaRPr>
           </a:p>
           <a:p>
             <a:pPr algn="l"/>
             <a:r>
               <a:rPr lang="zh-CN" altLang="en-US">
-                <a:latin typeface="Courier New Regular" panose="02070309020205020404" charset="0"/>
-                <a:cs typeface="Courier New Regular" panose="02070309020205020404" charset="0"/>
-              </a:rPr>
-              <a:t>    p = L; /* p指向表的第0个结点 */</a:t>
+                <a:latin typeface="Consolas" panose="020B0609020204030204" charset="0"/>
+                <a:ea typeface="Heiti SC Light" panose="02000000000000000000" charset="-122"/>
+                <a:cs typeface="Consolas" panose="020B0609020204030204" charset="0"/>
+              </a:rPr>
+              <a:t>    p = L; /* p指向表的第0个节点 */</a:t>
             </a:r>
             <a:endParaRPr lang="zh-CN" altLang="en-US">
-              <a:latin typeface="Courier New Regular" panose="02070309020205020404" charset="0"/>
-              <a:cs typeface="Courier New Regular" panose="02070309020205020404" charset="0"/>
+              <a:latin typeface="Consolas" panose="020B0609020204030204" charset="0"/>
+              <a:ea typeface="Heiti SC Light" panose="02000000000000000000" charset="-122"/>
+              <a:cs typeface="Consolas" panose="020B0609020204030204" charset="0"/>
             </a:endParaRPr>
           </a:p>
           <a:p>
             <a:pPr algn="l"/>
             <a:r>
               <a:rPr lang="zh-CN" altLang="en-US">
-                <a:latin typeface="Courier New Regular" panose="02070309020205020404" charset="0"/>
-                <a:cs typeface="Courier New Regular" panose="02070309020205020404" charset="0"/>
+                <a:latin typeface="Consolas" panose="020B0609020204030204" charset="0"/>
+                <a:ea typeface="Heiti SC Light" panose="02000000000000000000" charset="-122"/>
+                <a:cs typeface="Consolas" panose="020B0609020204030204" charset="0"/>
               </a:rPr>
               <a:t>    while (p) {</a:t>
             </a:r>
             <a:endParaRPr lang="zh-CN" altLang="en-US">
-              <a:latin typeface="Courier New Regular" panose="02070309020205020404" charset="0"/>
-              <a:cs typeface="Courier New Regular" panose="02070309020205020404" charset="0"/>
+              <a:latin typeface="Consolas" panose="020B0609020204030204" charset="0"/>
+              <a:ea typeface="Heiti SC Light" panose="02000000000000000000" charset="-122"/>
+              <a:cs typeface="Consolas" panose="020B0609020204030204" charset="0"/>
             </a:endParaRPr>
           </a:p>
           <a:p>
             <a:pPr algn="l"/>
             <a:r>
               <a:rPr lang="zh-CN" altLang="en-US">
-                <a:latin typeface="Courier New Regular" panose="02070309020205020404" charset="0"/>
-                <a:cs typeface="Courier New Regular" panose="02070309020205020404" charset="0"/>
+                <a:latin typeface="Consolas" panose="020B0609020204030204" charset="0"/>
+                <a:ea typeface="Heiti SC Light" panose="02000000000000000000" charset="-122"/>
+                <a:cs typeface="Consolas" panose="020B0609020204030204" charset="0"/>
               </a:rPr>
               <a:t>        p = p-&gt;next;</a:t>
             </a:r>
             <a:endParaRPr lang="zh-CN" altLang="en-US">
-              <a:latin typeface="Courier New Regular" panose="02070309020205020404" charset="0"/>
-              <a:cs typeface="Courier New Regular" panose="02070309020205020404" charset="0"/>
+              <a:latin typeface="Consolas" panose="020B0609020204030204" charset="0"/>
+              <a:ea typeface="Heiti SC Light" panose="02000000000000000000" charset="-122"/>
+              <a:cs typeface="Consolas" panose="020B0609020204030204" charset="0"/>
             </a:endParaRPr>
           </a:p>
           <a:p>
             <a:pPr algn="l"/>
             <a:r>
               <a:rPr lang="zh-CN" altLang="en-US">
-                <a:latin typeface="Courier New Regular" panose="02070309020205020404" charset="0"/>
-                <a:cs typeface="Courier New Regular" panose="02070309020205020404" charset="0"/>
-              </a:rPr>
-              <a:t>        cnt++; /* 当前p指向的是第cnt个结点*/</a:t>
+                <a:latin typeface="Consolas" panose="020B0609020204030204" charset="0"/>
+                <a:ea typeface="Heiti SC Light" panose="02000000000000000000" charset="-122"/>
+                <a:cs typeface="Consolas" panose="020B0609020204030204" charset="0"/>
+              </a:rPr>
+              <a:t>        cnt++; /* 当前p指向的是第cnt个节点*/</a:t>
             </a:r>
             <a:endParaRPr lang="zh-CN" altLang="en-US">
-              <a:latin typeface="Courier New Regular" panose="02070309020205020404" charset="0"/>
-              <a:cs typeface="Courier New Regular" panose="02070309020205020404" charset="0"/>
+              <a:latin typeface="Consolas" panose="020B0609020204030204" charset="0"/>
+              <a:ea typeface="Heiti SC Light" panose="02000000000000000000" charset="-122"/>
+              <a:cs typeface="Consolas" panose="020B0609020204030204" charset="0"/>
             </a:endParaRPr>
           </a:p>
           <a:p>
             <a:pPr algn="l"/>
             <a:r>
               <a:rPr lang="zh-CN" altLang="en-US">
-                <a:latin typeface="Courier New Regular" panose="02070309020205020404" charset="0"/>
-                <a:cs typeface="Courier New Regular" panose="02070309020205020404" charset="0"/>
+                <a:latin typeface="Consolas" panose="020B0609020204030204" charset="0"/>
+                <a:ea typeface="Heiti SC Light" panose="02000000000000000000" charset="-122"/>
+                <a:cs typeface="Consolas" panose="020B0609020204030204" charset="0"/>
               </a:rPr>
               <a:t>    }</a:t>
             </a:r>
             <a:endParaRPr lang="zh-CN" altLang="en-US">
-              <a:latin typeface="Courier New Regular" panose="02070309020205020404" charset="0"/>
-              <a:cs typeface="Courier New Regular" panose="02070309020205020404" charset="0"/>
+              <a:latin typeface="Consolas" panose="020B0609020204030204" charset="0"/>
+              <a:ea typeface="Heiti SC Light" panose="02000000000000000000" charset="-122"/>
+              <a:cs typeface="Consolas" panose="020B0609020204030204" charset="0"/>
             </a:endParaRPr>
           </a:p>
           <a:p>
             <a:pPr algn="l"/>
             <a:endParaRPr lang="zh-CN" altLang="en-US">
-              <a:latin typeface="Courier New Regular" panose="02070309020205020404" charset="0"/>
-              <a:cs typeface="Courier New Regular" panose="02070309020205020404" charset="0"/>
+              <a:latin typeface="Consolas" panose="020B0609020204030204" charset="0"/>
+              <a:ea typeface="Heiti SC Light" panose="02000000000000000000" charset="-122"/>
+              <a:cs typeface="Consolas" panose="020B0609020204030204" charset="0"/>
             </a:endParaRPr>
           </a:p>
           <a:p>
             <a:pPr algn="l"/>
             <a:r>
               <a:rPr lang="zh-CN" altLang="en-US">
-                <a:latin typeface="Courier New Regular" panose="02070309020205020404" charset="0"/>
-                <a:cs typeface="Courier New Regular" panose="02070309020205020404" charset="0"/>
+                <a:latin typeface="Consolas" panose="020B0609020204030204" charset="0"/>
+                <a:ea typeface="Heiti SC Light" panose="02000000000000000000" charset="-122"/>
+                <a:cs typeface="Consolas" panose="020B0609020204030204" charset="0"/>
               </a:rPr>
               <a:t>    return cnt;</a:t>
             </a:r>
             <a:endParaRPr lang="zh-CN" altLang="en-US">
-              <a:latin typeface="Courier New Regular" panose="02070309020205020404" charset="0"/>
-              <a:cs typeface="Courier New Regular" panose="02070309020205020404" charset="0"/>
+              <a:latin typeface="Consolas" panose="020B0609020204030204" charset="0"/>
+              <a:ea typeface="Heiti SC Light" panose="02000000000000000000" charset="-122"/>
+              <a:cs typeface="Consolas" panose="020B0609020204030204" charset="0"/>
             </a:endParaRPr>
           </a:p>
           <a:p>
             <a:pPr algn="l"/>
             <a:r>
               <a:rPr lang="zh-CN" altLang="en-US">
-                <a:latin typeface="Courier New Regular" panose="02070309020205020404" charset="0"/>
-                <a:cs typeface="Courier New Regular" panose="02070309020205020404" charset="0"/>
+                <a:latin typeface="Consolas" panose="020B0609020204030204" charset="0"/>
+                <a:ea typeface="Heiti SC Light" panose="02000000000000000000" charset="-122"/>
+                <a:cs typeface="Consolas" panose="020B0609020204030204" charset="0"/>
               </a:rPr>
               <a:t>}</a:t>
             </a:r>
             <a:endParaRPr lang="zh-CN" altLang="en-US">
-              <a:latin typeface="Courier New Regular" panose="02070309020205020404" charset="0"/>
-              <a:cs typeface="Courier New Regular" panose="02070309020205020404" charset="0"/>
-            </a:endParaRPr>
-          </a:p>
-        </p:txBody>
-      </p:sp>
-      <p:sp>
-        <p:nvSpPr>
-          <p:cNvPr id="4" name="文本框 3"/>
-          <p:cNvSpPr txBox="1"/>
-          <p:nvPr/>
-        </p:nvSpPr>
-        <p:spPr>
-          <a:xfrm>
-            <a:off x="7063105" y="2663825"/>
-            <a:ext cx="2621280" cy="583565"/>
-          </a:xfrm>
-          <a:prstGeom prst="rect">
-            <a:avLst/>
-          </a:prstGeom>
-          <a:noFill/>
-        </p:spPr>
-        <p:txBody>
-          <a:bodyPr wrap="none" rtlCol="0">
-            <a:spAutoFit/>
-          </a:bodyPr>
-          <a:p>
-            <a:r>
-              <a:rPr lang="zh-CN" altLang="en-US" sz="3200">
-                <a:latin typeface="Heiti SC Light" panose="02000000000000000000" charset="-122"/>
-                <a:ea typeface="Heiti SC Light" panose="02000000000000000000" charset="-122"/>
-              </a:rPr>
-              <a:t>时间复杂度？</a:t>
-            </a:r>
-            <a:endParaRPr lang="zh-CN" altLang="en-US" sz="3200">
-              <a:latin typeface="Heiti SC Light" panose="02000000000000000000" charset="-122"/>
+              <a:latin typeface="Consolas" panose="020B0609020204030204" charset="0"/>
               <a:ea typeface="Heiti SC Light" panose="02000000000000000000" charset="-122"/>
+              <a:cs typeface="Consolas" panose="020B0609020204030204" charset="0"/>
             </a:endParaRPr>
           </a:p>
         </p:txBody>
@@ -14577,182 +14619,196 @@
             <a:pPr algn="l"/>
             <a:r>
               <a:rPr lang="zh-CN" altLang="en-US">
-                <a:latin typeface="Courier New Regular" panose="02070309020205020404" charset="0"/>
-                <a:cs typeface="Courier New Regular" panose="02070309020205020404" charset="0"/>
+                <a:latin typeface="Consolas" panose="020B0609020204030204" charset="0"/>
+                <a:cs typeface="Consolas" panose="020B0609020204030204" charset="0"/>
               </a:rPr>
               <a:t>int FindKth(struct ListNode *L, int K) {</a:t>
             </a:r>
             <a:endParaRPr lang="zh-CN" altLang="en-US">
-              <a:latin typeface="Courier New Regular" panose="02070309020205020404" charset="0"/>
-              <a:cs typeface="Courier New Regular" panose="02070309020205020404" charset="0"/>
+              <a:latin typeface="Consolas" panose="020B0609020204030204" charset="0"/>
+              <a:cs typeface="Consolas" panose="020B0609020204030204" charset="0"/>
             </a:endParaRPr>
           </a:p>
           <a:p>
             <a:pPr algn="l"/>
             <a:r>
               <a:rPr lang="zh-CN" altLang="en-US">
-                <a:latin typeface="Courier New Regular" panose="02070309020205020404" charset="0"/>
-                <a:cs typeface="Courier New Regular" panose="02070309020205020404" charset="0"/>
+                <a:latin typeface="Consolas" panose="020B0609020204030204" charset="0"/>
+                <a:cs typeface="Consolas" panose="020B0609020204030204" charset="0"/>
               </a:rPr>
               <a:t>    struct ListNode *p;</a:t>
             </a:r>
             <a:endParaRPr lang="zh-CN" altLang="en-US">
-              <a:latin typeface="Courier New Regular" panose="02070309020205020404" charset="0"/>
-              <a:cs typeface="Courier New Regular" panose="02070309020205020404" charset="0"/>
+              <a:latin typeface="Consolas" panose="020B0609020204030204" charset="0"/>
+              <a:cs typeface="Consolas" panose="020B0609020204030204" charset="0"/>
             </a:endParaRPr>
           </a:p>
           <a:p>
             <a:pPr algn="l"/>
             <a:r>
               <a:rPr lang="zh-CN" altLang="en-US">
-                <a:latin typeface="Courier New Regular" panose="02070309020205020404" charset="0"/>
-                <a:cs typeface="Courier New Regular" panose="02070309020205020404" charset="0"/>
+                <a:latin typeface="Consolas" panose="020B0609020204030204" charset="0"/>
+                <a:cs typeface="Consolas" panose="020B0609020204030204" charset="0"/>
               </a:rPr>
               <a:t>    int cnt = 0; /* 位序从0开始 */</a:t>
             </a:r>
             <a:endParaRPr lang="zh-CN" altLang="en-US">
-              <a:latin typeface="Courier New Regular" panose="02070309020205020404" charset="0"/>
-              <a:cs typeface="Courier New Regular" panose="02070309020205020404" charset="0"/>
+              <a:latin typeface="Consolas" panose="020B0609020204030204" charset="0"/>
+              <a:cs typeface="Consolas" panose="020B0609020204030204" charset="0"/>
             </a:endParaRPr>
           </a:p>
           <a:p>
             <a:pPr algn="l"/>
             <a:r>
               <a:rPr lang="zh-CN" altLang="en-US">
-                <a:latin typeface="Courier New Regular" panose="02070309020205020404" charset="0"/>
-                <a:cs typeface="Courier New Regular" panose="02070309020205020404" charset="0"/>
-              </a:rPr>
-              <a:t>    p = L; /* p指向L的第0个结点 */</a:t>
+                <a:latin typeface="Consolas" panose="020B0609020204030204" charset="0"/>
+                <a:cs typeface="Consolas" panose="020B0609020204030204" charset="0"/>
+              </a:rPr>
+              <a:t>    p = L; /* p指向L的第0个节点 */</a:t>
             </a:r>
             <a:endParaRPr lang="zh-CN" altLang="en-US">
-              <a:latin typeface="Courier New Regular" panose="02070309020205020404" charset="0"/>
-              <a:cs typeface="Courier New Regular" panose="02070309020205020404" charset="0"/>
+              <a:latin typeface="Consolas" panose="020B0609020204030204" charset="0"/>
+              <a:cs typeface="Consolas" panose="020B0609020204030204" charset="0"/>
             </a:endParaRPr>
           </a:p>
           <a:p>
             <a:pPr algn="l"/>
             <a:r>
               <a:rPr lang="zh-CN" altLang="en-US">
-                <a:latin typeface="Courier New Regular" panose="02070309020205020404" charset="0"/>
-                <a:cs typeface="Courier New Regular" panose="02070309020205020404" charset="0"/>
+                <a:latin typeface="Consolas" panose="020B0609020204030204" charset="0"/>
+                <a:cs typeface="Consolas" panose="020B0609020204030204" charset="0"/>
               </a:rPr>
               <a:t>    while (p &amp;&amp; cnt &lt; K) {</a:t>
             </a:r>
             <a:endParaRPr lang="zh-CN" altLang="en-US">
-              <a:latin typeface="Courier New Regular" panose="02070309020205020404" charset="0"/>
-              <a:cs typeface="Courier New Regular" panose="02070309020205020404" charset="0"/>
+              <a:latin typeface="Consolas" panose="020B0609020204030204" charset="0"/>
+              <a:cs typeface="Consolas" panose="020B0609020204030204" charset="0"/>
             </a:endParaRPr>
           </a:p>
           <a:p>
             <a:pPr algn="l"/>
             <a:r>
               <a:rPr lang="zh-CN" altLang="en-US">
-                <a:latin typeface="Courier New Regular" panose="02070309020205020404" charset="0"/>
-                <a:cs typeface="Courier New Regular" panose="02070309020205020404" charset="0"/>
+                <a:latin typeface="Consolas" panose="020B0609020204030204" charset="0"/>
+                <a:cs typeface="Consolas" panose="020B0609020204030204" charset="0"/>
               </a:rPr>
               <a:t>        p = p-&gt;next;</a:t>
             </a:r>
             <a:endParaRPr lang="zh-CN" altLang="en-US">
-              <a:latin typeface="Courier New Regular" panose="02070309020205020404" charset="0"/>
-              <a:cs typeface="Courier New Regular" panose="02070309020205020404" charset="0"/>
+              <a:latin typeface="Consolas" panose="020B0609020204030204" charset="0"/>
+              <a:cs typeface="Consolas" panose="020B0609020204030204" charset="0"/>
             </a:endParaRPr>
           </a:p>
           <a:p>
             <a:pPr algn="l"/>
             <a:r>
               <a:rPr lang="zh-CN" altLang="en-US">
-                <a:latin typeface="Courier New Regular" panose="02070309020205020404" charset="0"/>
-                <a:cs typeface="Courier New Regular" panose="02070309020205020404" charset="0"/>
+                <a:latin typeface="Consolas" panose="020B0609020204030204" charset="0"/>
+                <a:cs typeface="Consolas" panose="020B0609020204030204" charset="0"/>
               </a:rPr>
               <a:t>        cnt++;</a:t>
             </a:r>
             <a:endParaRPr lang="zh-CN" altLang="en-US">
-              <a:latin typeface="Courier New Regular" panose="02070309020205020404" charset="0"/>
-              <a:cs typeface="Courier New Regular" panose="02070309020205020404" charset="0"/>
+              <a:latin typeface="Consolas" panose="020B0609020204030204" charset="0"/>
+              <a:cs typeface="Consolas" panose="020B0609020204030204" charset="0"/>
             </a:endParaRPr>
           </a:p>
           <a:p>
             <a:pPr algn="l"/>
             <a:r>
               <a:rPr lang="zh-CN" altLang="en-US">
-                <a:latin typeface="Courier New Regular" panose="02070309020205020404" charset="0"/>
-                <a:cs typeface="Courier New Regular" panose="02070309020205020404" charset="0"/>
+                <a:latin typeface="Consolas" panose="020B0609020204030204" charset="0"/>
+                <a:cs typeface="Consolas" panose="020B0609020204030204" charset="0"/>
               </a:rPr>
               <a:t>    }</a:t>
             </a:r>
             <a:endParaRPr lang="zh-CN" altLang="en-US">
-              <a:latin typeface="Courier New Regular" panose="02070309020205020404" charset="0"/>
-              <a:cs typeface="Courier New Regular" panose="02070309020205020404" charset="0"/>
+              <a:latin typeface="Consolas" panose="020B0609020204030204" charset="0"/>
+              <a:cs typeface="Consolas" panose="020B0609020204030204" charset="0"/>
             </a:endParaRPr>
           </a:p>
           <a:p>
             <a:pPr algn="l"/>
             <a:r>
               <a:rPr lang="zh-CN" altLang="en-US">
-                <a:latin typeface="Courier New Regular" panose="02070309020205020404" charset="0"/>
-                <a:cs typeface="Courier New Regular" panose="02070309020205020404" charset="0"/>
-              </a:rPr>
-              <a:t>    if (p)</a:t>
+                <a:latin typeface="Consolas" panose="020B0609020204030204" charset="0"/>
+                <a:cs typeface="Consolas" panose="020B0609020204030204" charset="0"/>
+              </a:rPr>
+              <a:t>    if (p</a:t>
+            </a:r>
+            <a:r>
+              <a:rPr lang="en-US" altLang="zh-CN">
+                <a:latin typeface="Consolas" panose="020B0609020204030204" charset="0"/>
+                <a:cs typeface="Consolas" panose="020B0609020204030204" charset="0"/>
+              </a:rPr>
+              <a:t> &amp;&amp; cnt == K</a:t>
+            </a:r>
+            <a:r>
+              <a:rPr lang="zh-CN" altLang="en-US">
+                <a:latin typeface="Consolas" panose="020B0609020204030204" charset="0"/>
+                <a:cs typeface="Consolas" panose="020B0609020204030204" charset="0"/>
+              </a:rPr>
+              <a:t>)</a:t>
             </a:r>
             <a:endParaRPr lang="zh-CN" altLang="en-US">
-              <a:latin typeface="Courier New Regular" panose="02070309020205020404" charset="0"/>
-              <a:cs typeface="Courier New Regular" panose="02070309020205020404" charset="0"/>
+              <a:latin typeface="Consolas" panose="020B0609020204030204" charset="0"/>
+              <a:cs typeface="Consolas" panose="020B0609020204030204" charset="0"/>
             </a:endParaRPr>
           </a:p>
           <a:p>
             <a:pPr algn="l"/>
             <a:r>
               <a:rPr lang="zh-CN" altLang="en-US">
-                <a:latin typeface="Courier New Regular" panose="02070309020205020404" charset="0"/>
-                <a:cs typeface="Courier New Regular" panose="02070309020205020404" charset="0"/>
+                <a:latin typeface="Consolas" panose="020B0609020204030204" charset="0"/>
+                <a:cs typeface="Consolas" panose="020B0609020204030204" charset="0"/>
               </a:rPr>
               <a:t>        return p-&gt;val; /* 找到第K个 */</a:t>
             </a:r>
             <a:endParaRPr lang="zh-CN" altLang="en-US">
-              <a:latin typeface="Courier New Regular" panose="02070309020205020404" charset="0"/>
-              <a:cs typeface="Courier New Regular" panose="02070309020205020404" charset="0"/>
+              <a:latin typeface="Consolas" panose="020B0609020204030204" charset="0"/>
+              <a:cs typeface="Consolas" panose="020B0609020204030204" charset="0"/>
             </a:endParaRPr>
           </a:p>
           <a:p>
             <a:pPr algn="l"/>
             <a:r>
               <a:rPr lang="zh-CN" altLang="en-US">
-                <a:latin typeface="Courier New Regular" panose="02070309020205020404" charset="0"/>
-                <a:cs typeface="Courier New Regular" panose="02070309020205020404" charset="0"/>
+                <a:latin typeface="Consolas" panose="020B0609020204030204" charset="0"/>
+                <a:cs typeface="Consolas" panose="020B0609020204030204" charset="0"/>
               </a:rPr>
               <a:t>    else</a:t>
             </a:r>
             <a:endParaRPr lang="zh-CN" altLang="en-US">
-              <a:latin typeface="Courier New Regular" panose="02070309020205020404" charset="0"/>
-              <a:cs typeface="Courier New Regular" panose="02070309020205020404" charset="0"/>
+              <a:latin typeface="Consolas" panose="020B0609020204030204" charset="0"/>
+              <a:cs typeface="Consolas" panose="020B0609020204030204" charset="0"/>
             </a:endParaRPr>
           </a:p>
           <a:p>
             <a:pPr algn="l"/>
             <a:r>
               <a:rPr lang="zh-CN" altLang="en-US">
-                <a:latin typeface="Courier New Regular" panose="02070309020205020404" charset="0"/>
-                <a:cs typeface="Courier New Regular" panose="02070309020205020404" charset="0"/>
+                <a:latin typeface="Consolas" panose="020B0609020204030204" charset="0"/>
+                <a:cs typeface="Consolas" panose="020B0609020204030204" charset="0"/>
               </a:rPr>
               <a:t>        return ERROR; /* 否则返回错误信息 */</a:t>
             </a:r>
             <a:endParaRPr lang="zh-CN" altLang="en-US">
-              <a:latin typeface="Courier New Regular" panose="02070309020205020404" charset="0"/>
-              <a:cs typeface="Courier New Regular" panose="02070309020205020404" charset="0"/>
+              <a:latin typeface="Consolas" panose="020B0609020204030204" charset="0"/>
+              <a:cs typeface="Consolas" panose="020B0609020204030204" charset="0"/>
             </a:endParaRPr>
           </a:p>
           <a:p>
             <a:pPr algn="l"/>
             <a:r>
               <a:rPr lang="zh-CN" altLang="en-US">
-                <a:latin typeface="Courier New Regular" panose="02070309020205020404" charset="0"/>
-                <a:cs typeface="Courier New Regular" panose="02070309020205020404" charset="0"/>
+                <a:latin typeface="Consolas" panose="020B0609020204030204" charset="0"/>
+                <a:cs typeface="Consolas" panose="020B0609020204030204" charset="0"/>
               </a:rPr>
               <a:t>}</a:t>
             </a:r>
             <a:endParaRPr lang="zh-CN" altLang="en-US">
-              <a:latin typeface="Courier New Regular" panose="02070309020205020404" charset="0"/>
-              <a:cs typeface="Courier New Regular" panose="02070309020205020404" charset="0"/>
+              <a:latin typeface="Consolas" panose="020B0609020204030204" charset="0"/>
+              <a:cs typeface="Consolas" panose="020B0609020204030204" charset="0"/>
             </a:endParaRPr>
           </a:p>
         </p:txBody>
@@ -14829,98 +14885,98 @@
             <a:pPr algn="l"/>
             <a:r>
               <a:rPr lang="zh-CN" altLang="en-US">
-                <a:latin typeface="Courier New Regular" panose="02070309020205020404" charset="0"/>
-                <a:cs typeface="Courier New Regular" panose="02070309020205020404" charset="0"/>
+                <a:latin typeface="Consolas" panose="020B0609020204030204" charset="0"/>
+                <a:cs typeface="Consolas" panose="020B0609020204030204" charset="0"/>
               </a:rPr>
               <a:t>struct ListNode *Find(struct ListNode *L, int X) {</a:t>
             </a:r>
             <a:endParaRPr lang="zh-CN" altLang="en-US">
-              <a:latin typeface="Courier New Regular" panose="02070309020205020404" charset="0"/>
-              <a:cs typeface="Courier New Regular" panose="02070309020205020404" charset="0"/>
+              <a:latin typeface="Consolas" panose="020B0609020204030204" charset="0"/>
+              <a:cs typeface="Consolas" panose="020B0609020204030204" charset="0"/>
             </a:endParaRPr>
           </a:p>
           <a:p>
             <a:pPr algn="l"/>
             <a:r>
               <a:rPr lang="zh-CN" altLang="en-US">
-                <a:latin typeface="Courier New Regular" panose="02070309020205020404" charset="0"/>
-                <a:cs typeface="Courier New Regular" panose="02070309020205020404" charset="0"/>
+                <a:latin typeface="Consolas" panose="020B0609020204030204" charset="0"/>
+                <a:cs typeface="Consolas" panose="020B0609020204030204" charset="0"/>
               </a:rPr>
               <a:t>    struct ListNode *p = L;</a:t>
             </a:r>
             <a:endParaRPr lang="zh-CN" altLang="en-US">
-              <a:latin typeface="Courier New Regular" panose="02070309020205020404" charset="0"/>
-              <a:cs typeface="Courier New Regular" panose="02070309020205020404" charset="0"/>
+              <a:latin typeface="Consolas" panose="020B0609020204030204" charset="0"/>
+              <a:cs typeface="Consolas" panose="020B0609020204030204" charset="0"/>
             </a:endParaRPr>
           </a:p>
           <a:p>
             <a:pPr algn="l"/>
             <a:r>
               <a:rPr lang="zh-CN" altLang="en-US">
-                <a:latin typeface="Courier New Regular" panose="02070309020205020404" charset="0"/>
-                <a:cs typeface="Courier New Regular" panose="02070309020205020404" charset="0"/>
-              </a:rPr>
-              <a:t>    /* p指向L的第0个结点 */</a:t>
+                <a:latin typeface="Consolas" panose="020B0609020204030204" charset="0"/>
+                <a:cs typeface="Consolas" panose="020B0609020204030204" charset="0"/>
+              </a:rPr>
+              <a:t>    /* p指向L的第0个节点 */</a:t>
             </a:r>
             <a:endParaRPr lang="zh-CN" altLang="en-US">
-              <a:latin typeface="Courier New Regular" panose="02070309020205020404" charset="0"/>
-              <a:cs typeface="Courier New Regular" panose="02070309020205020404" charset="0"/>
+              <a:latin typeface="Consolas" panose="020B0609020204030204" charset="0"/>
+              <a:cs typeface="Consolas" panose="020B0609020204030204" charset="0"/>
             </a:endParaRPr>
           </a:p>
           <a:p>
             <a:pPr algn="l"/>
             <a:r>
               <a:rPr lang="zh-CN" altLang="en-US">
-                <a:latin typeface="Courier New Regular" panose="02070309020205020404" charset="0"/>
-                <a:cs typeface="Courier New Regular" panose="02070309020205020404" charset="0"/>
+                <a:latin typeface="Consolas" panose="020B0609020204030204" charset="0"/>
+                <a:cs typeface="Consolas" panose="020B0609020204030204" charset="0"/>
               </a:rPr>
               <a:t>    while (p &amp;&amp; p-&gt;val != X)</a:t>
             </a:r>
             <a:endParaRPr lang="zh-CN" altLang="en-US">
-              <a:latin typeface="Courier New Regular" panose="02070309020205020404" charset="0"/>
-              <a:cs typeface="Courier New Regular" panose="02070309020205020404" charset="0"/>
+              <a:latin typeface="Consolas" panose="020B0609020204030204" charset="0"/>
+              <a:cs typeface="Consolas" panose="020B0609020204030204" charset="0"/>
             </a:endParaRPr>
           </a:p>
           <a:p>
             <a:pPr algn="l"/>
             <a:r>
               <a:rPr lang="zh-CN" altLang="en-US">
-                <a:latin typeface="Courier New Regular" panose="02070309020205020404" charset="0"/>
-                <a:cs typeface="Courier New Regular" panose="02070309020205020404" charset="0"/>
+                <a:latin typeface="Consolas" panose="020B0609020204030204" charset="0"/>
+                <a:cs typeface="Consolas" panose="020B0609020204030204" charset="0"/>
               </a:rPr>
               <a:t>        p = p-&gt;next;</a:t>
             </a:r>
             <a:endParaRPr lang="zh-CN" altLang="en-US">
-              <a:latin typeface="Courier New Regular" panose="02070309020205020404" charset="0"/>
-              <a:cs typeface="Courier New Regular" panose="02070309020205020404" charset="0"/>
+              <a:latin typeface="Consolas" panose="020B0609020204030204" charset="0"/>
+              <a:cs typeface="Consolas" panose="020B0609020204030204" charset="0"/>
             </a:endParaRPr>
           </a:p>
           <a:p>
             <a:pPr algn="l"/>
             <a:r>
               <a:rPr lang="zh-CN" altLang="en-US">
-                <a:latin typeface="Courier New Regular" panose="02070309020205020404" charset="0"/>
-                <a:cs typeface="Courier New Regular" panose="02070309020205020404" charset="0"/>
+                <a:latin typeface="Consolas" panose="020B0609020204030204" charset="0"/>
+                <a:cs typeface="Consolas" panose="020B0609020204030204" charset="0"/>
               </a:rPr>
               <a:t>    return p;</a:t>
             </a:r>
             <a:endParaRPr lang="zh-CN" altLang="en-US">
-              <a:latin typeface="Courier New Regular" panose="02070309020205020404" charset="0"/>
-              <a:cs typeface="Courier New Regular" panose="02070309020205020404" charset="0"/>
+              <a:latin typeface="Consolas" panose="020B0609020204030204" charset="0"/>
+              <a:cs typeface="Consolas" panose="020B0609020204030204" charset="0"/>
             </a:endParaRPr>
           </a:p>
           <a:p>
             <a:pPr algn="l"/>
             <a:r>
               <a:rPr lang="zh-CN" altLang="en-US">
-                <a:latin typeface="Courier New Regular" panose="02070309020205020404" charset="0"/>
-                <a:cs typeface="Courier New Regular" panose="02070309020205020404" charset="0"/>
+                <a:latin typeface="Consolas" panose="020B0609020204030204" charset="0"/>
+                <a:cs typeface="Consolas" panose="020B0609020204030204" charset="0"/>
               </a:rPr>
               <a:t>}</a:t>
             </a:r>
             <a:endParaRPr lang="zh-CN" altLang="en-US">
-              <a:latin typeface="Courier New Regular" panose="02070309020205020404" charset="0"/>
-              <a:cs typeface="Courier New Regular" panose="02070309020205020404" charset="0"/>
+              <a:latin typeface="Consolas" panose="020B0609020204030204" charset="0"/>
+              <a:cs typeface="Consolas" panose="020B0609020204030204" charset="0"/>
             </a:endParaRPr>
           </a:p>
         </p:txBody>
@@ -14992,8 +15048,8 @@
                 <a:solidFill>
                   <a:srgbClr val="0070C0"/>
                 </a:solidFill>
-                <a:latin typeface="Courier New Regular" panose="02070309020205020404" charset="0"/>
-                <a:cs typeface="Courier New Regular" panose="02070309020205020404" charset="0"/>
+                <a:latin typeface="Consolas" panose="020B0609020204030204" charset="0"/>
+                <a:cs typeface="Consolas" panose="020B0609020204030204" charset="0"/>
               </a:rPr>
               <a:t>bool Insert(struct ListNode *L, int X, int i) { /* </a:t>
             </a:r>
@@ -15002,18 +15058,18 @@
                 <a:solidFill>
                   <a:srgbClr val="C00000"/>
                 </a:solidFill>
-                <a:latin typeface="Courier New Regular" panose="02070309020205020404" charset="0"/>
-                <a:cs typeface="Courier New Regular" panose="02070309020205020404" charset="0"/>
-              </a:rPr>
-              <a:t>这里默认L有头结点</a:t>
+                <a:latin typeface="Consolas" panose="020B0609020204030204" charset="0"/>
+                <a:cs typeface="Consolas" panose="020B0609020204030204" charset="0"/>
+              </a:rPr>
+              <a:t>这里默认L有头节点</a:t>
             </a:r>
             <a:r>
               <a:rPr lang="zh-CN" altLang="en-US" b="1">
                 <a:solidFill>
                   <a:srgbClr val="0070C0"/>
                 </a:solidFill>
-                <a:latin typeface="Courier New Regular" panose="02070309020205020404" charset="0"/>
-                <a:cs typeface="Courier New Regular" panose="02070309020205020404" charset="0"/>
+                <a:latin typeface="Consolas" panose="020B0609020204030204" charset="0"/>
+                <a:cs typeface="Consolas" panose="020B0609020204030204" charset="0"/>
               </a:rPr>
               <a:t> */</a:t>
             </a:r>
@@ -15021,8 +15077,8 @@
               <a:solidFill>
                 <a:srgbClr val="0070C0"/>
               </a:solidFill>
-              <a:latin typeface="Courier New Regular" panose="02070309020205020404" charset="0"/>
-              <a:cs typeface="Courier New Regular" panose="02070309020205020404" charset="0"/>
+              <a:latin typeface="Consolas" panose="020B0609020204030204" charset="0"/>
+              <a:cs typeface="Consolas" panose="020B0609020204030204" charset="0"/>
             </a:endParaRPr>
           </a:p>
           <a:p>
@@ -15032,8 +15088,8 @@
                 <a:solidFill>
                   <a:srgbClr val="0070C0"/>
                 </a:solidFill>
-                <a:latin typeface="Courier New Regular" panose="02070309020205020404" charset="0"/>
-                <a:cs typeface="Courier New Regular" panose="02070309020205020404" charset="0"/>
+                <a:latin typeface="Consolas" panose="020B0609020204030204" charset="0"/>
+                <a:cs typeface="Consolas" panose="020B0609020204030204" charset="0"/>
               </a:rPr>
               <a:t>    struct ListNode *t, *pre;</a:t>
             </a:r>
@@ -15041,8 +15097,8 @@
               <a:solidFill>
                 <a:srgbClr val="0070C0"/>
               </a:solidFill>
-              <a:latin typeface="Courier New Regular" panose="02070309020205020404" charset="0"/>
-              <a:cs typeface="Courier New Regular" panose="02070309020205020404" charset="0"/>
+              <a:latin typeface="Consolas" panose="020B0609020204030204" charset="0"/>
+              <a:cs typeface="Consolas" panose="020B0609020204030204" charset="0"/>
             </a:endParaRPr>
           </a:p>
           <a:p>
@@ -15052,8 +15108,8 @@
                 <a:solidFill>
                   <a:srgbClr val="0070C0"/>
                 </a:solidFill>
-                <a:latin typeface="Courier New Regular" panose="02070309020205020404" charset="0"/>
-                <a:cs typeface="Courier New Regular" panose="02070309020205020404" charset="0"/>
+                <a:latin typeface="Consolas" panose="020B0609020204030204" charset="0"/>
+                <a:cs typeface="Consolas" panose="020B0609020204030204" charset="0"/>
               </a:rPr>
               <a:t>    int cnt = -1;</a:t>
             </a:r>
@@ -15061,8 +15117,8 @@
               <a:solidFill>
                 <a:srgbClr val="0070C0"/>
               </a:solidFill>
-              <a:latin typeface="Courier New Regular" panose="02070309020205020404" charset="0"/>
-              <a:cs typeface="Courier New Regular" panose="02070309020205020404" charset="0"/>
+              <a:latin typeface="Consolas" panose="020B0609020204030204" charset="0"/>
+              <a:cs typeface="Consolas" panose="020B0609020204030204" charset="0"/>
             </a:endParaRPr>
           </a:p>
           <a:p>
@@ -15072,17 +15128,17 @@
                 <a:solidFill>
                   <a:srgbClr val="0070C0"/>
                 </a:solidFill>
-                <a:latin typeface="Courier New Regular" panose="02070309020205020404" charset="0"/>
-                <a:cs typeface="Courier New Regular" panose="02070309020205020404" charset="0"/>
-              </a:rPr>
-              <a:t>    /* 查找位序为i-1的结点 */</a:t>
+                <a:latin typeface="Consolas" panose="020B0609020204030204" charset="0"/>
+                <a:cs typeface="Consolas" panose="020B0609020204030204" charset="0"/>
+              </a:rPr>
+              <a:t>    /* 查找位序为i-1的节点 */</a:t>
             </a:r>
             <a:endParaRPr lang="zh-CN" altLang="en-US" b="1">
               <a:solidFill>
                 <a:srgbClr val="0070C0"/>
               </a:solidFill>
-              <a:latin typeface="Courier New Regular" panose="02070309020205020404" charset="0"/>
-              <a:cs typeface="Courier New Regular" panose="02070309020205020404" charset="0"/>
+              <a:latin typeface="Consolas" panose="020B0609020204030204" charset="0"/>
+              <a:cs typeface="Consolas" panose="020B0609020204030204" charset="0"/>
             </a:endParaRPr>
           </a:p>
           <a:p>
@@ -15092,8 +15148,8 @@
                 <a:solidFill>
                   <a:srgbClr val="0070C0"/>
                 </a:solidFill>
-                <a:latin typeface="Courier New Regular" panose="02070309020205020404" charset="0"/>
-                <a:cs typeface="Courier New Regular" panose="02070309020205020404" charset="0"/>
+                <a:latin typeface="Consolas" panose="020B0609020204030204" charset="0"/>
+                <a:cs typeface="Consolas" panose="020B0609020204030204" charset="0"/>
               </a:rPr>
               <a:t>    pre = L; /* pre指向表头 */</a:t>
             </a:r>
@@ -15101,8 +15157,8 @@
               <a:solidFill>
                 <a:srgbClr val="0070C0"/>
               </a:solidFill>
-              <a:latin typeface="Courier New Regular" panose="02070309020205020404" charset="0"/>
-              <a:cs typeface="Courier New Regular" panose="02070309020205020404" charset="0"/>
+              <a:latin typeface="Consolas" panose="020B0609020204030204" charset="0"/>
+              <a:cs typeface="Consolas" panose="020B0609020204030204" charset="0"/>
             </a:endParaRPr>
           </a:p>
           <a:p>
@@ -15112,8 +15168,8 @@
                 <a:solidFill>
                   <a:srgbClr val="0070C0"/>
                 </a:solidFill>
-                <a:latin typeface="Courier New Regular" panose="02070309020205020404" charset="0"/>
-                <a:cs typeface="Courier New Regular" panose="02070309020205020404" charset="0"/>
+                <a:latin typeface="Consolas" panose="020B0609020204030204" charset="0"/>
+                <a:cs typeface="Consolas" panose="020B0609020204030204" charset="0"/>
               </a:rPr>
               <a:t>    while (pre &amp;&amp; cnt &lt; i - 1) {</a:t>
             </a:r>
@@ -15121,8 +15177,8 @@
               <a:solidFill>
                 <a:srgbClr val="0070C0"/>
               </a:solidFill>
-              <a:latin typeface="Courier New Regular" panose="02070309020205020404" charset="0"/>
-              <a:cs typeface="Courier New Regular" panose="02070309020205020404" charset="0"/>
+              <a:latin typeface="Consolas" panose="020B0609020204030204" charset="0"/>
+              <a:cs typeface="Consolas" panose="020B0609020204030204" charset="0"/>
             </a:endParaRPr>
           </a:p>
           <a:p>
@@ -15132,8 +15188,8 @@
                 <a:solidFill>
                   <a:srgbClr val="0070C0"/>
                 </a:solidFill>
-                <a:latin typeface="Courier New Regular" panose="02070309020205020404" charset="0"/>
-                <a:cs typeface="Courier New Regular" panose="02070309020205020404" charset="0"/>
+                <a:latin typeface="Consolas" panose="020B0609020204030204" charset="0"/>
+                <a:cs typeface="Consolas" panose="020B0609020204030204" charset="0"/>
               </a:rPr>
               <a:t>        pre = pre-&gt;next;</a:t>
             </a:r>
@@ -15141,8 +15197,8 @@
               <a:solidFill>
                 <a:srgbClr val="0070C0"/>
               </a:solidFill>
-              <a:latin typeface="Courier New Regular" panose="02070309020205020404" charset="0"/>
-              <a:cs typeface="Courier New Regular" panose="02070309020205020404" charset="0"/>
+              <a:latin typeface="Consolas" panose="020B0609020204030204" charset="0"/>
+              <a:cs typeface="Consolas" panose="020B0609020204030204" charset="0"/>
             </a:endParaRPr>
           </a:p>
           <a:p>
@@ -15152,8 +15208,8 @@
                 <a:solidFill>
                   <a:srgbClr val="0070C0"/>
                 </a:solidFill>
-                <a:latin typeface="Courier New Regular" panose="02070309020205020404" charset="0"/>
-                <a:cs typeface="Courier New Regular" panose="02070309020205020404" charset="0"/>
+                <a:latin typeface="Consolas" panose="020B0609020204030204" charset="0"/>
+                <a:cs typeface="Consolas" panose="020B0609020204030204" charset="0"/>
               </a:rPr>
               <a:t>        cnt++;</a:t>
             </a:r>
@@ -15161,8 +15217,8 @@
               <a:solidFill>
                 <a:srgbClr val="0070C0"/>
               </a:solidFill>
-              <a:latin typeface="Courier New Regular" panose="02070309020205020404" charset="0"/>
-              <a:cs typeface="Courier New Regular" panose="02070309020205020404" charset="0"/>
+              <a:latin typeface="Consolas" panose="020B0609020204030204" charset="0"/>
+              <a:cs typeface="Consolas" panose="020B0609020204030204" charset="0"/>
             </a:endParaRPr>
           </a:p>
           <a:p>
@@ -15172,8 +15228,8 @@
                 <a:solidFill>
                   <a:srgbClr val="0070C0"/>
                 </a:solidFill>
-                <a:latin typeface="Courier New Regular" panose="02070309020205020404" charset="0"/>
-                <a:cs typeface="Courier New Regular" panose="02070309020205020404" charset="0"/>
+                <a:latin typeface="Consolas" panose="020B0609020204030204" charset="0"/>
+                <a:cs typeface="Consolas" panose="020B0609020204030204" charset="0"/>
               </a:rPr>
               <a:t>    }</a:t>
             </a:r>
@@ -15181,8 +15237,8 @@
               <a:solidFill>
                 <a:srgbClr val="0070C0"/>
               </a:solidFill>
-              <a:latin typeface="Courier New Regular" panose="02070309020205020404" charset="0"/>
-              <a:cs typeface="Courier New Regular" panose="02070309020205020404" charset="0"/>
+              <a:latin typeface="Consolas" panose="020B0609020204030204" charset="0"/>
+              <a:cs typeface="Consolas" panose="020B0609020204030204" charset="0"/>
             </a:endParaRPr>
           </a:p>
           <a:p>
@@ -15192,8 +15248,8 @@
                 <a:solidFill>
                   <a:srgbClr val="0070C0"/>
                 </a:solidFill>
-                <a:latin typeface="Courier New Regular" panose="02070309020205020404" charset="0"/>
-                <a:cs typeface="Courier New Regular" panose="02070309020205020404" charset="0"/>
+                <a:latin typeface="Consolas" panose="020B0609020204030204" charset="0"/>
+                <a:cs typeface="Consolas" panose="020B0609020204030204" charset="0"/>
               </a:rPr>
               <a:t> </a:t>
             </a:r>
@@ -15202,8 +15258,8 @@
                 <a:solidFill>
                   <a:srgbClr val="0070C0"/>
                 </a:solidFill>
-                <a:latin typeface="Courier New Regular" panose="02070309020205020404" charset="0"/>
-                <a:cs typeface="Courier New Regular" panose="02070309020205020404" charset="0"/>
+                <a:latin typeface="Consolas" panose="020B0609020204030204" charset="0"/>
+                <a:cs typeface="Consolas" panose="020B0609020204030204" charset="0"/>
               </a:rPr>
               <a:t>   // Code snippet</a:t>
             </a:r>
@@ -15211,8 +15267,8 @@
               <a:solidFill>
                 <a:srgbClr val="0070C0"/>
               </a:solidFill>
-              <a:latin typeface="Courier New Regular" panose="02070309020205020404" charset="0"/>
-              <a:cs typeface="Courier New Regular" panose="02070309020205020404" charset="0"/>
+              <a:latin typeface="Consolas" panose="020B0609020204030204" charset="0"/>
+              <a:cs typeface="Consolas" panose="020B0609020204030204" charset="0"/>
             </a:endParaRPr>
           </a:p>
           <a:p>
@@ -15222,8 +15278,8 @@
                 <a:solidFill>
                   <a:srgbClr val="0070C0"/>
                 </a:solidFill>
-                <a:latin typeface="Courier New Regular" panose="02070309020205020404" charset="0"/>
-                <a:cs typeface="Courier New Regular" panose="02070309020205020404" charset="0"/>
+                <a:latin typeface="Consolas" panose="020B0609020204030204" charset="0"/>
+                <a:cs typeface="Consolas" panose="020B0609020204030204" charset="0"/>
               </a:rPr>
               <a:t>}</a:t>
             </a:r>
@@ -15231,8 +15287,8 @@
               <a:solidFill>
                 <a:srgbClr val="0070C0"/>
               </a:solidFill>
-              <a:latin typeface="Courier New Regular" panose="02070309020205020404" charset="0"/>
-              <a:cs typeface="Courier New Regular" panose="02070309020205020404" charset="0"/>
+              <a:latin typeface="Consolas" panose="020B0609020204030204" charset="0"/>
+              <a:cs typeface="Consolas" panose="020B0609020204030204" charset="0"/>
             </a:endParaRPr>
           </a:p>
         </p:txBody>
@@ -15245,8 +15301,8 @@
         </p:nvSpPr>
         <p:spPr>
           <a:xfrm>
-            <a:off x="3185795" y="3366770"/>
-            <a:ext cx="8929370" cy="3415030"/>
+            <a:off x="5992495" y="2895600"/>
+            <a:ext cx="4984750" cy="3138170"/>
           </a:xfrm>
           <a:prstGeom prst="rect">
             <a:avLst/>
@@ -15260,22 +15316,78 @@
           <a:p>
             <a:pPr algn="l"/>
             <a:r>
+              <a:rPr lang="en-US" altLang="zh-CN" b="1">
+                <a:solidFill>
+                  <a:srgbClr val="C00000"/>
+                </a:solidFill>
+                <a:latin typeface="Consolas" panose="020B0609020204030204" charset="0"/>
+                <a:cs typeface="Consolas" panose="020B0609020204030204" charset="0"/>
+                <a:sym typeface="+mn-ea"/>
+              </a:rPr>
+              <a:t>    </a:t>
+            </a:r>
+            <a:r>
               <a:rPr lang="zh-CN" altLang="en-US" b="1">
                 <a:solidFill>
                   <a:srgbClr val="C00000"/>
                 </a:solidFill>
-                <a:latin typeface="Courier New Regular" panose="02070309020205020404" charset="0"/>
-                <a:cs typeface="Courier New Regular" panose="02070309020205020404" charset="0"/>
+                <a:latin typeface="Consolas" panose="020B0609020204030204" charset="0"/>
+                <a:cs typeface="Consolas" panose="020B0609020204030204" charset="0"/>
                 <a:sym typeface="+mn-ea"/>
               </a:rPr>
-              <a:t>    if (pre == NULL) { /* 所找结点不在L中 */</a:t>
+              <a:t>if (pre </a:t>
+            </a:r>
+            <a:r>
+              <a:rPr lang="en-US" altLang="zh-CN" b="1">
+                <a:solidFill>
+                  <a:srgbClr val="C00000"/>
+                </a:solidFill>
+                <a:latin typeface="Consolas" panose="020B0609020204030204" charset="0"/>
+                <a:cs typeface="Consolas" panose="020B0609020204030204" charset="0"/>
+                <a:sym typeface="+mn-ea"/>
+              </a:rPr>
+              <a:t>!</a:t>
+            </a:r>
+            <a:r>
+              <a:rPr lang="zh-CN" altLang="en-US" b="1">
+                <a:solidFill>
+                  <a:srgbClr val="C00000"/>
+                </a:solidFill>
+                <a:latin typeface="Consolas" panose="020B0609020204030204" charset="0"/>
+                <a:cs typeface="Consolas" panose="020B0609020204030204" charset="0"/>
+                <a:sym typeface="+mn-ea"/>
+              </a:rPr>
+              <a:t>= NULL</a:t>
+            </a:r>
+            <a:r>
+              <a:rPr lang="en-US" altLang="zh-CN" b="1">
+                <a:solidFill>
+                  <a:srgbClr val="C00000"/>
+                </a:solidFill>
+                <a:latin typeface="Consolas" panose="020B0609020204030204" charset="0"/>
+                <a:cs typeface="Consolas" panose="020B0609020204030204" charset="0"/>
+                <a:sym typeface="+mn-ea"/>
+              </a:rPr>
+              <a:t> &amp;&amp; cnt == i - 1</a:t>
+            </a:r>
+            <a:r>
+              <a:rPr lang="zh-CN" altLang="en-US" b="1">
+                <a:solidFill>
+                  <a:srgbClr val="C00000"/>
+                </a:solidFill>
+                <a:latin typeface="Consolas" panose="020B0609020204030204" charset="0"/>
+                <a:cs typeface="Consolas" panose="020B0609020204030204" charset="0"/>
+                <a:sym typeface="+mn-ea"/>
+              </a:rPr>
+              <a:t>) {</a:t>
             </a:r>
             <a:endParaRPr lang="zh-CN" altLang="en-US" b="1">
               <a:solidFill>
                 <a:srgbClr val="C00000"/>
               </a:solidFill>
-              <a:latin typeface="Courier New Regular" panose="02070309020205020404" charset="0"/>
-              <a:cs typeface="Courier New Regular" panose="02070309020205020404" charset="0"/>
+              <a:latin typeface="Consolas" panose="020B0609020204030204" charset="0"/>
+              <a:cs typeface="Consolas" panose="020B0609020204030204" charset="0"/>
+              <a:sym typeface="+mn-ea"/>
             </a:endParaRPr>
           </a:p>
           <a:p>
@@ -15285,18 +15397,18 @@
                 <a:solidFill>
                   <a:srgbClr val="C00000"/>
                 </a:solidFill>
-                <a:latin typeface="Courier New Regular" panose="02070309020205020404" charset="0"/>
-                <a:cs typeface="Courier New Regular" panose="02070309020205020404" charset="0"/>
+                <a:latin typeface="Consolas" panose="020B0609020204030204" charset="0"/>
+                <a:cs typeface="Consolas" panose="020B0609020204030204" charset="0"/>
                 <a:sym typeface="+mn-ea"/>
               </a:rPr>
-              <a:t>        printf("插入位置参数错误\n");</a:t>
+              <a:t>        t = (struct ListNode *)malloc(</a:t>
             </a:r>
             <a:endParaRPr lang="zh-CN" altLang="en-US" b="1">
               <a:solidFill>
                 <a:srgbClr val="C00000"/>
               </a:solidFill>
-              <a:latin typeface="Courier New Regular" panose="02070309020205020404" charset="0"/>
-              <a:cs typeface="Courier New Regular" panose="02070309020205020404" charset="0"/>
+              <a:latin typeface="Consolas" panose="020B0609020204030204" charset="0"/>
+              <a:cs typeface="Consolas" panose="020B0609020204030204" charset="0"/>
             </a:endParaRPr>
           </a:p>
           <a:p>
@@ -15306,18 +15418,18 @@
                 <a:solidFill>
                   <a:srgbClr val="C00000"/>
                 </a:solidFill>
-                <a:latin typeface="Courier New Regular" panose="02070309020205020404" charset="0"/>
-                <a:cs typeface="Courier New Regular" panose="02070309020205020404" charset="0"/>
+                <a:latin typeface="Consolas" panose="020B0609020204030204" charset="0"/>
+                <a:cs typeface="Consolas" panose="020B0609020204030204" charset="0"/>
                 <a:sym typeface="+mn-ea"/>
               </a:rPr>
-              <a:t>        return false;</a:t>
+              <a:t>            sizeof(struct ListNode));</a:t>
             </a:r>
             <a:endParaRPr lang="zh-CN" altLang="en-US" b="1">
               <a:solidFill>
                 <a:srgbClr val="C00000"/>
               </a:solidFill>
-              <a:latin typeface="Courier New Regular" panose="02070309020205020404" charset="0"/>
-              <a:cs typeface="Courier New Regular" panose="02070309020205020404" charset="0"/>
+              <a:latin typeface="Consolas" panose="020B0609020204030204" charset="0"/>
+              <a:cs typeface="Consolas" panose="020B0609020204030204" charset="0"/>
             </a:endParaRPr>
           </a:p>
           <a:p>
@@ -15327,18 +15439,18 @@
                 <a:solidFill>
                   <a:srgbClr val="C00000"/>
                 </a:solidFill>
-                <a:latin typeface="Courier New Regular" panose="02070309020205020404" charset="0"/>
-                <a:cs typeface="Courier New Regular" panose="02070309020205020404" charset="0"/>
+                <a:latin typeface="Consolas" panose="020B0609020204030204" charset="0"/>
+                <a:cs typeface="Consolas" panose="020B0609020204030204" charset="0"/>
                 <a:sym typeface="+mn-ea"/>
               </a:rPr>
-              <a:t>    } else { /* 找到了待插结点的前一个结点pre；若i为0，pre就指向表头 */</a:t>
+              <a:t>        t-&gt;val = X;</a:t>
             </a:r>
             <a:endParaRPr lang="zh-CN" altLang="en-US" b="1">
               <a:solidFill>
                 <a:srgbClr val="C00000"/>
               </a:solidFill>
-              <a:latin typeface="Courier New Regular" panose="02070309020205020404" charset="0"/>
-              <a:cs typeface="Courier New Regular" panose="02070309020205020404" charset="0"/>
+              <a:latin typeface="Consolas" panose="020B0609020204030204" charset="0"/>
+              <a:cs typeface="Consolas" panose="020B0609020204030204" charset="0"/>
             </a:endParaRPr>
           </a:p>
           <a:p>
@@ -15348,18 +15460,18 @@
                 <a:solidFill>
                   <a:srgbClr val="C00000"/>
                 </a:solidFill>
-                <a:latin typeface="Courier New Regular" panose="02070309020205020404" charset="0"/>
-                <a:cs typeface="Courier New Regular" panose="02070309020205020404" charset="0"/>
+                <a:latin typeface="Consolas" panose="020B0609020204030204" charset="0"/>
+                <a:cs typeface="Consolas" panose="020B0609020204030204" charset="0"/>
                 <a:sym typeface="+mn-ea"/>
               </a:rPr>
-              <a:t>        /* 插入新结点 */</a:t>
+              <a:t>        t-&gt;next = pre-&gt;next;</a:t>
             </a:r>
             <a:endParaRPr lang="zh-CN" altLang="en-US" b="1">
               <a:solidFill>
                 <a:srgbClr val="C00000"/>
               </a:solidFill>
-              <a:latin typeface="Courier New Regular" panose="02070309020205020404" charset="0"/>
-              <a:cs typeface="Courier New Regular" panose="02070309020205020404" charset="0"/>
+              <a:latin typeface="Consolas" panose="020B0609020204030204" charset="0"/>
+              <a:cs typeface="Consolas" panose="020B0609020204030204" charset="0"/>
             </a:endParaRPr>
           </a:p>
           <a:p>
@@ -15369,18 +15481,18 @@
                 <a:solidFill>
                   <a:srgbClr val="C00000"/>
                 </a:solidFill>
-                <a:latin typeface="Courier New Regular" panose="02070309020205020404" charset="0"/>
-                <a:cs typeface="Courier New Regular" panose="02070309020205020404" charset="0"/>
+                <a:latin typeface="Consolas" panose="020B0609020204030204" charset="0"/>
+                <a:cs typeface="Consolas" panose="020B0609020204030204" charset="0"/>
                 <a:sym typeface="+mn-ea"/>
               </a:rPr>
-              <a:t>        t = (struct ListNode *)malloc(</a:t>
+              <a:t>        pre-&gt;next = t;</a:t>
             </a:r>
             <a:endParaRPr lang="zh-CN" altLang="en-US" b="1">
               <a:solidFill>
                 <a:srgbClr val="C00000"/>
               </a:solidFill>
-              <a:latin typeface="Courier New Regular" panose="02070309020205020404" charset="0"/>
-              <a:cs typeface="Courier New Regular" panose="02070309020205020404" charset="0"/>
+              <a:latin typeface="Consolas" panose="020B0609020204030204" charset="0"/>
+              <a:cs typeface="Consolas" panose="020B0609020204030204" charset="0"/>
             </a:endParaRPr>
           </a:p>
           <a:p>
@@ -15390,39 +15502,50 @@
                 <a:solidFill>
                   <a:srgbClr val="C00000"/>
                 </a:solidFill>
-                <a:latin typeface="Courier New Regular" panose="02070309020205020404" charset="0"/>
-                <a:cs typeface="Courier New Regular" panose="02070309020205020404" charset="0"/>
+                <a:latin typeface="Consolas" panose="020B0609020204030204" charset="0"/>
+                <a:cs typeface="Consolas" panose="020B0609020204030204" charset="0"/>
                 <a:sym typeface="+mn-ea"/>
               </a:rPr>
-              <a:t>            sizeof(struct ListNode));</a:t>
+              <a:t>        return true;</a:t>
             </a:r>
             <a:endParaRPr lang="zh-CN" altLang="en-US" b="1">
               <a:solidFill>
                 <a:srgbClr val="C00000"/>
               </a:solidFill>
-              <a:latin typeface="Courier New Regular" panose="02070309020205020404" charset="0"/>
-              <a:cs typeface="Courier New Regular" panose="02070309020205020404" charset="0"/>
+              <a:latin typeface="Consolas" panose="020B0609020204030204" charset="0"/>
+              <a:cs typeface="Consolas" panose="020B0609020204030204" charset="0"/>
             </a:endParaRPr>
           </a:p>
           <a:p>
             <a:pPr algn="l"/>
             <a:r>
+              <a:rPr lang="en-US" altLang="zh-CN" b="1">
+                <a:solidFill>
+                  <a:srgbClr val="C00000"/>
+                </a:solidFill>
+                <a:latin typeface="Consolas" panose="020B0609020204030204" charset="0"/>
+                <a:cs typeface="Consolas" panose="020B0609020204030204" charset="0"/>
+                <a:sym typeface="+mn-ea"/>
+              </a:rPr>
+              <a:t>    </a:t>
+            </a:r>
+            <a:r>
               <a:rPr lang="zh-CN" altLang="en-US" b="1">
                 <a:solidFill>
                   <a:srgbClr val="C00000"/>
                 </a:solidFill>
-                <a:latin typeface="Courier New Regular" panose="02070309020205020404" charset="0"/>
-                <a:cs typeface="Courier New Regular" panose="02070309020205020404" charset="0"/>
+                <a:latin typeface="Consolas" panose="020B0609020204030204" charset="0"/>
+                <a:cs typeface="Consolas" panose="020B0609020204030204" charset="0"/>
                 <a:sym typeface="+mn-ea"/>
               </a:rPr>
-              <a:t>        t-&gt;val = X;</a:t>
+              <a:t>} else {</a:t>
             </a:r>
             <a:endParaRPr lang="zh-CN" altLang="en-US" b="1">
               <a:solidFill>
                 <a:srgbClr val="C00000"/>
               </a:solidFill>
-              <a:latin typeface="Courier New Regular" panose="02070309020205020404" charset="0"/>
-              <a:cs typeface="Courier New Regular" panose="02070309020205020404" charset="0"/>
+              <a:latin typeface="Consolas" panose="020B0609020204030204" charset="0"/>
+              <a:cs typeface="Consolas" panose="020B0609020204030204" charset="0"/>
             </a:endParaRPr>
           </a:p>
           <a:p>
@@ -15432,18 +15555,18 @@
                 <a:solidFill>
                   <a:srgbClr val="C00000"/>
                 </a:solidFill>
-                <a:latin typeface="Courier New Regular" panose="02070309020205020404" charset="0"/>
-                <a:cs typeface="Courier New Regular" panose="02070309020205020404" charset="0"/>
+                <a:latin typeface="Consolas" panose="020B0609020204030204" charset="0"/>
+                <a:cs typeface="Consolas" panose="020B0609020204030204" charset="0"/>
                 <a:sym typeface="+mn-ea"/>
               </a:rPr>
-              <a:t>        t-&gt;next = pre-&gt;next;</a:t>
+              <a:t>        printf("插入位置参数错误\n");</a:t>
             </a:r>
             <a:endParaRPr lang="zh-CN" altLang="en-US" b="1">
               <a:solidFill>
                 <a:srgbClr val="C00000"/>
               </a:solidFill>
-              <a:latin typeface="Courier New Regular" panose="02070309020205020404" charset="0"/>
-              <a:cs typeface="Courier New Regular" panose="02070309020205020404" charset="0"/>
+              <a:latin typeface="Consolas" panose="020B0609020204030204" charset="0"/>
+              <a:cs typeface="Consolas" panose="020B0609020204030204" charset="0"/>
             </a:endParaRPr>
           </a:p>
           <a:p>
@@ -15453,18 +15576,18 @@
                 <a:solidFill>
                   <a:srgbClr val="C00000"/>
                 </a:solidFill>
-                <a:latin typeface="Courier New Regular" panose="02070309020205020404" charset="0"/>
-                <a:cs typeface="Courier New Regular" panose="02070309020205020404" charset="0"/>
+                <a:latin typeface="Consolas" panose="020B0609020204030204" charset="0"/>
+                <a:cs typeface="Consolas" panose="020B0609020204030204" charset="0"/>
                 <a:sym typeface="+mn-ea"/>
               </a:rPr>
-              <a:t>        pre-&gt;next = t;</a:t>
+              <a:t>        return false;</a:t>
             </a:r>
             <a:endParaRPr lang="zh-CN" altLang="en-US" b="1">
               <a:solidFill>
                 <a:srgbClr val="C00000"/>
               </a:solidFill>
-              <a:latin typeface="Courier New Regular" panose="02070309020205020404" charset="0"/>
-              <a:cs typeface="Courier New Regular" panose="02070309020205020404" charset="0"/>
+              <a:latin typeface="Consolas" panose="020B0609020204030204" charset="0"/>
+              <a:cs typeface="Consolas" panose="020B0609020204030204" charset="0"/>
             </a:endParaRPr>
           </a:p>
           <a:p>
@@ -15474,39 +15597,18 @@
                 <a:solidFill>
                   <a:srgbClr val="C00000"/>
                 </a:solidFill>
-                <a:latin typeface="Courier New Regular" panose="02070309020205020404" charset="0"/>
-                <a:cs typeface="Courier New Regular" panose="02070309020205020404" charset="0"/>
+                <a:latin typeface="Consolas" panose="020B0609020204030204" charset="0"/>
+                <a:cs typeface="Consolas" panose="020B0609020204030204" charset="0"/>
                 <a:sym typeface="+mn-ea"/>
               </a:rPr>
-              <a:t>        return true;</a:t>
+              <a:t>    }</a:t>
             </a:r>
             <a:endParaRPr lang="zh-CN" altLang="en-US" b="1">
               <a:solidFill>
                 <a:srgbClr val="C00000"/>
               </a:solidFill>
-              <a:latin typeface="Courier New Regular" panose="02070309020205020404" charset="0"/>
-              <a:cs typeface="Courier New Regular" panose="02070309020205020404" charset="0"/>
-            </a:endParaRPr>
-          </a:p>
-          <a:p>
-            <a:pPr algn="l"/>
-            <a:r>
-              <a:rPr lang="zh-CN" altLang="en-US" b="1">
-                <a:solidFill>
-                  <a:srgbClr val="C00000"/>
-                </a:solidFill>
-                <a:latin typeface="Courier New Regular" panose="02070309020205020404" charset="0"/>
-                <a:cs typeface="Courier New Regular" panose="02070309020205020404" charset="0"/>
-                <a:sym typeface="+mn-ea"/>
-              </a:rPr>
-              <a:t>    }</a:t>
-            </a:r>
-            <a:endParaRPr lang="zh-CN" altLang="en-US" b="1">
-              <a:solidFill>
-                <a:srgbClr val="C00000"/>
-              </a:solidFill>
-              <a:latin typeface="Courier New Regular" panose="02070309020205020404" charset="0"/>
-              <a:cs typeface="Courier New Regular" panose="02070309020205020404" charset="0"/>
+              <a:latin typeface="Consolas" panose="020B0609020204030204" charset="0"/>
+              <a:cs typeface="Consolas" panose="020B0609020204030204" charset="0"/>
               <a:sym typeface="+mn-ea"/>
             </a:endParaRPr>
           </a:p>
